--- a/01 Classes/Aula 09 - Aplicação Cloud Indústria 40 Python IoT - Integração Cloud IoT Características Relevantes.pptx
+++ b/01 Classes/Aula 09 - Aplicação Cloud Indústria 40 Python IoT - Integração Cloud IoT Características Relevantes.pptx
@@ -5,17 +5,35 @@
     <p:sldMasterId id="2147483648" r:id="rId1"/>
   </p:sldMasterIdLst>
   <p:notesMasterIdLst>
-    <p:notesMasterId r:id="rId10"/>
+    <p:notesMasterId r:id="rId28"/>
   </p:notesMasterIdLst>
   <p:sldIdLst>
     <p:sldId id="256" r:id="rId2"/>
     <p:sldId id="291" r:id="rId3"/>
     <p:sldId id="347" r:id="rId4"/>
-    <p:sldId id="333" r:id="rId5"/>
-    <p:sldId id="323" r:id="rId6"/>
-    <p:sldId id="345" r:id="rId7"/>
-    <p:sldId id="337" r:id="rId8"/>
-    <p:sldId id="309" r:id="rId9"/>
+    <p:sldId id="349" r:id="rId5"/>
+    <p:sldId id="358" r:id="rId6"/>
+    <p:sldId id="359" r:id="rId7"/>
+    <p:sldId id="360" r:id="rId8"/>
+    <p:sldId id="361" r:id="rId9"/>
+    <p:sldId id="362" r:id="rId10"/>
+    <p:sldId id="364" r:id="rId11"/>
+    <p:sldId id="365" r:id="rId12"/>
+    <p:sldId id="348" r:id="rId13"/>
+    <p:sldId id="350" r:id="rId14"/>
+    <p:sldId id="351" r:id="rId15"/>
+    <p:sldId id="355" r:id="rId16"/>
+    <p:sldId id="352" r:id="rId17"/>
+    <p:sldId id="353" r:id="rId18"/>
+    <p:sldId id="354" r:id="rId19"/>
+    <p:sldId id="356" r:id="rId20"/>
+    <p:sldId id="357" r:id="rId21"/>
+    <p:sldId id="366" r:id="rId22"/>
+    <p:sldId id="333" r:id="rId23"/>
+    <p:sldId id="323" r:id="rId24"/>
+    <p:sldId id="345" r:id="rId25"/>
+    <p:sldId id="337" r:id="rId26"/>
+    <p:sldId id="309" r:id="rId27"/>
   </p:sldIdLst>
   <p:sldSz cx="9144000" cy="5143500" type="screen16x9"/>
   <p:notesSz cx="6858000" cy="9144000"/>
@@ -562,6 +580,666 @@
 </p:notes>
 </file>
 
+<file path=ppt/notesSlides/notesSlide10.xml><?xml version="1.0" encoding="utf-8"?>
+<p:notes xmlns:a="http://schemas.openxmlformats.org/drawingml/2006/main" xmlns:r="http://schemas.openxmlformats.org/officeDocument/2006/relationships" xmlns:p="http://schemas.openxmlformats.org/presentationml/2006/main">
+  <p:cSld>
+    <p:spTree>
+      <p:nvGrpSpPr>
+        <p:cNvPr id="1" name=""/>
+        <p:cNvGrpSpPr/>
+        <p:nvPr/>
+      </p:nvGrpSpPr>
+      <p:grpSpPr>
+        <a:xfrm>
+          <a:off x="0" y="0"/>
+          <a:ext cx="0" cy="0"/>
+          <a:chOff x="0" y="0"/>
+          <a:chExt cx="0" cy="0"/>
+        </a:xfrm>
+      </p:grpSpPr>
+      <p:sp>
+        <p:nvSpPr>
+          <p:cNvPr id="2" name="Espaço Reservado para Imagem de Slide 1"/>
+          <p:cNvSpPr>
+            <a:spLocks noGrp="1" noRot="1" noChangeAspect="1"/>
+          </p:cNvSpPr>
+          <p:nvPr>
+            <p:ph type="sldImg"/>
+          </p:nvPr>
+        </p:nvSpPr>
+        <p:spPr>
+          <a:xfrm>
+            <a:off x="381000" y="685800"/>
+            <a:ext cx="6096000" cy="3429000"/>
+          </a:xfrm>
+        </p:spPr>
+      </p:sp>
+      <p:sp>
+        <p:nvSpPr>
+          <p:cNvPr id="3" name="Espaço Reservado para Anotações 2"/>
+          <p:cNvSpPr>
+            <a:spLocks noGrp="1"/>
+          </p:cNvSpPr>
+          <p:nvPr>
+            <p:ph type="body" idx="1"/>
+          </p:nvPr>
+        </p:nvSpPr>
+        <p:spPr/>
+        <p:txBody>
+          <a:bodyPr/>
+          <a:lstStyle/>
+          <a:p>
+            <a:endParaRPr lang="pt-BR" dirty="0"/>
+          </a:p>
+        </p:txBody>
+      </p:sp>
+    </p:spTree>
+    <p:extLst>
+      <p:ext uri="{BB962C8B-B14F-4D97-AF65-F5344CB8AC3E}">
+        <p14:creationId xmlns:p14="http://schemas.microsoft.com/office/powerpoint/2010/main" val="1996546913"/>
+      </p:ext>
+    </p:extLst>
+  </p:cSld>
+  <p:clrMapOvr>
+    <a:masterClrMapping/>
+  </p:clrMapOvr>
+</p:notes>
+</file>
+
+<file path=ppt/notesSlides/notesSlide11.xml><?xml version="1.0" encoding="utf-8"?>
+<p:notes xmlns:a="http://schemas.openxmlformats.org/drawingml/2006/main" xmlns:r="http://schemas.openxmlformats.org/officeDocument/2006/relationships" xmlns:p="http://schemas.openxmlformats.org/presentationml/2006/main">
+  <p:cSld>
+    <p:spTree>
+      <p:nvGrpSpPr>
+        <p:cNvPr id="1" name=""/>
+        <p:cNvGrpSpPr/>
+        <p:nvPr/>
+      </p:nvGrpSpPr>
+      <p:grpSpPr>
+        <a:xfrm>
+          <a:off x="0" y="0"/>
+          <a:ext cx="0" cy="0"/>
+          <a:chOff x="0" y="0"/>
+          <a:chExt cx="0" cy="0"/>
+        </a:xfrm>
+      </p:grpSpPr>
+      <p:sp>
+        <p:nvSpPr>
+          <p:cNvPr id="2" name="Espaço Reservado para Imagem de Slide 1"/>
+          <p:cNvSpPr>
+            <a:spLocks noGrp="1" noRot="1" noChangeAspect="1"/>
+          </p:cNvSpPr>
+          <p:nvPr>
+            <p:ph type="sldImg"/>
+          </p:nvPr>
+        </p:nvSpPr>
+        <p:spPr>
+          <a:xfrm>
+            <a:off x="381000" y="685800"/>
+            <a:ext cx="6096000" cy="3429000"/>
+          </a:xfrm>
+        </p:spPr>
+      </p:sp>
+      <p:sp>
+        <p:nvSpPr>
+          <p:cNvPr id="3" name="Espaço Reservado para Anotações 2"/>
+          <p:cNvSpPr>
+            <a:spLocks noGrp="1"/>
+          </p:cNvSpPr>
+          <p:nvPr>
+            <p:ph type="body" idx="1"/>
+          </p:nvPr>
+        </p:nvSpPr>
+        <p:spPr/>
+        <p:txBody>
+          <a:bodyPr/>
+          <a:lstStyle/>
+          <a:p>
+            <a:endParaRPr lang="pt-BR" dirty="0"/>
+          </a:p>
+        </p:txBody>
+      </p:sp>
+    </p:spTree>
+    <p:extLst>
+      <p:ext uri="{BB962C8B-B14F-4D97-AF65-F5344CB8AC3E}">
+        <p14:creationId xmlns:p14="http://schemas.microsoft.com/office/powerpoint/2010/main" val="3924483110"/>
+      </p:ext>
+    </p:extLst>
+  </p:cSld>
+  <p:clrMapOvr>
+    <a:masterClrMapping/>
+  </p:clrMapOvr>
+</p:notes>
+</file>
+
+<file path=ppt/notesSlides/notesSlide12.xml><?xml version="1.0" encoding="utf-8"?>
+<p:notes xmlns:a="http://schemas.openxmlformats.org/drawingml/2006/main" xmlns:r="http://schemas.openxmlformats.org/officeDocument/2006/relationships" xmlns:p="http://schemas.openxmlformats.org/presentationml/2006/main">
+  <p:cSld>
+    <p:spTree>
+      <p:nvGrpSpPr>
+        <p:cNvPr id="1" name=""/>
+        <p:cNvGrpSpPr/>
+        <p:nvPr/>
+      </p:nvGrpSpPr>
+      <p:grpSpPr>
+        <a:xfrm>
+          <a:off x="0" y="0"/>
+          <a:ext cx="0" cy="0"/>
+          <a:chOff x="0" y="0"/>
+          <a:chExt cx="0" cy="0"/>
+        </a:xfrm>
+      </p:grpSpPr>
+      <p:sp>
+        <p:nvSpPr>
+          <p:cNvPr id="2" name="Espaço Reservado para Imagem de Slide 1"/>
+          <p:cNvSpPr>
+            <a:spLocks noGrp="1" noRot="1" noChangeAspect="1"/>
+          </p:cNvSpPr>
+          <p:nvPr>
+            <p:ph type="sldImg"/>
+          </p:nvPr>
+        </p:nvSpPr>
+        <p:spPr>
+          <a:xfrm>
+            <a:off x="381000" y="685800"/>
+            <a:ext cx="6096000" cy="3429000"/>
+          </a:xfrm>
+        </p:spPr>
+      </p:sp>
+      <p:sp>
+        <p:nvSpPr>
+          <p:cNvPr id="3" name="Espaço Reservado para Anotações 2"/>
+          <p:cNvSpPr>
+            <a:spLocks noGrp="1"/>
+          </p:cNvSpPr>
+          <p:nvPr>
+            <p:ph type="body" idx="1"/>
+          </p:nvPr>
+        </p:nvSpPr>
+        <p:spPr/>
+        <p:txBody>
+          <a:bodyPr/>
+          <a:lstStyle/>
+          <a:p>
+            <a:endParaRPr lang="pt-BR" dirty="0"/>
+          </a:p>
+        </p:txBody>
+      </p:sp>
+    </p:spTree>
+    <p:extLst>
+      <p:ext uri="{BB962C8B-B14F-4D97-AF65-F5344CB8AC3E}">
+        <p14:creationId xmlns:p14="http://schemas.microsoft.com/office/powerpoint/2010/main" val="1749802891"/>
+      </p:ext>
+    </p:extLst>
+  </p:cSld>
+  <p:clrMapOvr>
+    <a:masterClrMapping/>
+  </p:clrMapOvr>
+</p:notes>
+</file>
+
+<file path=ppt/notesSlides/notesSlide13.xml><?xml version="1.0" encoding="utf-8"?>
+<p:notes xmlns:a="http://schemas.openxmlformats.org/drawingml/2006/main" xmlns:r="http://schemas.openxmlformats.org/officeDocument/2006/relationships" xmlns:p="http://schemas.openxmlformats.org/presentationml/2006/main">
+  <p:cSld>
+    <p:spTree>
+      <p:nvGrpSpPr>
+        <p:cNvPr id="1" name=""/>
+        <p:cNvGrpSpPr/>
+        <p:nvPr/>
+      </p:nvGrpSpPr>
+      <p:grpSpPr>
+        <a:xfrm>
+          <a:off x="0" y="0"/>
+          <a:ext cx="0" cy="0"/>
+          <a:chOff x="0" y="0"/>
+          <a:chExt cx="0" cy="0"/>
+        </a:xfrm>
+      </p:grpSpPr>
+      <p:sp>
+        <p:nvSpPr>
+          <p:cNvPr id="2" name="Espaço Reservado para Imagem de Slide 1"/>
+          <p:cNvSpPr>
+            <a:spLocks noGrp="1" noRot="1" noChangeAspect="1"/>
+          </p:cNvSpPr>
+          <p:nvPr>
+            <p:ph type="sldImg"/>
+          </p:nvPr>
+        </p:nvSpPr>
+        <p:spPr>
+          <a:xfrm>
+            <a:off x="381000" y="685800"/>
+            <a:ext cx="6096000" cy="3429000"/>
+          </a:xfrm>
+        </p:spPr>
+      </p:sp>
+      <p:sp>
+        <p:nvSpPr>
+          <p:cNvPr id="3" name="Espaço Reservado para Anotações 2"/>
+          <p:cNvSpPr>
+            <a:spLocks noGrp="1"/>
+          </p:cNvSpPr>
+          <p:nvPr>
+            <p:ph type="body" idx="1"/>
+          </p:nvPr>
+        </p:nvSpPr>
+        <p:spPr/>
+        <p:txBody>
+          <a:bodyPr/>
+          <a:lstStyle/>
+          <a:p>
+            <a:endParaRPr lang="pt-BR" dirty="0"/>
+          </a:p>
+        </p:txBody>
+      </p:sp>
+    </p:spTree>
+    <p:extLst>
+      <p:ext uri="{BB962C8B-B14F-4D97-AF65-F5344CB8AC3E}">
+        <p14:creationId xmlns:p14="http://schemas.microsoft.com/office/powerpoint/2010/main" val="1643497808"/>
+      </p:ext>
+    </p:extLst>
+  </p:cSld>
+  <p:clrMapOvr>
+    <a:masterClrMapping/>
+  </p:clrMapOvr>
+</p:notes>
+</file>
+
+<file path=ppt/notesSlides/notesSlide14.xml><?xml version="1.0" encoding="utf-8"?>
+<p:notes xmlns:a="http://schemas.openxmlformats.org/drawingml/2006/main" xmlns:r="http://schemas.openxmlformats.org/officeDocument/2006/relationships" xmlns:p="http://schemas.openxmlformats.org/presentationml/2006/main">
+  <p:cSld>
+    <p:spTree>
+      <p:nvGrpSpPr>
+        <p:cNvPr id="1" name=""/>
+        <p:cNvGrpSpPr/>
+        <p:nvPr/>
+      </p:nvGrpSpPr>
+      <p:grpSpPr>
+        <a:xfrm>
+          <a:off x="0" y="0"/>
+          <a:ext cx="0" cy="0"/>
+          <a:chOff x="0" y="0"/>
+          <a:chExt cx="0" cy="0"/>
+        </a:xfrm>
+      </p:grpSpPr>
+      <p:sp>
+        <p:nvSpPr>
+          <p:cNvPr id="2" name="Espaço Reservado para Imagem de Slide 1"/>
+          <p:cNvSpPr>
+            <a:spLocks noGrp="1" noRot="1" noChangeAspect="1"/>
+          </p:cNvSpPr>
+          <p:nvPr>
+            <p:ph type="sldImg"/>
+          </p:nvPr>
+        </p:nvSpPr>
+        <p:spPr>
+          <a:xfrm>
+            <a:off x="381000" y="685800"/>
+            <a:ext cx="6096000" cy="3429000"/>
+          </a:xfrm>
+        </p:spPr>
+      </p:sp>
+      <p:sp>
+        <p:nvSpPr>
+          <p:cNvPr id="3" name="Espaço Reservado para Anotações 2"/>
+          <p:cNvSpPr>
+            <a:spLocks noGrp="1"/>
+          </p:cNvSpPr>
+          <p:nvPr>
+            <p:ph type="body" idx="1"/>
+          </p:nvPr>
+        </p:nvSpPr>
+        <p:spPr/>
+        <p:txBody>
+          <a:bodyPr/>
+          <a:lstStyle/>
+          <a:p>
+            <a:endParaRPr lang="pt-BR" dirty="0"/>
+          </a:p>
+        </p:txBody>
+      </p:sp>
+    </p:spTree>
+    <p:extLst>
+      <p:ext uri="{BB962C8B-B14F-4D97-AF65-F5344CB8AC3E}">
+        <p14:creationId xmlns:p14="http://schemas.microsoft.com/office/powerpoint/2010/main" val="53631308"/>
+      </p:ext>
+    </p:extLst>
+  </p:cSld>
+  <p:clrMapOvr>
+    <a:masterClrMapping/>
+  </p:clrMapOvr>
+</p:notes>
+</file>
+
+<file path=ppt/notesSlides/notesSlide15.xml><?xml version="1.0" encoding="utf-8"?>
+<p:notes xmlns:a="http://schemas.openxmlformats.org/drawingml/2006/main" xmlns:r="http://schemas.openxmlformats.org/officeDocument/2006/relationships" xmlns:p="http://schemas.openxmlformats.org/presentationml/2006/main">
+  <p:cSld>
+    <p:spTree>
+      <p:nvGrpSpPr>
+        <p:cNvPr id="1" name=""/>
+        <p:cNvGrpSpPr/>
+        <p:nvPr/>
+      </p:nvGrpSpPr>
+      <p:grpSpPr>
+        <a:xfrm>
+          <a:off x="0" y="0"/>
+          <a:ext cx="0" cy="0"/>
+          <a:chOff x="0" y="0"/>
+          <a:chExt cx="0" cy="0"/>
+        </a:xfrm>
+      </p:grpSpPr>
+      <p:sp>
+        <p:nvSpPr>
+          <p:cNvPr id="2" name="Espaço Reservado para Imagem de Slide 1"/>
+          <p:cNvSpPr>
+            <a:spLocks noGrp="1" noRot="1" noChangeAspect="1"/>
+          </p:cNvSpPr>
+          <p:nvPr>
+            <p:ph type="sldImg"/>
+          </p:nvPr>
+        </p:nvSpPr>
+        <p:spPr>
+          <a:xfrm>
+            <a:off x="381000" y="685800"/>
+            <a:ext cx="6096000" cy="3429000"/>
+          </a:xfrm>
+        </p:spPr>
+      </p:sp>
+      <p:sp>
+        <p:nvSpPr>
+          <p:cNvPr id="3" name="Espaço Reservado para Anotações 2"/>
+          <p:cNvSpPr>
+            <a:spLocks noGrp="1"/>
+          </p:cNvSpPr>
+          <p:nvPr>
+            <p:ph type="body" idx="1"/>
+          </p:nvPr>
+        </p:nvSpPr>
+        <p:spPr/>
+        <p:txBody>
+          <a:bodyPr/>
+          <a:lstStyle/>
+          <a:p>
+            <a:endParaRPr lang="pt-BR" dirty="0"/>
+          </a:p>
+        </p:txBody>
+      </p:sp>
+    </p:spTree>
+    <p:extLst>
+      <p:ext uri="{BB962C8B-B14F-4D97-AF65-F5344CB8AC3E}">
+        <p14:creationId xmlns:p14="http://schemas.microsoft.com/office/powerpoint/2010/main" val="3053087042"/>
+      </p:ext>
+    </p:extLst>
+  </p:cSld>
+  <p:clrMapOvr>
+    <a:masterClrMapping/>
+  </p:clrMapOvr>
+</p:notes>
+</file>
+
+<file path=ppt/notesSlides/notesSlide16.xml><?xml version="1.0" encoding="utf-8"?>
+<p:notes xmlns:a="http://schemas.openxmlformats.org/drawingml/2006/main" xmlns:r="http://schemas.openxmlformats.org/officeDocument/2006/relationships" xmlns:p="http://schemas.openxmlformats.org/presentationml/2006/main">
+  <p:cSld>
+    <p:spTree>
+      <p:nvGrpSpPr>
+        <p:cNvPr id="1" name=""/>
+        <p:cNvGrpSpPr/>
+        <p:nvPr/>
+      </p:nvGrpSpPr>
+      <p:grpSpPr>
+        <a:xfrm>
+          <a:off x="0" y="0"/>
+          <a:ext cx="0" cy="0"/>
+          <a:chOff x="0" y="0"/>
+          <a:chExt cx="0" cy="0"/>
+        </a:xfrm>
+      </p:grpSpPr>
+      <p:sp>
+        <p:nvSpPr>
+          <p:cNvPr id="2" name="Espaço Reservado para Imagem de Slide 1"/>
+          <p:cNvSpPr>
+            <a:spLocks noGrp="1" noRot="1" noChangeAspect="1"/>
+          </p:cNvSpPr>
+          <p:nvPr>
+            <p:ph type="sldImg"/>
+          </p:nvPr>
+        </p:nvSpPr>
+        <p:spPr>
+          <a:xfrm>
+            <a:off x="381000" y="685800"/>
+            <a:ext cx="6096000" cy="3429000"/>
+          </a:xfrm>
+        </p:spPr>
+      </p:sp>
+      <p:sp>
+        <p:nvSpPr>
+          <p:cNvPr id="3" name="Espaço Reservado para Anotações 2"/>
+          <p:cNvSpPr>
+            <a:spLocks noGrp="1"/>
+          </p:cNvSpPr>
+          <p:nvPr>
+            <p:ph type="body" idx="1"/>
+          </p:nvPr>
+        </p:nvSpPr>
+        <p:spPr/>
+        <p:txBody>
+          <a:bodyPr/>
+          <a:lstStyle/>
+          <a:p>
+            <a:endParaRPr lang="pt-BR" dirty="0"/>
+          </a:p>
+        </p:txBody>
+      </p:sp>
+    </p:spTree>
+    <p:extLst>
+      <p:ext uri="{BB962C8B-B14F-4D97-AF65-F5344CB8AC3E}">
+        <p14:creationId xmlns:p14="http://schemas.microsoft.com/office/powerpoint/2010/main" val="459191320"/>
+      </p:ext>
+    </p:extLst>
+  </p:cSld>
+  <p:clrMapOvr>
+    <a:masterClrMapping/>
+  </p:clrMapOvr>
+</p:notes>
+</file>
+
+<file path=ppt/notesSlides/notesSlide17.xml><?xml version="1.0" encoding="utf-8"?>
+<p:notes xmlns:a="http://schemas.openxmlformats.org/drawingml/2006/main" xmlns:r="http://schemas.openxmlformats.org/officeDocument/2006/relationships" xmlns:p="http://schemas.openxmlformats.org/presentationml/2006/main">
+  <p:cSld>
+    <p:spTree>
+      <p:nvGrpSpPr>
+        <p:cNvPr id="1" name=""/>
+        <p:cNvGrpSpPr/>
+        <p:nvPr/>
+      </p:nvGrpSpPr>
+      <p:grpSpPr>
+        <a:xfrm>
+          <a:off x="0" y="0"/>
+          <a:ext cx="0" cy="0"/>
+          <a:chOff x="0" y="0"/>
+          <a:chExt cx="0" cy="0"/>
+        </a:xfrm>
+      </p:grpSpPr>
+      <p:sp>
+        <p:nvSpPr>
+          <p:cNvPr id="2" name="Espaço Reservado para Imagem de Slide 1"/>
+          <p:cNvSpPr>
+            <a:spLocks noGrp="1" noRot="1" noChangeAspect="1"/>
+          </p:cNvSpPr>
+          <p:nvPr>
+            <p:ph type="sldImg"/>
+          </p:nvPr>
+        </p:nvSpPr>
+        <p:spPr>
+          <a:xfrm>
+            <a:off x="381000" y="685800"/>
+            <a:ext cx="6096000" cy="3429000"/>
+          </a:xfrm>
+        </p:spPr>
+      </p:sp>
+      <p:sp>
+        <p:nvSpPr>
+          <p:cNvPr id="3" name="Espaço Reservado para Anotações 2"/>
+          <p:cNvSpPr>
+            <a:spLocks noGrp="1"/>
+          </p:cNvSpPr>
+          <p:nvPr>
+            <p:ph type="body" idx="1"/>
+          </p:nvPr>
+        </p:nvSpPr>
+        <p:spPr/>
+        <p:txBody>
+          <a:bodyPr/>
+          <a:lstStyle/>
+          <a:p>
+            <a:endParaRPr lang="pt-BR" dirty="0"/>
+          </a:p>
+        </p:txBody>
+      </p:sp>
+    </p:spTree>
+    <p:extLst>
+      <p:ext uri="{BB962C8B-B14F-4D97-AF65-F5344CB8AC3E}">
+        <p14:creationId xmlns:p14="http://schemas.microsoft.com/office/powerpoint/2010/main" val="2609998901"/>
+      </p:ext>
+    </p:extLst>
+  </p:cSld>
+  <p:clrMapOvr>
+    <a:masterClrMapping/>
+  </p:clrMapOvr>
+</p:notes>
+</file>
+
+<file path=ppt/notesSlides/notesSlide18.xml><?xml version="1.0" encoding="utf-8"?>
+<p:notes xmlns:a="http://schemas.openxmlformats.org/drawingml/2006/main" xmlns:r="http://schemas.openxmlformats.org/officeDocument/2006/relationships" xmlns:p="http://schemas.openxmlformats.org/presentationml/2006/main">
+  <p:cSld>
+    <p:spTree>
+      <p:nvGrpSpPr>
+        <p:cNvPr id="1" name=""/>
+        <p:cNvGrpSpPr/>
+        <p:nvPr/>
+      </p:nvGrpSpPr>
+      <p:grpSpPr>
+        <a:xfrm>
+          <a:off x="0" y="0"/>
+          <a:ext cx="0" cy="0"/>
+          <a:chOff x="0" y="0"/>
+          <a:chExt cx="0" cy="0"/>
+        </a:xfrm>
+      </p:grpSpPr>
+      <p:sp>
+        <p:nvSpPr>
+          <p:cNvPr id="2" name="Espaço Reservado para Imagem de Slide 1"/>
+          <p:cNvSpPr>
+            <a:spLocks noGrp="1" noRot="1" noChangeAspect="1"/>
+          </p:cNvSpPr>
+          <p:nvPr>
+            <p:ph type="sldImg"/>
+          </p:nvPr>
+        </p:nvSpPr>
+        <p:spPr>
+          <a:xfrm>
+            <a:off x="381000" y="685800"/>
+            <a:ext cx="6096000" cy="3429000"/>
+          </a:xfrm>
+        </p:spPr>
+      </p:sp>
+      <p:sp>
+        <p:nvSpPr>
+          <p:cNvPr id="3" name="Espaço Reservado para Anotações 2"/>
+          <p:cNvSpPr>
+            <a:spLocks noGrp="1"/>
+          </p:cNvSpPr>
+          <p:nvPr>
+            <p:ph type="body" idx="1"/>
+          </p:nvPr>
+        </p:nvSpPr>
+        <p:spPr/>
+        <p:txBody>
+          <a:bodyPr/>
+          <a:lstStyle/>
+          <a:p>
+            <a:endParaRPr lang="pt-BR" dirty="0"/>
+          </a:p>
+        </p:txBody>
+      </p:sp>
+    </p:spTree>
+    <p:extLst>
+      <p:ext uri="{BB962C8B-B14F-4D97-AF65-F5344CB8AC3E}">
+        <p14:creationId xmlns:p14="http://schemas.microsoft.com/office/powerpoint/2010/main" val="2431300568"/>
+      </p:ext>
+    </p:extLst>
+  </p:cSld>
+  <p:clrMapOvr>
+    <a:masterClrMapping/>
+  </p:clrMapOvr>
+</p:notes>
+</file>
+
+<file path=ppt/notesSlides/notesSlide19.xml><?xml version="1.0" encoding="utf-8"?>
+<p:notes xmlns:a="http://schemas.openxmlformats.org/drawingml/2006/main" xmlns:r="http://schemas.openxmlformats.org/officeDocument/2006/relationships" xmlns:p="http://schemas.openxmlformats.org/presentationml/2006/main">
+  <p:cSld>
+    <p:spTree>
+      <p:nvGrpSpPr>
+        <p:cNvPr id="1" name=""/>
+        <p:cNvGrpSpPr/>
+        <p:nvPr/>
+      </p:nvGrpSpPr>
+      <p:grpSpPr>
+        <a:xfrm>
+          <a:off x="0" y="0"/>
+          <a:ext cx="0" cy="0"/>
+          <a:chOff x="0" y="0"/>
+          <a:chExt cx="0" cy="0"/>
+        </a:xfrm>
+      </p:grpSpPr>
+      <p:sp>
+        <p:nvSpPr>
+          <p:cNvPr id="2" name="Espaço Reservado para Imagem de Slide 1"/>
+          <p:cNvSpPr>
+            <a:spLocks noGrp="1" noRot="1" noChangeAspect="1"/>
+          </p:cNvSpPr>
+          <p:nvPr>
+            <p:ph type="sldImg"/>
+          </p:nvPr>
+        </p:nvSpPr>
+        <p:spPr>
+          <a:xfrm>
+            <a:off x="381000" y="685800"/>
+            <a:ext cx="6096000" cy="3429000"/>
+          </a:xfrm>
+        </p:spPr>
+      </p:sp>
+      <p:sp>
+        <p:nvSpPr>
+          <p:cNvPr id="3" name="Espaço Reservado para Anotações 2"/>
+          <p:cNvSpPr>
+            <a:spLocks noGrp="1"/>
+          </p:cNvSpPr>
+          <p:nvPr>
+            <p:ph type="body" idx="1"/>
+          </p:nvPr>
+        </p:nvSpPr>
+        <p:spPr/>
+        <p:txBody>
+          <a:bodyPr/>
+          <a:lstStyle/>
+          <a:p>
+            <a:endParaRPr lang="pt-BR" dirty="0"/>
+          </a:p>
+        </p:txBody>
+      </p:sp>
+    </p:spTree>
+    <p:extLst>
+      <p:ext uri="{BB962C8B-B14F-4D97-AF65-F5344CB8AC3E}">
+        <p14:creationId xmlns:p14="http://schemas.microsoft.com/office/powerpoint/2010/main" val="3065861107"/>
+      </p:ext>
+    </p:extLst>
+  </p:cSld>
+  <p:clrMapOvr>
+    <a:masterClrMapping/>
+  </p:clrMapOvr>
+</p:notes>
+</file>
+
 <file path=ppt/notesSlides/notesSlide2.xml><?xml version="1.0" encoding="utf-8"?>
 <p:notes xmlns:a="http://schemas.openxmlformats.org/drawingml/2006/main" xmlns:r="http://schemas.openxmlformats.org/officeDocument/2006/relationships" xmlns:p="http://schemas.openxmlformats.org/presentationml/2006/main">
   <p:cSld>
@@ -619,6 +1297,336 @@
     <p:extLst>
       <p:ext uri="{BB962C8B-B14F-4D97-AF65-F5344CB8AC3E}">
         <p14:creationId xmlns:p14="http://schemas.microsoft.com/office/powerpoint/2010/main" val="1662896905"/>
+      </p:ext>
+    </p:extLst>
+  </p:cSld>
+  <p:clrMapOvr>
+    <a:masterClrMapping/>
+  </p:clrMapOvr>
+</p:notes>
+</file>
+
+<file path=ppt/notesSlides/notesSlide20.xml><?xml version="1.0" encoding="utf-8"?>
+<p:notes xmlns:a="http://schemas.openxmlformats.org/drawingml/2006/main" xmlns:r="http://schemas.openxmlformats.org/officeDocument/2006/relationships" xmlns:p="http://schemas.openxmlformats.org/presentationml/2006/main">
+  <p:cSld>
+    <p:spTree>
+      <p:nvGrpSpPr>
+        <p:cNvPr id="1" name=""/>
+        <p:cNvGrpSpPr/>
+        <p:nvPr/>
+      </p:nvGrpSpPr>
+      <p:grpSpPr>
+        <a:xfrm>
+          <a:off x="0" y="0"/>
+          <a:ext cx="0" cy="0"/>
+          <a:chOff x="0" y="0"/>
+          <a:chExt cx="0" cy="0"/>
+        </a:xfrm>
+      </p:grpSpPr>
+      <p:sp>
+        <p:nvSpPr>
+          <p:cNvPr id="2" name="Espaço Reservado para Imagem de Slide 1"/>
+          <p:cNvSpPr>
+            <a:spLocks noGrp="1" noRot="1" noChangeAspect="1"/>
+          </p:cNvSpPr>
+          <p:nvPr>
+            <p:ph type="sldImg"/>
+          </p:nvPr>
+        </p:nvSpPr>
+        <p:spPr>
+          <a:xfrm>
+            <a:off x="381000" y="685800"/>
+            <a:ext cx="6096000" cy="3429000"/>
+          </a:xfrm>
+        </p:spPr>
+      </p:sp>
+      <p:sp>
+        <p:nvSpPr>
+          <p:cNvPr id="3" name="Espaço Reservado para Anotações 2"/>
+          <p:cNvSpPr>
+            <a:spLocks noGrp="1"/>
+          </p:cNvSpPr>
+          <p:nvPr>
+            <p:ph type="body" idx="1"/>
+          </p:nvPr>
+        </p:nvSpPr>
+        <p:spPr/>
+        <p:txBody>
+          <a:bodyPr/>
+          <a:lstStyle/>
+          <a:p>
+            <a:endParaRPr lang="pt-BR" dirty="0"/>
+          </a:p>
+        </p:txBody>
+      </p:sp>
+    </p:spTree>
+    <p:extLst>
+      <p:ext uri="{BB962C8B-B14F-4D97-AF65-F5344CB8AC3E}">
+        <p14:creationId xmlns:p14="http://schemas.microsoft.com/office/powerpoint/2010/main" val="3579155648"/>
+      </p:ext>
+    </p:extLst>
+  </p:cSld>
+  <p:clrMapOvr>
+    <a:masterClrMapping/>
+  </p:clrMapOvr>
+</p:notes>
+</file>
+
+<file path=ppt/notesSlides/notesSlide21.xml><?xml version="1.0" encoding="utf-8"?>
+<p:notes xmlns:a="http://schemas.openxmlformats.org/drawingml/2006/main" xmlns:r="http://schemas.openxmlformats.org/officeDocument/2006/relationships" xmlns:p="http://schemas.openxmlformats.org/presentationml/2006/main">
+  <p:cSld>
+    <p:spTree>
+      <p:nvGrpSpPr>
+        <p:cNvPr id="1" name=""/>
+        <p:cNvGrpSpPr/>
+        <p:nvPr/>
+      </p:nvGrpSpPr>
+      <p:grpSpPr>
+        <a:xfrm>
+          <a:off x="0" y="0"/>
+          <a:ext cx="0" cy="0"/>
+          <a:chOff x="0" y="0"/>
+          <a:chExt cx="0" cy="0"/>
+        </a:xfrm>
+      </p:grpSpPr>
+      <p:sp>
+        <p:nvSpPr>
+          <p:cNvPr id="2" name="Espaço Reservado para Imagem de Slide 1"/>
+          <p:cNvSpPr>
+            <a:spLocks noGrp="1" noRot="1" noChangeAspect="1"/>
+          </p:cNvSpPr>
+          <p:nvPr>
+            <p:ph type="sldImg"/>
+          </p:nvPr>
+        </p:nvSpPr>
+        <p:spPr>
+          <a:xfrm>
+            <a:off x="381000" y="685800"/>
+            <a:ext cx="6096000" cy="3429000"/>
+          </a:xfrm>
+        </p:spPr>
+      </p:sp>
+      <p:sp>
+        <p:nvSpPr>
+          <p:cNvPr id="3" name="Espaço Reservado para Anotações 2"/>
+          <p:cNvSpPr>
+            <a:spLocks noGrp="1"/>
+          </p:cNvSpPr>
+          <p:nvPr>
+            <p:ph type="body" idx="1"/>
+          </p:nvPr>
+        </p:nvSpPr>
+        <p:spPr/>
+        <p:txBody>
+          <a:bodyPr/>
+          <a:lstStyle/>
+          <a:p>
+            <a:endParaRPr lang="pt-BR" dirty="0"/>
+          </a:p>
+        </p:txBody>
+      </p:sp>
+    </p:spTree>
+    <p:extLst>
+      <p:ext uri="{BB962C8B-B14F-4D97-AF65-F5344CB8AC3E}">
+        <p14:creationId xmlns:p14="http://schemas.microsoft.com/office/powerpoint/2010/main" val="585304384"/>
+      </p:ext>
+    </p:extLst>
+  </p:cSld>
+  <p:clrMapOvr>
+    <a:masterClrMapping/>
+  </p:clrMapOvr>
+</p:notes>
+</file>
+
+<file path=ppt/notesSlides/notesSlide22.xml><?xml version="1.0" encoding="utf-8"?>
+<p:notes xmlns:a="http://schemas.openxmlformats.org/drawingml/2006/main" xmlns:r="http://schemas.openxmlformats.org/officeDocument/2006/relationships" xmlns:p="http://schemas.openxmlformats.org/presentationml/2006/main">
+  <p:cSld>
+    <p:spTree>
+      <p:nvGrpSpPr>
+        <p:cNvPr id="1" name=""/>
+        <p:cNvGrpSpPr/>
+        <p:nvPr/>
+      </p:nvGrpSpPr>
+      <p:grpSpPr>
+        <a:xfrm>
+          <a:off x="0" y="0"/>
+          <a:ext cx="0" cy="0"/>
+          <a:chOff x="0" y="0"/>
+          <a:chExt cx="0" cy="0"/>
+        </a:xfrm>
+      </p:grpSpPr>
+      <p:sp>
+        <p:nvSpPr>
+          <p:cNvPr id="2" name="Espaço Reservado para Imagem de Slide 1"/>
+          <p:cNvSpPr>
+            <a:spLocks noGrp="1" noRot="1" noChangeAspect="1"/>
+          </p:cNvSpPr>
+          <p:nvPr>
+            <p:ph type="sldImg"/>
+          </p:nvPr>
+        </p:nvSpPr>
+        <p:spPr>
+          <a:xfrm>
+            <a:off x="381000" y="685800"/>
+            <a:ext cx="6096000" cy="3429000"/>
+          </a:xfrm>
+        </p:spPr>
+      </p:sp>
+      <p:sp>
+        <p:nvSpPr>
+          <p:cNvPr id="3" name="Espaço Reservado para Anotações 2"/>
+          <p:cNvSpPr>
+            <a:spLocks noGrp="1"/>
+          </p:cNvSpPr>
+          <p:nvPr>
+            <p:ph type="body" idx="1"/>
+          </p:nvPr>
+        </p:nvSpPr>
+        <p:spPr/>
+        <p:txBody>
+          <a:bodyPr/>
+          <a:lstStyle/>
+          <a:p>
+            <a:endParaRPr lang="pt-BR" dirty="0"/>
+          </a:p>
+        </p:txBody>
+      </p:sp>
+    </p:spTree>
+    <p:extLst>
+      <p:ext uri="{BB962C8B-B14F-4D97-AF65-F5344CB8AC3E}">
+        <p14:creationId xmlns:p14="http://schemas.microsoft.com/office/powerpoint/2010/main" val="2709569597"/>
+      </p:ext>
+    </p:extLst>
+  </p:cSld>
+  <p:clrMapOvr>
+    <a:masterClrMapping/>
+  </p:clrMapOvr>
+</p:notes>
+</file>
+
+<file path=ppt/notesSlides/notesSlide23.xml><?xml version="1.0" encoding="utf-8"?>
+<p:notes xmlns:a="http://schemas.openxmlformats.org/drawingml/2006/main" xmlns:r="http://schemas.openxmlformats.org/officeDocument/2006/relationships" xmlns:p="http://schemas.openxmlformats.org/presentationml/2006/main">
+  <p:cSld>
+    <p:spTree>
+      <p:nvGrpSpPr>
+        <p:cNvPr id="1" name=""/>
+        <p:cNvGrpSpPr/>
+        <p:nvPr/>
+      </p:nvGrpSpPr>
+      <p:grpSpPr>
+        <a:xfrm>
+          <a:off x="0" y="0"/>
+          <a:ext cx="0" cy="0"/>
+          <a:chOff x="0" y="0"/>
+          <a:chExt cx="0" cy="0"/>
+        </a:xfrm>
+      </p:grpSpPr>
+      <p:sp>
+        <p:nvSpPr>
+          <p:cNvPr id="2" name="Espaço Reservado para Imagem de Slide 1"/>
+          <p:cNvSpPr>
+            <a:spLocks noGrp="1" noRot="1" noChangeAspect="1"/>
+          </p:cNvSpPr>
+          <p:nvPr>
+            <p:ph type="sldImg"/>
+          </p:nvPr>
+        </p:nvSpPr>
+        <p:spPr>
+          <a:xfrm>
+            <a:off x="381000" y="685800"/>
+            <a:ext cx="6096000" cy="3429000"/>
+          </a:xfrm>
+        </p:spPr>
+      </p:sp>
+      <p:sp>
+        <p:nvSpPr>
+          <p:cNvPr id="3" name="Espaço Reservado para Anotações 2"/>
+          <p:cNvSpPr>
+            <a:spLocks noGrp="1"/>
+          </p:cNvSpPr>
+          <p:nvPr>
+            <p:ph type="body" idx="1"/>
+          </p:nvPr>
+        </p:nvSpPr>
+        <p:spPr/>
+        <p:txBody>
+          <a:bodyPr/>
+          <a:lstStyle/>
+          <a:p>
+            <a:endParaRPr lang="pt-BR" dirty="0"/>
+          </a:p>
+        </p:txBody>
+      </p:sp>
+    </p:spTree>
+    <p:extLst>
+      <p:ext uri="{BB962C8B-B14F-4D97-AF65-F5344CB8AC3E}">
+        <p14:creationId xmlns:p14="http://schemas.microsoft.com/office/powerpoint/2010/main" val="3863516043"/>
+      </p:ext>
+    </p:extLst>
+  </p:cSld>
+  <p:clrMapOvr>
+    <a:masterClrMapping/>
+  </p:clrMapOvr>
+</p:notes>
+</file>
+
+<file path=ppt/notesSlides/notesSlide24.xml><?xml version="1.0" encoding="utf-8"?>
+<p:notes xmlns:a="http://schemas.openxmlformats.org/drawingml/2006/main" xmlns:r="http://schemas.openxmlformats.org/officeDocument/2006/relationships" xmlns:p="http://schemas.openxmlformats.org/presentationml/2006/main">
+  <p:cSld>
+    <p:spTree>
+      <p:nvGrpSpPr>
+        <p:cNvPr id="1" name=""/>
+        <p:cNvGrpSpPr/>
+        <p:nvPr/>
+      </p:nvGrpSpPr>
+      <p:grpSpPr>
+        <a:xfrm>
+          <a:off x="0" y="0"/>
+          <a:ext cx="0" cy="0"/>
+          <a:chOff x="0" y="0"/>
+          <a:chExt cx="0" cy="0"/>
+        </a:xfrm>
+      </p:grpSpPr>
+      <p:sp>
+        <p:nvSpPr>
+          <p:cNvPr id="2" name="Espaço Reservado para Imagem de Slide 1"/>
+          <p:cNvSpPr>
+            <a:spLocks noGrp="1" noRot="1" noChangeAspect="1"/>
+          </p:cNvSpPr>
+          <p:nvPr>
+            <p:ph type="sldImg"/>
+          </p:nvPr>
+        </p:nvSpPr>
+        <p:spPr>
+          <a:xfrm>
+            <a:off x="381000" y="685800"/>
+            <a:ext cx="6096000" cy="3429000"/>
+          </a:xfrm>
+        </p:spPr>
+      </p:sp>
+      <p:sp>
+        <p:nvSpPr>
+          <p:cNvPr id="3" name="Espaço Reservado para Anotações 2"/>
+          <p:cNvSpPr>
+            <a:spLocks noGrp="1"/>
+          </p:cNvSpPr>
+          <p:nvPr>
+            <p:ph type="body" idx="1"/>
+          </p:nvPr>
+        </p:nvSpPr>
+        <p:spPr/>
+        <p:txBody>
+          <a:bodyPr/>
+          <a:lstStyle/>
+          <a:p>
+            <a:endParaRPr lang="pt-BR" dirty="0"/>
+          </a:p>
+        </p:txBody>
+      </p:sp>
+    </p:spTree>
+    <p:extLst>
+      <p:ext uri="{BB962C8B-B14F-4D97-AF65-F5344CB8AC3E}">
+        <p14:creationId xmlns:p14="http://schemas.microsoft.com/office/powerpoint/2010/main" val="4290351292"/>
       </p:ext>
     </p:extLst>
   </p:cSld>
@@ -684,7 +1692,7 @@
     </p:spTree>
     <p:extLst>
       <p:ext uri="{BB962C8B-B14F-4D97-AF65-F5344CB8AC3E}">
-        <p14:creationId xmlns:p14="http://schemas.microsoft.com/office/powerpoint/2010/main" val="585304384"/>
+        <p14:creationId xmlns:p14="http://schemas.microsoft.com/office/powerpoint/2010/main" val="691551262"/>
       </p:ext>
     </p:extLst>
   </p:cSld>
@@ -750,7 +1758,7 @@
     </p:spTree>
     <p:extLst>
       <p:ext uri="{BB962C8B-B14F-4D97-AF65-F5344CB8AC3E}">
-        <p14:creationId xmlns:p14="http://schemas.microsoft.com/office/powerpoint/2010/main" val="2709569597"/>
+        <p14:creationId xmlns:p14="http://schemas.microsoft.com/office/powerpoint/2010/main" val="3517149155"/>
       </p:ext>
     </p:extLst>
   </p:cSld>
@@ -816,7 +1824,7 @@
     </p:spTree>
     <p:extLst>
       <p:ext uri="{BB962C8B-B14F-4D97-AF65-F5344CB8AC3E}">
-        <p14:creationId xmlns:p14="http://schemas.microsoft.com/office/powerpoint/2010/main" val="3863516043"/>
+        <p14:creationId xmlns:p14="http://schemas.microsoft.com/office/powerpoint/2010/main" val="2433849618"/>
       </p:ext>
     </p:extLst>
   </p:cSld>
@@ -882,7 +1890,205 @@
     </p:spTree>
     <p:extLst>
       <p:ext uri="{BB962C8B-B14F-4D97-AF65-F5344CB8AC3E}">
-        <p14:creationId xmlns:p14="http://schemas.microsoft.com/office/powerpoint/2010/main" val="4290351292"/>
+        <p14:creationId xmlns:p14="http://schemas.microsoft.com/office/powerpoint/2010/main" val="1522888342"/>
+      </p:ext>
+    </p:extLst>
+  </p:cSld>
+  <p:clrMapOvr>
+    <a:masterClrMapping/>
+  </p:clrMapOvr>
+</p:notes>
+</file>
+
+<file path=ppt/notesSlides/notesSlide7.xml><?xml version="1.0" encoding="utf-8"?>
+<p:notes xmlns:a="http://schemas.openxmlformats.org/drawingml/2006/main" xmlns:r="http://schemas.openxmlformats.org/officeDocument/2006/relationships" xmlns:p="http://schemas.openxmlformats.org/presentationml/2006/main">
+  <p:cSld>
+    <p:spTree>
+      <p:nvGrpSpPr>
+        <p:cNvPr id="1" name=""/>
+        <p:cNvGrpSpPr/>
+        <p:nvPr/>
+      </p:nvGrpSpPr>
+      <p:grpSpPr>
+        <a:xfrm>
+          <a:off x="0" y="0"/>
+          <a:ext cx="0" cy="0"/>
+          <a:chOff x="0" y="0"/>
+          <a:chExt cx="0" cy="0"/>
+        </a:xfrm>
+      </p:grpSpPr>
+      <p:sp>
+        <p:nvSpPr>
+          <p:cNvPr id="2" name="Espaço Reservado para Imagem de Slide 1"/>
+          <p:cNvSpPr>
+            <a:spLocks noGrp="1" noRot="1" noChangeAspect="1"/>
+          </p:cNvSpPr>
+          <p:nvPr>
+            <p:ph type="sldImg"/>
+          </p:nvPr>
+        </p:nvSpPr>
+        <p:spPr>
+          <a:xfrm>
+            <a:off x="381000" y="685800"/>
+            <a:ext cx="6096000" cy="3429000"/>
+          </a:xfrm>
+        </p:spPr>
+      </p:sp>
+      <p:sp>
+        <p:nvSpPr>
+          <p:cNvPr id="3" name="Espaço Reservado para Anotações 2"/>
+          <p:cNvSpPr>
+            <a:spLocks noGrp="1"/>
+          </p:cNvSpPr>
+          <p:nvPr>
+            <p:ph type="body" idx="1"/>
+          </p:nvPr>
+        </p:nvSpPr>
+        <p:spPr/>
+        <p:txBody>
+          <a:bodyPr/>
+          <a:lstStyle/>
+          <a:p>
+            <a:endParaRPr lang="pt-BR" dirty="0"/>
+          </a:p>
+        </p:txBody>
+      </p:sp>
+    </p:spTree>
+    <p:extLst>
+      <p:ext uri="{BB962C8B-B14F-4D97-AF65-F5344CB8AC3E}">
+        <p14:creationId xmlns:p14="http://schemas.microsoft.com/office/powerpoint/2010/main" val="1611776634"/>
+      </p:ext>
+    </p:extLst>
+  </p:cSld>
+  <p:clrMapOvr>
+    <a:masterClrMapping/>
+  </p:clrMapOvr>
+</p:notes>
+</file>
+
+<file path=ppt/notesSlides/notesSlide8.xml><?xml version="1.0" encoding="utf-8"?>
+<p:notes xmlns:a="http://schemas.openxmlformats.org/drawingml/2006/main" xmlns:r="http://schemas.openxmlformats.org/officeDocument/2006/relationships" xmlns:p="http://schemas.openxmlformats.org/presentationml/2006/main">
+  <p:cSld>
+    <p:spTree>
+      <p:nvGrpSpPr>
+        <p:cNvPr id="1" name=""/>
+        <p:cNvGrpSpPr/>
+        <p:nvPr/>
+      </p:nvGrpSpPr>
+      <p:grpSpPr>
+        <a:xfrm>
+          <a:off x="0" y="0"/>
+          <a:ext cx="0" cy="0"/>
+          <a:chOff x="0" y="0"/>
+          <a:chExt cx="0" cy="0"/>
+        </a:xfrm>
+      </p:grpSpPr>
+      <p:sp>
+        <p:nvSpPr>
+          <p:cNvPr id="2" name="Espaço Reservado para Imagem de Slide 1"/>
+          <p:cNvSpPr>
+            <a:spLocks noGrp="1" noRot="1" noChangeAspect="1"/>
+          </p:cNvSpPr>
+          <p:nvPr>
+            <p:ph type="sldImg"/>
+          </p:nvPr>
+        </p:nvSpPr>
+        <p:spPr>
+          <a:xfrm>
+            <a:off x="381000" y="685800"/>
+            <a:ext cx="6096000" cy="3429000"/>
+          </a:xfrm>
+        </p:spPr>
+      </p:sp>
+      <p:sp>
+        <p:nvSpPr>
+          <p:cNvPr id="3" name="Espaço Reservado para Anotações 2"/>
+          <p:cNvSpPr>
+            <a:spLocks noGrp="1"/>
+          </p:cNvSpPr>
+          <p:nvPr>
+            <p:ph type="body" idx="1"/>
+          </p:nvPr>
+        </p:nvSpPr>
+        <p:spPr/>
+        <p:txBody>
+          <a:bodyPr/>
+          <a:lstStyle/>
+          <a:p>
+            <a:endParaRPr lang="pt-BR" dirty="0"/>
+          </a:p>
+        </p:txBody>
+      </p:sp>
+    </p:spTree>
+    <p:extLst>
+      <p:ext uri="{BB962C8B-B14F-4D97-AF65-F5344CB8AC3E}">
+        <p14:creationId xmlns:p14="http://schemas.microsoft.com/office/powerpoint/2010/main" val="2918119535"/>
+      </p:ext>
+    </p:extLst>
+  </p:cSld>
+  <p:clrMapOvr>
+    <a:masterClrMapping/>
+  </p:clrMapOvr>
+</p:notes>
+</file>
+
+<file path=ppt/notesSlides/notesSlide9.xml><?xml version="1.0" encoding="utf-8"?>
+<p:notes xmlns:a="http://schemas.openxmlformats.org/drawingml/2006/main" xmlns:r="http://schemas.openxmlformats.org/officeDocument/2006/relationships" xmlns:p="http://schemas.openxmlformats.org/presentationml/2006/main">
+  <p:cSld>
+    <p:spTree>
+      <p:nvGrpSpPr>
+        <p:cNvPr id="1" name=""/>
+        <p:cNvGrpSpPr/>
+        <p:nvPr/>
+      </p:nvGrpSpPr>
+      <p:grpSpPr>
+        <a:xfrm>
+          <a:off x="0" y="0"/>
+          <a:ext cx="0" cy="0"/>
+          <a:chOff x="0" y="0"/>
+          <a:chExt cx="0" cy="0"/>
+        </a:xfrm>
+      </p:grpSpPr>
+      <p:sp>
+        <p:nvSpPr>
+          <p:cNvPr id="2" name="Espaço Reservado para Imagem de Slide 1"/>
+          <p:cNvSpPr>
+            <a:spLocks noGrp="1" noRot="1" noChangeAspect="1"/>
+          </p:cNvSpPr>
+          <p:nvPr>
+            <p:ph type="sldImg"/>
+          </p:nvPr>
+        </p:nvSpPr>
+        <p:spPr>
+          <a:xfrm>
+            <a:off x="381000" y="685800"/>
+            <a:ext cx="6096000" cy="3429000"/>
+          </a:xfrm>
+        </p:spPr>
+      </p:sp>
+      <p:sp>
+        <p:nvSpPr>
+          <p:cNvPr id="3" name="Espaço Reservado para Anotações 2"/>
+          <p:cNvSpPr>
+            <a:spLocks noGrp="1"/>
+          </p:cNvSpPr>
+          <p:nvPr>
+            <p:ph type="body" idx="1"/>
+          </p:nvPr>
+        </p:nvSpPr>
+        <p:spPr/>
+        <p:txBody>
+          <a:bodyPr/>
+          <a:lstStyle/>
+          <a:p>
+            <a:endParaRPr lang="pt-BR" dirty="0"/>
+          </a:p>
+        </p:txBody>
+      </p:sp>
+    </p:spTree>
+    <p:extLst>
+      <p:ext uri="{BB962C8B-B14F-4D97-AF65-F5344CB8AC3E}">
+        <p14:creationId xmlns:p14="http://schemas.microsoft.com/office/powerpoint/2010/main" val="1859722544"/>
       </p:ext>
     </p:extLst>
   </p:cSld>
@@ -3820,7 +5026,2933 @@
           </a:ln>
         </p:spPr>
       </p:pic>
+      <p:sp>
+        <p:nvSpPr>
+          <p:cNvPr id="5" name="CaixaDeTexto 4">
+            <a:extLst>
+              <a:ext uri="{FF2B5EF4-FFF2-40B4-BE49-F238E27FC236}">
+                <a16:creationId xmlns:a16="http://schemas.microsoft.com/office/drawing/2014/main" id="{D5B5DDD4-D0EE-648C-3FDD-EB6CB2E20234}"/>
+              </a:ext>
+            </a:extLst>
+          </p:cNvPr>
+          <p:cNvSpPr txBox="1"/>
+          <p:nvPr/>
+        </p:nvSpPr>
+        <p:spPr>
+          <a:xfrm>
+            <a:off x="2286000" y="1695349"/>
+            <a:ext cx="4572000" cy="1754326"/>
+          </a:xfrm>
+          <a:prstGeom prst="rect">
+            <a:avLst/>
+          </a:prstGeom>
+          <a:noFill/>
+          <a:ln w="12700" cap="flat">
+            <a:noFill/>
+            <a:miter lim="400000"/>
+          </a:ln>
+          <a:effectLst/>
+        </p:spPr>
+        <p:style>
+          <a:lnRef idx="0">
+            <a:scrgbClr r="0" g="0" b="0"/>
+          </a:lnRef>
+          <a:fillRef idx="0">
+            <a:scrgbClr r="0" g="0" b="0"/>
+          </a:fillRef>
+          <a:effectRef idx="0">
+            <a:scrgbClr r="0" g="0" b="0"/>
+          </a:effectRef>
+          <a:fontRef idx="none"/>
+        </p:style>
+        <p:txBody>
+          <a:bodyPr wrap="square">
+            <a:spAutoFit/>
+          </a:bodyPr>
+          <a:lstStyle/>
+          <a:p>
+            <a:r>
+              <a:rPr lang="pt-BR" b="0" i="0" dirty="0">
+                <a:solidFill>
+                  <a:srgbClr val="3C484E"/>
+                </a:solidFill>
+                <a:effectLst/>
+                <a:latin typeface="Georgia" panose="02040502050405020303" pitchFamily="18" charset="0"/>
+              </a:rPr>
+              <a:t>O contrário também é válido: a cloud </a:t>
+            </a:r>
+            <a:r>
+              <a:rPr lang="pt-BR" b="0" i="0" dirty="0" err="1">
+                <a:solidFill>
+                  <a:srgbClr val="3C484E"/>
+                </a:solidFill>
+                <a:effectLst/>
+                <a:latin typeface="Georgia" panose="02040502050405020303" pitchFamily="18" charset="0"/>
+              </a:rPr>
+              <a:t>computing</a:t>
+            </a:r>
+            <a:r>
+              <a:rPr lang="pt-BR" b="0" i="0" dirty="0">
+                <a:solidFill>
+                  <a:srgbClr val="3C484E"/>
+                </a:solidFill>
+                <a:effectLst/>
+                <a:latin typeface="Georgia" panose="02040502050405020303" pitchFamily="18" charset="0"/>
+              </a:rPr>
+              <a:t> suporta e torna a </a:t>
+            </a:r>
+            <a:r>
+              <a:rPr lang="pt-BR" b="0" i="0" dirty="0" err="1">
+                <a:solidFill>
+                  <a:srgbClr val="3C484E"/>
+                </a:solidFill>
+                <a:effectLst/>
+                <a:latin typeface="Georgia" panose="02040502050405020303" pitchFamily="18" charset="0"/>
+              </a:rPr>
+              <a:t>IoT</a:t>
+            </a:r>
+            <a:r>
+              <a:rPr lang="pt-BR" b="0" i="0" dirty="0">
+                <a:solidFill>
+                  <a:srgbClr val="3C484E"/>
+                </a:solidFill>
+                <a:effectLst/>
+                <a:latin typeface="Georgia" panose="02040502050405020303" pitchFamily="18" charset="0"/>
+              </a:rPr>
+              <a:t> realmente efetiva — fornece a capacidade de utilizar os recursos de computação e armazenamento sob demanda, de forma flexível e com a mobilidade necessária.</a:t>
+            </a:r>
+            <a:endParaRPr lang="pt-BR" dirty="0"/>
+          </a:p>
+        </p:txBody>
+      </p:sp>
     </p:spTree>
+  </p:cSld>
+  <p:clrMapOvr>
+    <a:masterClrMapping/>
+  </p:clrMapOvr>
+  <p:transition spd="med"/>
+</p:sld>
+</file>
+
+<file path=ppt/slides/slide10.xml><?xml version="1.0" encoding="utf-8"?>
+<p:sld xmlns:a="http://schemas.openxmlformats.org/drawingml/2006/main" xmlns:r="http://schemas.openxmlformats.org/officeDocument/2006/relationships" xmlns:p="http://schemas.openxmlformats.org/presentationml/2006/main">
+  <p:cSld>
+    <p:spTree>
+      <p:nvGrpSpPr>
+        <p:cNvPr id="1" name=""/>
+        <p:cNvGrpSpPr/>
+        <p:nvPr/>
+      </p:nvGrpSpPr>
+      <p:grpSpPr>
+        <a:xfrm>
+          <a:off x="0" y="0"/>
+          <a:ext cx="0" cy="0"/>
+          <a:chOff x="0" y="0"/>
+          <a:chExt cx="0" cy="0"/>
+        </a:xfrm>
+      </p:grpSpPr>
+      <p:sp>
+        <p:nvSpPr>
+          <p:cNvPr id="6" name="Title 1"/>
+          <p:cNvSpPr>
+            <a:spLocks noGrp="1"/>
+          </p:cNvSpPr>
+          <p:nvPr>
+            <p:ph type="title"/>
+          </p:nvPr>
+        </p:nvSpPr>
+        <p:spPr>
+          <a:xfrm>
+            <a:off x="457200" y="205980"/>
+            <a:ext cx="8229600" cy="857251"/>
+          </a:xfrm>
+        </p:spPr>
+        <p:txBody>
+          <a:bodyPr>
+            <a:normAutofit/>
+          </a:bodyPr>
+          <a:lstStyle/>
+          <a:p>
+            <a:r>
+              <a:rPr lang="pt-BR" b="1" dirty="0">
+                <a:solidFill>
+                  <a:srgbClr val="0070C0"/>
+                </a:solidFill>
+              </a:rPr>
+              <a:t>Integração Cloud </a:t>
+            </a:r>
+            <a:r>
+              <a:rPr lang="pt-BR" b="1" dirty="0" err="1">
+                <a:solidFill>
+                  <a:srgbClr val="0070C0"/>
+                </a:solidFill>
+              </a:rPr>
+              <a:t>IoT</a:t>
+            </a:r>
+            <a:r>
+              <a:rPr lang="pt-BR" b="1" dirty="0">
+                <a:solidFill>
+                  <a:srgbClr val="0070C0"/>
+                </a:solidFill>
+              </a:rPr>
+              <a:t> – GCP</a:t>
+            </a:r>
+            <a:endParaRPr lang="en-US" b="1" dirty="0">
+              <a:solidFill>
+                <a:srgbClr val="0070C0"/>
+              </a:solidFill>
+            </a:endParaRPr>
+          </a:p>
+        </p:txBody>
+      </p:sp>
+      <p:sp>
+        <p:nvSpPr>
+          <p:cNvPr id="8" name="Text Placeholder 2"/>
+          <p:cNvSpPr>
+            <a:spLocks noGrp="1"/>
+          </p:cNvSpPr>
+          <p:nvPr>
+            <p:ph type="body" sz="half" idx="1"/>
+          </p:nvPr>
+        </p:nvSpPr>
+        <p:spPr>
+          <a:xfrm>
+            <a:off x="142865" y="1200150"/>
+            <a:ext cx="8865056" cy="3737370"/>
+          </a:xfrm>
+        </p:spPr>
+        <p:txBody>
+          <a:bodyPr>
+            <a:noAutofit/>
+          </a:bodyPr>
+          <a:lstStyle/>
+          <a:p>
+            <a:pPr marL="0" indent="0" algn="just">
+              <a:buNone/>
+            </a:pPr>
+            <a:endParaRPr lang="pt-BR" sz="2000" dirty="0">
+              <a:solidFill>
+                <a:schemeClr val="tx1"/>
+              </a:solidFill>
+              <a:latin typeface="Times New Roman" panose="02020603050405020304" pitchFamily="18" charset="0"/>
+              <a:cs typeface="Times New Roman" panose="02020603050405020304" pitchFamily="18" charset="0"/>
+            </a:endParaRPr>
+          </a:p>
+          <a:p>
+            <a:pPr marL="0" indent="0" algn="just">
+              <a:buNone/>
+            </a:pPr>
+            <a:endParaRPr lang="pt-BR" sz="2000" dirty="0">
+              <a:solidFill>
+                <a:schemeClr val="tx1"/>
+              </a:solidFill>
+              <a:latin typeface="Times New Roman" panose="02020603050405020304" pitchFamily="18" charset="0"/>
+              <a:cs typeface="Times New Roman" panose="02020603050405020304" pitchFamily="18" charset="0"/>
+            </a:endParaRPr>
+          </a:p>
+        </p:txBody>
+      </p:sp>
+      <p:pic>
+        <p:nvPicPr>
+          <p:cNvPr id="4" name="Imagem 3">
+            <a:extLst>
+              <a:ext uri="{FF2B5EF4-FFF2-40B4-BE49-F238E27FC236}">
+                <a16:creationId xmlns:a16="http://schemas.microsoft.com/office/drawing/2014/main" id="{FD21211C-3458-F3E6-42F3-2622DA76946A}"/>
+              </a:ext>
+            </a:extLst>
+          </p:cNvPr>
+          <p:cNvPicPr>
+            <a:picLocks noChangeAspect="1"/>
+          </p:cNvPicPr>
+          <p:nvPr/>
+        </p:nvPicPr>
+        <p:blipFill>
+          <a:blip r:embed="rId3"/>
+          <a:stretch>
+            <a:fillRect/>
+          </a:stretch>
+        </p:blipFill>
+        <p:spPr>
+          <a:xfrm>
+            <a:off x="1708060" y="940360"/>
+            <a:ext cx="4576830" cy="4164503"/>
+          </a:xfrm>
+          <a:prstGeom prst="rect">
+            <a:avLst/>
+          </a:prstGeom>
+        </p:spPr>
+      </p:pic>
+    </p:spTree>
+    <p:extLst>
+      <p:ext uri="{BB962C8B-B14F-4D97-AF65-F5344CB8AC3E}">
+        <p14:creationId xmlns:p14="http://schemas.microsoft.com/office/powerpoint/2010/main" val="3928540428"/>
+      </p:ext>
+    </p:extLst>
+  </p:cSld>
+  <p:clrMapOvr>
+    <a:masterClrMapping/>
+  </p:clrMapOvr>
+  <p:transition spd="med"/>
+</p:sld>
+</file>
+
+<file path=ppt/slides/slide11.xml><?xml version="1.0" encoding="utf-8"?>
+<p:sld xmlns:a="http://schemas.openxmlformats.org/drawingml/2006/main" xmlns:r="http://schemas.openxmlformats.org/officeDocument/2006/relationships" xmlns:p="http://schemas.openxmlformats.org/presentationml/2006/main">
+  <p:cSld>
+    <p:spTree>
+      <p:nvGrpSpPr>
+        <p:cNvPr id="1" name=""/>
+        <p:cNvGrpSpPr/>
+        <p:nvPr/>
+      </p:nvGrpSpPr>
+      <p:grpSpPr>
+        <a:xfrm>
+          <a:off x="0" y="0"/>
+          <a:ext cx="0" cy="0"/>
+          <a:chOff x="0" y="0"/>
+          <a:chExt cx="0" cy="0"/>
+        </a:xfrm>
+      </p:grpSpPr>
+      <p:sp>
+        <p:nvSpPr>
+          <p:cNvPr id="6" name="Title 1"/>
+          <p:cNvSpPr>
+            <a:spLocks noGrp="1"/>
+          </p:cNvSpPr>
+          <p:nvPr>
+            <p:ph type="title"/>
+          </p:nvPr>
+        </p:nvSpPr>
+        <p:spPr>
+          <a:xfrm>
+            <a:off x="457200" y="205980"/>
+            <a:ext cx="8229600" cy="857251"/>
+          </a:xfrm>
+        </p:spPr>
+        <p:txBody>
+          <a:bodyPr>
+            <a:normAutofit/>
+          </a:bodyPr>
+          <a:lstStyle/>
+          <a:p>
+            <a:r>
+              <a:rPr lang="pt-BR" b="1" dirty="0">
+                <a:solidFill>
+                  <a:srgbClr val="0070C0"/>
+                </a:solidFill>
+              </a:rPr>
+              <a:t>Integração Cloud </a:t>
+            </a:r>
+            <a:r>
+              <a:rPr lang="pt-BR" b="1" dirty="0" err="1">
+                <a:solidFill>
+                  <a:srgbClr val="0070C0"/>
+                </a:solidFill>
+              </a:rPr>
+              <a:t>IoT</a:t>
+            </a:r>
+            <a:r>
+              <a:rPr lang="pt-BR" b="1" dirty="0">
+                <a:solidFill>
+                  <a:srgbClr val="0070C0"/>
+                </a:solidFill>
+              </a:rPr>
+              <a:t> – AWS</a:t>
+            </a:r>
+            <a:endParaRPr lang="en-US" b="1" dirty="0">
+              <a:solidFill>
+                <a:srgbClr val="0070C0"/>
+              </a:solidFill>
+            </a:endParaRPr>
+          </a:p>
+        </p:txBody>
+      </p:sp>
+      <p:sp>
+        <p:nvSpPr>
+          <p:cNvPr id="8" name="Text Placeholder 2"/>
+          <p:cNvSpPr>
+            <a:spLocks noGrp="1"/>
+          </p:cNvSpPr>
+          <p:nvPr>
+            <p:ph type="body" sz="half" idx="1"/>
+          </p:nvPr>
+        </p:nvSpPr>
+        <p:spPr>
+          <a:xfrm>
+            <a:off x="142865" y="942570"/>
+            <a:ext cx="8865056" cy="3994950"/>
+          </a:xfrm>
+        </p:spPr>
+        <p:txBody>
+          <a:bodyPr>
+            <a:noAutofit/>
+          </a:bodyPr>
+          <a:lstStyle/>
+          <a:p>
+            <a:pPr marL="0" indent="0" algn="just">
+              <a:buNone/>
+            </a:pPr>
+            <a:endParaRPr lang="pt-BR" sz="2000" dirty="0">
+              <a:solidFill>
+                <a:schemeClr val="tx1"/>
+              </a:solidFill>
+              <a:latin typeface="Times New Roman" panose="02020603050405020304" pitchFamily="18" charset="0"/>
+              <a:cs typeface="Times New Roman" panose="02020603050405020304" pitchFamily="18" charset="0"/>
+            </a:endParaRPr>
+          </a:p>
+          <a:p>
+            <a:pPr marL="0" indent="0" algn="just">
+              <a:buNone/>
+            </a:pPr>
+            <a:endParaRPr lang="pt-BR" sz="2000" dirty="0">
+              <a:solidFill>
+                <a:schemeClr val="tx1"/>
+              </a:solidFill>
+              <a:latin typeface="Times New Roman" panose="02020603050405020304" pitchFamily="18" charset="0"/>
+              <a:cs typeface="Times New Roman" panose="02020603050405020304" pitchFamily="18" charset="0"/>
+            </a:endParaRPr>
+          </a:p>
+          <a:p>
+            <a:pPr marL="0" indent="0" algn="just">
+              <a:buNone/>
+            </a:pPr>
+            <a:endParaRPr lang="pt-BR" sz="2000" dirty="0">
+              <a:solidFill>
+                <a:schemeClr val="tx1"/>
+              </a:solidFill>
+              <a:latin typeface="Times New Roman" panose="02020603050405020304" pitchFamily="18" charset="0"/>
+              <a:cs typeface="Times New Roman" panose="02020603050405020304" pitchFamily="18" charset="0"/>
+            </a:endParaRPr>
+          </a:p>
+          <a:p>
+            <a:pPr marL="0" indent="0" algn="just">
+              <a:buNone/>
+            </a:pPr>
+            <a:endParaRPr lang="pt-BR" sz="2000" dirty="0">
+              <a:solidFill>
+                <a:schemeClr val="tx1"/>
+              </a:solidFill>
+              <a:latin typeface="Times New Roman" panose="02020603050405020304" pitchFamily="18" charset="0"/>
+              <a:cs typeface="Times New Roman" panose="02020603050405020304" pitchFamily="18" charset="0"/>
+            </a:endParaRPr>
+          </a:p>
+          <a:p>
+            <a:pPr marL="0" indent="0" algn="just">
+              <a:buNone/>
+            </a:pPr>
+            <a:endParaRPr lang="pt-BR" sz="2000" dirty="0">
+              <a:solidFill>
+                <a:schemeClr val="tx1"/>
+              </a:solidFill>
+              <a:latin typeface="Times New Roman" panose="02020603050405020304" pitchFamily="18" charset="0"/>
+              <a:cs typeface="Times New Roman" panose="02020603050405020304" pitchFamily="18" charset="0"/>
+            </a:endParaRPr>
+          </a:p>
+          <a:p>
+            <a:pPr marL="0" indent="0" algn="just">
+              <a:buNone/>
+            </a:pPr>
+            <a:endParaRPr lang="pt-BR" sz="2000" dirty="0">
+              <a:solidFill>
+                <a:schemeClr val="tx1"/>
+              </a:solidFill>
+              <a:latin typeface="Times New Roman" panose="02020603050405020304" pitchFamily="18" charset="0"/>
+              <a:cs typeface="Times New Roman" panose="02020603050405020304" pitchFamily="18" charset="0"/>
+            </a:endParaRPr>
+          </a:p>
+          <a:p>
+            <a:pPr marL="0" indent="0" algn="just">
+              <a:buNone/>
+            </a:pPr>
+            <a:endParaRPr lang="pt-BR" sz="2000" dirty="0">
+              <a:solidFill>
+                <a:schemeClr val="tx1"/>
+              </a:solidFill>
+              <a:latin typeface="Times New Roman" panose="02020603050405020304" pitchFamily="18" charset="0"/>
+              <a:cs typeface="Times New Roman" panose="02020603050405020304" pitchFamily="18" charset="0"/>
+            </a:endParaRPr>
+          </a:p>
+          <a:p>
+            <a:pPr marL="0" indent="0" algn="just">
+              <a:buNone/>
+            </a:pPr>
+            <a:endParaRPr lang="pt-BR" sz="2000" dirty="0">
+              <a:solidFill>
+                <a:schemeClr val="tx1"/>
+              </a:solidFill>
+              <a:latin typeface="Times New Roman" panose="02020603050405020304" pitchFamily="18" charset="0"/>
+              <a:cs typeface="Times New Roman" panose="02020603050405020304" pitchFamily="18" charset="0"/>
+            </a:endParaRPr>
+          </a:p>
+          <a:p>
+            <a:pPr marL="0" indent="0" algn="just">
+              <a:buNone/>
+            </a:pPr>
+            <a:r>
+              <a:rPr lang="pt-BR" sz="1600" dirty="0">
+                <a:solidFill>
+                  <a:schemeClr val="tx1"/>
+                </a:solidFill>
+                <a:latin typeface="Times New Roman" panose="02020603050405020304" pitchFamily="18" charset="0"/>
+                <a:cs typeface="Times New Roman" panose="02020603050405020304" pitchFamily="18" charset="0"/>
+              </a:rPr>
+              <a:t>	</a:t>
+            </a:r>
+          </a:p>
+          <a:p>
+            <a:pPr marL="0" indent="0" algn="just">
+              <a:buNone/>
+            </a:pPr>
+            <a:r>
+              <a:rPr lang="pt-BR" sz="1400" dirty="0">
+                <a:solidFill>
+                  <a:schemeClr val="tx1"/>
+                </a:solidFill>
+                <a:latin typeface="Times New Roman" panose="02020603050405020304" pitchFamily="18" charset="0"/>
+                <a:cs typeface="Times New Roman" panose="02020603050405020304" pitchFamily="18" charset="0"/>
+              </a:rPr>
+              <a:t>			</a:t>
+            </a:r>
+            <a:r>
+              <a:rPr lang="pt-BR" sz="1400" dirty="0">
+                <a:solidFill>
+                  <a:schemeClr val="tx1"/>
+                </a:solidFill>
+                <a:latin typeface="Times New Roman" panose="02020603050405020304" pitchFamily="18" charset="0"/>
+                <a:cs typeface="Times New Roman" panose="02020603050405020304" pitchFamily="18" charset="0"/>
+                <a:hlinkClick r:id="rId3"/>
+              </a:rPr>
+              <a:t>https://aws.amazon.com/pt/iot/</a:t>
+            </a:r>
+            <a:r>
+              <a:rPr lang="pt-BR" sz="1400" dirty="0">
+                <a:solidFill>
+                  <a:schemeClr val="tx1"/>
+                </a:solidFill>
+                <a:latin typeface="Times New Roman" panose="02020603050405020304" pitchFamily="18" charset="0"/>
+                <a:cs typeface="Times New Roman" panose="02020603050405020304" pitchFamily="18" charset="0"/>
+              </a:rPr>
+              <a:t> </a:t>
+            </a:r>
+          </a:p>
+          <a:p>
+            <a:pPr marL="0" indent="0" algn="just">
+              <a:buNone/>
+            </a:pPr>
+            <a:r>
+              <a:rPr lang="pt-BR" sz="1400" dirty="0">
+                <a:solidFill>
+                  <a:schemeClr val="tx1"/>
+                </a:solidFill>
+                <a:latin typeface="Times New Roman" panose="02020603050405020304" pitchFamily="18" charset="0"/>
+                <a:cs typeface="Times New Roman" panose="02020603050405020304" pitchFamily="18" charset="0"/>
+              </a:rPr>
+              <a:t>	</a:t>
+            </a:r>
+            <a:r>
+              <a:rPr lang="pt-BR" sz="1400" dirty="0">
+                <a:solidFill>
+                  <a:schemeClr val="tx1"/>
+                </a:solidFill>
+                <a:latin typeface="Times New Roman" panose="02020603050405020304" pitchFamily="18" charset="0"/>
+                <a:cs typeface="Times New Roman" panose="02020603050405020304" pitchFamily="18" charset="0"/>
+                <a:hlinkClick r:id="rId4"/>
+              </a:rPr>
+              <a:t>https://aws.amazon.com/pt/iot/https://docs.aws.amazon.com/pt_br/iot/latest/developerguide/connect-to-iot.html</a:t>
+            </a:r>
+            <a:r>
+              <a:rPr lang="pt-BR" sz="1400" dirty="0">
+                <a:solidFill>
+                  <a:schemeClr val="tx1"/>
+                </a:solidFill>
+                <a:latin typeface="Times New Roman" panose="02020603050405020304" pitchFamily="18" charset="0"/>
+                <a:cs typeface="Times New Roman" panose="02020603050405020304" pitchFamily="18" charset="0"/>
+              </a:rPr>
+              <a:t> </a:t>
+            </a:r>
+          </a:p>
+        </p:txBody>
+      </p:sp>
+      <p:pic>
+        <p:nvPicPr>
+          <p:cNvPr id="3" name="Imagem 2">
+            <a:extLst>
+              <a:ext uri="{FF2B5EF4-FFF2-40B4-BE49-F238E27FC236}">
+                <a16:creationId xmlns:a16="http://schemas.microsoft.com/office/drawing/2014/main" id="{D28EDA9B-5A69-5B2F-F02A-2226F8BF7117}"/>
+              </a:ext>
+            </a:extLst>
+          </p:cNvPr>
+          <p:cNvPicPr>
+            <a:picLocks noChangeAspect="1"/>
+          </p:cNvPicPr>
+          <p:nvPr/>
+        </p:nvPicPr>
+        <p:blipFill>
+          <a:blip r:embed="rId5"/>
+          <a:stretch>
+            <a:fillRect/>
+          </a:stretch>
+        </p:blipFill>
+        <p:spPr>
+          <a:xfrm>
+            <a:off x="1320687" y="942570"/>
+            <a:ext cx="5749814" cy="3351496"/>
+          </a:xfrm>
+          <a:prstGeom prst="rect">
+            <a:avLst/>
+          </a:prstGeom>
+        </p:spPr>
+      </p:pic>
+    </p:spTree>
+    <p:extLst>
+      <p:ext uri="{BB962C8B-B14F-4D97-AF65-F5344CB8AC3E}">
+        <p14:creationId xmlns:p14="http://schemas.microsoft.com/office/powerpoint/2010/main" val="4187617274"/>
+      </p:ext>
+    </p:extLst>
+  </p:cSld>
+  <p:clrMapOvr>
+    <a:masterClrMapping/>
+  </p:clrMapOvr>
+  <p:transition spd="med"/>
+</p:sld>
+</file>
+
+<file path=ppt/slides/slide12.xml><?xml version="1.0" encoding="utf-8"?>
+<p:sld xmlns:a="http://schemas.openxmlformats.org/drawingml/2006/main" xmlns:r="http://schemas.openxmlformats.org/officeDocument/2006/relationships" xmlns:p="http://schemas.openxmlformats.org/presentationml/2006/main">
+  <p:cSld>
+    <p:spTree>
+      <p:nvGrpSpPr>
+        <p:cNvPr id="1" name=""/>
+        <p:cNvGrpSpPr/>
+        <p:nvPr/>
+      </p:nvGrpSpPr>
+      <p:grpSpPr>
+        <a:xfrm>
+          <a:off x="0" y="0"/>
+          <a:ext cx="0" cy="0"/>
+          <a:chOff x="0" y="0"/>
+          <a:chExt cx="0" cy="0"/>
+        </a:xfrm>
+      </p:grpSpPr>
+      <p:sp>
+        <p:nvSpPr>
+          <p:cNvPr id="6" name="Title 1"/>
+          <p:cNvSpPr>
+            <a:spLocks noGrp="1"/>
+          </p:cNvSpPr>
+          <p:nvPr>
+            <p:ph type="title"/>
+          </p:nvPr>
+        </p:nvSpPr>
+        <p:spPr>
+          <a:xfrm>
+            <a:off x="457200" y="205980"/>
+            <a:ext cx="8229600" cy="857251"/>
+          </a:xfrm>
+        </p:spPr>
+        <p:txBody>
+          <a:bodyPr>
+            <a:normAutofit/>
+          </a:bodyPr>
+          <a:lstStyle/>
+          <a:p>
+            <a:r>
+              <a:rPr lang="pt-BR" b="1" dirty="0">
+                <a:solidFill>
+                  <a:srgbClr val="0070C0"/>
+                </a:solidFill>
+              </a:rPr>
+              <a:t>Impactos Cloud </a:t>
+            </a:r>
+            <a:r>
+              <a:rPr lang="pt-BR" b="1" dirty="0" err="1">
+                <a:solidFill>
+                  <a:srgbClr val="0070C0"/>
+                </a:solidFill>
+              </a:rPr>
+              <a:t>IoT</a:t>
+            </a:r>
+            <a:r>
+              <a:rPr lang="pt-BR" b="1" dirty="0">
+                <a:solidFill>
+                  <a:srgbClr val="0070C0"/>
+                </a:solidFill>
+              </a:rPr>
+              <a:t> nas Empresa</a:t>
+            </a:r>
+            <a:endParaRPr lang="en-US" b="1" dirty="0">
+              <a:solidFill>
+                <a:srgbClr val="0070C0"/>
+              </a:solidFill>
+            </a:endParaRPr>
+          </a:p>
+        </p:txBody>
+      </p:sp>
+      <p:sp>
+        <p:nvSpPr>
+          <p:cNvPr id="8" name="Text Placeholder 2"/>
+          <p:cNvSpPr>
+            <a:spLocks noGrp="1"/>
+          </p:cNvSpPr>
+          <p:nvPr>
+            <p:ph type="body" sz="half" idx="1"/>
+          </p:nvPr>
+        </p:nvSpPr>
+        <p:spPr>
+          <a:xfrm>
+            <a:off x="142865" y="1200150"/>
+            <a:ext cx="8865056" cy="3737370"/>
+          </a:xfrm>
+        </p:spPr>
+        <p:txBody>
+          <a:bodyPr>
+            <a:noAutofit/>
+          </a:bodyPr>
+          <a:lstStyle/>
+          <a:p>
+            <a:pPr algn="just">
+              <a:buFont typeface="Wingdings" panose="05000000000000000000" pitchFamily="2" charset="2"/>
+              <a:buChar char="§"/>
+            </a:pPr>
+            <a:r>
+              <a:rPr lang="pt-BR" sz="2000" b="1" dirty="0">
+                <a:solidFill>
+                  <a:srgbClr val="FF0000"/>
+                </a:solidFill>
+                <a:latin typeface="Times New Roman" panose="02020603050405020304" pitchFamily="18" charset="0"/>
+                <a:cs typeface="Times New Roman" panose="02020603050405020304" pitchFamily="18" charset="0"/>
+              </a:rPr>
+              <a:t>Maior visibilidade em todo o processo de atendimento</a:t>
+            </a:r>
+            <a:r>
+              <a:rPr lang="pt-BR" sz="2000" dirty="0">
+                <a:solidFill>
+                  <a:schemeClr val="tx1"/>
+                </a:solidFill>
+                <a:latin typeface="Times New Roman" panose="02020603050405020304" pitchFamily="18" charset="0"/>
+                <a:cs typeface="Times New Roman" panose="02020603050405020304" pitchFamily="18" charset="0"/>
+              </a:rPr>
+              <a:t>, permitindo que os varejistas acompanhem os pedidos desde o momento em que são realizados até chegarem aos consumidores;</a:t>
+            </a:r>
+          </a:p>
+          <a:p>
+            <a:pPr algn="just">
+              <a:buFont typeface="Wingdings" panose="05000000000000000000" pitchFamily="2" charset="2"/>
+              <a:buChar char="§"/>
+            </a:pPr>
+            <a:endParaRPr lang="pt-BR" sz="2000" dirty="0">
+              <a:solidFill>
+                <a:schemeClr val="tx1"/>
+              </a:solidFill>
+              <a:latin typeface="Times New Roman" panose="02020603050405020304" pitchFamily="18" charset="0"/>
+              <a:cs typeface="Times New Roman" panose="02020603050405020304" pitchFamily="18" charset="0"/>
+            </a:endParaRPr>
+          </a:p>
+          <a:p>
+            <a:pPr algn="just">
+              <a:buFont typeface="Wingdings" panose="05000000000000000000" pitchFamily="2" charset="2"/>
+              <a:buChar char="§"/>
+            </a:pPr>
+            <a:r>
+              <a:rPr lang="pt-BR" sz="2000" dirty="0">
+                <a:solidFill>
+                  <a:schemeClr val="tx1"/>
+                </a:solidFill>
+                <a:latin typeface="Times New Roman" panose="02020603050405020304" pitchFamily="18" charset="0"/>
+                <a:cs typeface="Times New Roman" panose="02020603050405020304" pitchFamily="18" charset="0"/>
+              </a:rPr>
+              <a:t>Fabricantes de bens duráveis podem aproveitar a conectividade para estabelecer </a:t>
+            </a:r>
+            <a:r>
+              <a:rPr lang="pt-BR" sz="2000" b="1" dirty="0">
+                <a:solidFill>
+                  <a:srgbClr val="FF0000"/>
+                </a:solidFill>
+                <a:latin typeface="Times New Roman" panose="02020603050405020304" pitchFamily="18" charset="0"/>
+                <a:cs typeface="Times New Roman" panose="02020603050405020304" pitchFamily="18" charset="0"/>
+              </a:rPr>
+              <a:t>relacionamentos de longo prazo com os consumidores</a:t>
+            </a:r>
+            <a:r>
+              <a:rPr lang="pt-BR" sz="2000" dirty="0">
+                <a:solidFill>
+                  <a:schemeClr val="tx1"/>
+                </a:solidFill>
+                <a:latin typeface="Times New Roman" panose="02020603050405020304" pitchFamily="18" charset="0"/>
+                <a:cs typeface="Times New Roman" panose="02020603050405020304" pitchFamily="18" charset="0"/>
+              </a:rPr>
+              <a:t>, oferecendo serviços auxiliares, como manutenção preditiva e análise de desempenho;</a:t>
+            </a:r>
+          </a:p>
+          <a:p>
+            <a:pPr algn="just">
+              <a:buFont typeface="Wingdings" panose="05000000000000000000" pitchFamily="2" charset="2"/>
+              <a:buChar char="§"/>
+            </a:pPr>
+            <a:endParaRPr lang="pt-BR" sz="2000" dirty="0">
+              <a:solidFill>
+                <a:schemeClr val="tx1"/>
+              </a:solidFill>
+              <a:latin typeface="Times New Roman" panose="02020603050405020304" pitchFamily="18" charset="0"/>
+              <a:cs typeface="Times New Roman" panose="02020603050405020304" pitchFamily="18" charset="0"/>
+            </a:endParaRPr>
+          </a:p>
+          <a:p>
+            <a:pPr algn="just">
+              <a:buFont typeface="Wingdings" panose="05000000000000000000" pitchFamily="2" charset="2"/>
+              <a:buChar char="§"/>
+            </a:pPr>
+            <a:r>
+              <a:rPr lang="pt-BR" sz="2000" dirty="0">
+                <a:solidFill>
+                  <a:schemeClr val="tx1"/>
+                </a:solidFill>
+                <a:latin typeface="Times New Roman" panose="02020603050405020304" pitchFamily="18" charset="0"/>
+                <a:cs typeface="Times New Roman" panose="02020603050405020304" pitchFamily="18" charset="0"/>
+              </a:rPr>
+              <a:t>Mais dados a partir dos quais os profissionais de marketing podem </a:t>
+            </a:r>
+            <a:r>
+              <a:rPr lang="pt-BR" sz="2000" b="1" dirty="0">
+                <a:solidFill>
+                  <a:schemeClr val="tx1"/>
+                </a:solidFill>
+                <a:latin typeface="Times New Roman" panose="02020603050405020304" pitchFamily="18" charset="0"/>
+                <a:cs typeface="Times New Roman" panose="02020603050405020304" pitchFamily="18" charset="0"/>
+              </a:rPr>
+              <a:t>obter </a:t>
+            </a:r>
+            <a:r>
+              <a:rPr lang="pt-BR" sz="2000" b="1" dirty="0">
+                <a:solidFill>
+                  <a:srgbClr val="FF0000"/>
+                </a:solidFill>
+                <a:latin typeface="Times New Roman" panose="02020603050405020304" pitchFamily="18" charset="0"/>
+                <a:cs typeface="Times New Roman" panose="02020603050405020304" pitchFamily="18" charset="0"/>
+              </a:rPr>
+              <a:t>informações sobre o comportamento do consumidor</a:t>
+            </a:r>
+            <a:r>
+              <a:rPr lang="pt-BR" sz="2000" dirty="0">
+                <a:solidFill>
+                  <a:schemeClr val="tx1"/>
+                </a:solidFill>
+                <a:latin typeface="Times New Roman" panose="02020603050405020304" pitchFamily="18" charset="0"/>
+                <a:cs typeface="Times New Roman" panose="02020603050405020304" pitchFamily="18" charset="0"/>
+              </a:rPr>
+              <a:t>, levando a websites mais intuitivos e personalizados para o consumidor individual;</a:t>
+            </a:r>
+          </a:p>
+        </p:txBody>
+      </p:sp>
+    </p:spTree>
+    <p:extLst>
+      <p:ext uri="{BB962C8B-B14F-4D97-AF65-F5344CB8AC3E}">
+        <p14:creationId xmlns:p14="http://schemas.microsoft.com/office/powerpoint/2010/main" val="4240266896"/>
+      </p:ext>
+    </p:extLst>
+  </p:cSld>
+  <p:clrMapOvr>
+    <a:masterClrMapping/>
+  </p:clrMapOvr>
+  <p:transition spd="med"/>
+</p:sld>
+</file>
+
+<file path=ppt/slides/slide13.xml><?xml version="1.0" encoding="utf-8"?>
+<p:sld xmlns:a="http://schemas.openxmlformats.org/drawingml/2006/main" xmlns:r="http://schemas.openxmlformats.org/officeDocument/2006/relationships" xmlns:p="http://schemas.openxmlformats.org/presentationml/2006/main">
+  <p:cSld>
+    <p:spTree>
+      <p:nvGrpSpPr>
+        <p:cNvPr id="1" name=""/>
+        <p:cNvGrpSpPr/>
+        <p:nvPr/>
+      </p:nvGrpSpPr>
+      <p:grpSpPr>
+        <a:xfrm>
+          <a:off x="0" y="0"/>
+          <a:ext cx="0" cy="0"/>
+          <a:chOff x="0" y="0"/>
+          <a:chExt cx="0" cy="0"/>
+        </a:xfrm>
+      </p:grpSpPr>
+      <p:sp>
+        <p:nvSpPr>
+          <p:cNvPr id="6" name="Title 1"/>
+          <p:cNvSpPr>
+            <a:spLocks noGrp="1"/>
+          </p:cNvSpPr>
+          <p:nvPr>
+            <p:ph type="title"/>
+          </p:nvPr>
+        </p:nvSpPr>
+        <p:spPr>
+          <a:xfrm>
+            <a:off x="457200" y="205980"/>
+            <a:ext cx="8229600" cy="857251"/>
+          </a:xfrm>
+        </p:spPr>
+        <p:txBody>
+          <a:bodyPr>
+            <a:normAutofit/>
+          </a:bodyPr>
+          <a:lstStyle/>
+          <a:p>
+            <a:r>
+              <a:rPr lang="pt-BR" b="1" dirty="0">
+                <a:solidFill>
+                  <a:srgbClr val="0070C0"/>
+                </a:solidFill>
+              </a:rPr>
+              <a:t>Impactos Cloud </a:t>
+            </a:r>
+            <a:r>
+              <a:rPr lang="pt-BR" b="1" dirty="0" err="1">
+                <a:solidFill>
+                  <a:srgbClr val="0070C0"/>
+                </a:solidFill>
+              </a:rPr>
+              <a:t>IoT</a:t>
+            </a:r>
+            <a:r>
+              <a:rPr lang="pt-BR" b="1" dirty="0">
+                <a:solidFill>
+                  <a:srgbClr val="0070C0"/>
+                </a:solidFill>
+              </a:rPr>
+              <a:t> nas Empresa</a:t>
+            </a:r>
+            <a:endParaRPr lang="en-US" b="1" dirty="0">
+              <a:solidFill>
+                <a:srgbClr val="0070C0"/>
+              </a:solidFill>
+            </a:endParaRPr>
+          </a:p>
+        </p:txBody>
+      </p:sp>
+      <p:sp>
+        <p:nvSpPr>
+          <p:cNvPr id="8" name="Text Placeholder 2"/>
+          <p:cNvSpPr>
+            <a:spLocks noGrp="1"/>
+          </p:cNvSpPr>
+          <p:nvPr>
+            <p:ph type="body" sz="half" idx="1"/>
+          </p:nvPr>
+        </p:nvSpPr>
+        <p:spPr>
+          <a:xfrm>
+            <a:off x="142865" y="1200150"/>
+            <a:ext cx="8865056" cy="3737370"/>
+          </a:xfrm>
+        </p:spPr>
+        <p:txBody>
+          <a:bodyPr>
+            <a:noAutofit/>
+          </a:bodyPr>
+          <a:lstStyle/>
+          <a:p>
+            <a:pPr algn="just">
+              <a:buFont typeface="Wingdings" panose="05000000000000000000" pitchFamily="2" charset="2"/>
+              <a:buChar char="§"/>
+            </a:pPr>
+            <a:r>
+              <a:rPr lang="pt-BR" sz="2000" b="1" dirty="0">
+                <a:solidFill>
+                  <a:srgbClr val="FF0000"/>
+                </a:solidFill>
+                <a:latin typeface="Times New Roman" panose="02020603050405020304" pitchFamily="18" charset="0"/>
+                <a:cs typeface="Times New Roman" panose="02020603050405020304" pitchFamily="18" charset="0"/>
+              </a:rPr>
+              <a:t>Melhor engajamento com o cliente</a:t>
+            </a:r>
+            <a:r>
+              <a:rPr lang="pt-BR" sz="2000" dirty="0">
+                <a:solidFill>
+                  <a:schemeClr val="tx1"/>
+                </a:solidFill>
+                <a:latin typeface="Times New Roman" panose="02020603050405020304" pitchFamily="18" charset="0"/>
+                <a:cs typeface="Times New Roman" panose="02020603050405020304" pitchFamily="18" charset="0"/>
+              </a:rPr>
+              <a:t>, o que inclui comunicação e recomendações personalizados a partir do uso de dispositivos conectados;</a:t>
+            </a:r>
+          </a:p>
+          <a:p>
+            <a:pPr algn="just">
+              <a:buFont typeface="Wingdings" panose="05000000000000000000" pitchFamily="2" charset="2"/>
+              <a:buChar char="§"/>
+            </a:pPr>
+            <a:endParaRPr lang="pt-BR" sz="2000" dirty="0">
+              <a:solidFill>
+                <a:schemeClr val="tx1"/>
+              </a:solidFill>
+              <a:latin typeface="Times New Roman" panose="02020603050405020304" pitchFamily="18" charset="0"/>
+              <a:cs typeface="Times New Roman" panose="02020603050405020304" pitchFamily="18" charset="0"/>
+            </a:endParaRPr>
+          </a:p>
+          <a:p>
+            <a:pPr algn="just">
+              <a:buFont typeface="Wingdings" panose="05000000000000000000" pitchFamily="2" charset="2"/>
+              <a:buChar char="§"/>
+            </a:pPr>
+            <a:r>
+              <a:rPr lang="pt-BR" sz="2000" b="1" dirty="0">
+                <a:solidFill>
+                  <a:srgbClr val="FF0000"/>
+                </a:solidFill>
+                <a:latin typeface="Times New Roman" panose="02020603050405020304" pitchFamily="18" charset="0"/>
+                <a:cs typeface="Times New Roman" panose="02020603050405020304" pitchFamily="18" charset="0"/>
+              </a:rPr>
+              <a:t>Melhoria no poder analítico dos negócios</a:t>
+            </a:r>
+            <a:r>
+              <a:rPr lang="pt-BR" sz="2000" dirty="0">
+                <a:solidFill>
+                  <a:schemeClr val="tx1"/>
+                </a:solidFill>
+                <a:latin typeface="Times New Roman" panose="02020603050405020304" pitchFamily="18" charset="0"/>
+                <a:cs typeface="Times New Roman" panose="02020603050405020304" pitchFamily="18" charset="0"/>
+              </a:rPr>
+              <a:t>, que podem captar dados e gerar insights a partir da percepção de padrões;</a:t>
+            </a:r>
+          </a:p>
+          <a:p>
+            <a:pPr algn="just">
+              <a:buFont typeface="Wingdings" panose="05000000000000000000" pitchFamily="2" charset="2"/>
+              <a:buChar char="§"/>
+            </a:pPr>
+            <a:endParaRPr lang="pt-BR" sz="2000" dirty="0">
+              <a:solidFill>
+                <a:schemeClr val="tx1"/>
+              </a:solidFill>
+              <a:latin typeface="Times New Roman" panose="02020603050405020304" pitchFamily="18" charset="0"/>
+              <a:cs typeface="Times New Roman" panose="02020603050405020304" pitchFamily="18" charset="0"/>
+            </a:endParaRPr>
+          </a:p>
+          <a:p>
+            <a:pPr algn="just">
+              <a:buFont typeface="Wingdings" panose="05000000000000000000" pitchFamily="2" charset="2"/>
+              <a:buChar char="§"/>
+            </a:pPr>
+            <a:r>
+              <a:rPr lang="pt-BR" sz="2000" b="1" dirty="0">
+                <a:solidFill>
+                  <a:srgbClr val="FF0000"/>
+                </a:solidFill>
+                <a:latin typeface="Times New Roman" panose="02020603050405020304" pitchFamily="18" charset="0"/>
+                <a:cs typeface="Times New Roman" panose="02020603050405020304" pitchFamily="18" charset="0"/>
+              </a:rPr>
+              <a:t>Facilidades para a inovação</a:t>
+            </a:r>
+            <a:r>
+              <a:rPr lang="pt-BR" sz="2000" dirty="0">
+                <a:solidFill>
+                  <a:schemeClr val="tx1"/>
+                </a:solidFill>
+                <a:latin typeface="Times New Roman" panose="02020603050405020304" pitchFamily="18" charset="0"/>
+                <a:cs typeface="Times New Roman" panose="02020603050405020304" pitchFamily="18" charset="0"/>
+              </a:rPr>
+              <a:t>, uma vez que a alta conectividade permite combinações que podem gerar valor em processos, produtos e serviços.</a:t>
+            </a:r>
+          </a:p>
+        </p:txBody>
+      </p:sp>
+    </p:spTree>
+    <p:extLst>
+      <p:ext uri="{BB962C8B-B14F-4D97-AF65-F5344CB8AC3E}">
+        <p14:creationId xmlns:p14="http://schemas.microsoft.com/office/powerpoint/2010/main" val="3963678211"/>
+      </p:ext>
+    </p:extLst>
+  </p:cSld>
+  <p:clrMapOvr>
+    <a:masterClrMapping/>
+  </p:clrMapOvr>
+  <p:transition spd="med"/>
+</p:sld>
+</file>
+
+<file path=ppt/slides/slide14.xml><?xml version="1.0" encoding="utf-8"?>
+<p:sld xmlns:a="http://schemas.openxmlformats.org/drawingml/2006/main" xmlns:r="http://schemas.openxmlformats.org/officeDocument/2006/relationships" xmlns:p="http://schemas.openxmlformats.org/presentationml/2006/main">
+  <p:cSld>
+    <p:spTree>
+      <p:nvGrpSpPr>
+        <p:cNvPr id="1" name=""/>
+        <p:cNvGrpSpPr/>
+        <p:nvPr/>
+      </p:nvGrpSpPr>
+      <p:grpSpPr>
+        <a:xfrm>
+          <a:off x="0" y="0"/>
+          <a:ext cx="0" cy="0"/>
+          <a:chOff x="0" y="0"/>
+          <a:chExt cx="0" cy="0"/>
+        </a:xfrm>
+      </p:grpSpPr>
+      <p:sp>
+        <p:nvSpPr>
+          <p:cNvPr id="6" name="Title 1"/>
+          <p:cNvSpPr>
+            <a:spLocks noGrp="1"/>
+          </p:cNvSpPr>
+          <p:nvPr>
+            <p:ph type="title"/>
+          </p:nvPr>
+        </p:nvSpPr>
+        <p:spPr>
+          <a:xfrm>
+            <a:off x="457200" y="205980"/>
+            <a:ext cx="8229600" cy="857251"/>
+          </a:xfrm>
+        </p:spPr>
+        <p:txBody>
+          <a:bodyPr>
+            <a:normAutofit fontScale="90000"/>
+          </a:bodyPr>
+          <a:lstStyle/>
+          <a:p>
+            <a:r>
+              <a:rPr lang="pt-BR" b="1" dirty="0">
+                <a:solidFill>
+                  <a:srgbClr val="0070C0"/>
+                </a:solidFill>
+              </a:rPr>
+              <a:t>Relação da </a:t>
+            </a:r>
+            <a:r>
+              <a:rPr lang="pt-BR" b="1" dirty="0" err="1">
+                <a:solidFill>
+                  <a:srgbClr val="0070C0"/>
+                </a:solidFill>
+              </a:rPr>
+              <a:t>IoT</a:t>
+            </a:r>
+            <a:r>
+              <a:rPr lang="pt-BR" b="1" dirty="0">
+                <a:solidFill>
+                  <a:srgbClr val="0070C0"/>
+                </a:solidFill>
+              </a:rPr>
+              <a:t> com Cloud Computer</a:t>
+            </a:r>
+            <a:endParaRPr lang="en-US" b="1" dirty="0">
+              <a:solidFill>
+                <a:srgbClr val="0070C0"/>
+              </a:solidFill>
+            </a:endParaRPr>
+          </a:p>
+        </p:txBody>
+      </p:sp>
+      <p:sp>
+        <p:nvSpPr>
+          <p:cNvPr id="8" name="Text Placeholder 2"/>
+          <p:cNvSpPr>
+            <a:spLocks noGrp="1"/>
+          </p:cNvSpPr>
+          <p:nvPr>
+            <p:ph type="body" sz="half" idx="1"/>
+          </p:nvPr>
+        </p:nvSpPr>
+        <p:spPr>
+          <a:xfrm>
+            <a:off x="142865" y="1200150"/>
+            <a:ext cx="8865056" cy="3737370"/>
+          </a:xfrm>
+        </p:spPr>
+        <p:txBody>
+          <a:bodyPr>
+            <a:noAutofit/>
+          </a:bodyPr>
+          <a:lstStyle/>
+          <a:p>
+            <a:pPr marL="0" indent="0" algn="just">
+              <a:buNone/>
+            </a:pPr>
+            <a:r>
+              <a:rPr lang="pt-BR" sz="2000" b="1" dirty="0">
+                <a:solidFill>
+                  <a:schemeClr val="tx1"/>
+                </a:solidFill>
+                <a:latin typeface="Times New Roman" panose="02020603050405020304" pitchFamily="18" charset="0"/>
+                <a:cs typeface="Times New Roman" panose="02020603050405020304" pitchFamily="18" charset="0"/>
+              </a:rPr>
+              <a:t>Cloud </a:t>
+            </a:r>
+            <a:r>
+              <a:rPr lang="pt-BR" sz="2000" b="1" dirty="0" err="1">
+                <a:solidFill>
+                  <a:schemeClr val="tx1"/>
+                </a:solidFill>
+                <a:latin typeface="Times New Roman" panose="02020603050405020304" pitchFamily="18" charset="0"/>
+                <a:cs typeface="Times New Roman" panose="02020603050405020304" pitchFamily="18" charset="0"/>
+              </a:rPr>
+              <a:t>computing</a:t>
+            </a:r>
+            <a:r>
+              <a:rPr lang="pt-BR" sz="2000" dirty="0">
+                <a:solidFill>
+                  <a:schemeClr val="tx1"/>
+                </a:solidFill>
+                <a:latin typeface="Times New Roman" panose="02020603050405020304" pitchFamily="18" charset="0"/>
+                <a:cs typeface="Times New Roman" panose="02020603050405020304" pitchFamily="18" charset="0"/>
+              </a:rPr>
+              <a:t> suporta e </a:t>
+            </a:r>
+            <a:r>
+              <a:rPr lang="pt-BR" sz="2000" b="1" dirty="0">
+                <a:solidFill>
+                  <a:schemeClr val="tx1"/>
+                </a:solidFill>
+                <a:latin typeface="Times New Roman" panose="02020603050405020304" pitchFamily="18" charset="0"/>
+                <a:cs typeface="Times New Roman" panose="02020603050405020304" pitchFamily="18" charset="0"/>
+              </a:rPr>
+              <a:t>torna</a:t>
+            </a:r>
+            <a:r>
+              <a:rPr lang="pt-BR" sz="2000" dirty="0">
+                <a:solidFill>
+                  <a:schemeClr val="tx1"/>
+                </a:solidFill>
+                <a:latin typeface="Times New Roman" panose="02020603050405020304" pitchFamily="18" charset="0"/>
+                <a:cs typeface="Times New Roman" panose="02020603050405020304" pitchFamily="18" charset="0"/>
+              </a:rPr>
+              <a:t> a </a:t>
+            </a:r>
+            <a:r>
+              <a:rPr lang="pt-BR" sz="2000" b="1" dirty="0" err="1">
+                <a:solidFill>
+                  <a:srgbClr val="FF0000"/>
+                </a:solidFill>
+                <a:latin typeface="Times New Roman" panose="02020603050405020304" pitchFamily="18" charset="0"/>
+                <a:cs typeface="Times New Roman" panose="02020603050405020304" pitchFamily="18" charset="0"/>
+              </a:rPr>
+              <a:t>IoT</a:t>
+            </a:r>
+            <a:r>
+              <a:rPr lang="pt-BR" sz="2000" dirty="0">
+                <a:solidFill>
+                  <a:schemeClr val="tx1"/>
+                </a:solidFill>
+                <a:latin typeface="Times New Roman" panose="02020603050405020304" pitchFamily="18" charset="0"/>
+                <a:cs typeface="Times New Roman" panose="02020603050405020304" pitchFamily="18" charset="0"/>
+              </a:rPr>
+              <a:t> realmente </a:t>
+            </a:r>
+            <a:r>
+              <a:rPr lang="pt-BR" sz="2000" b="1" dirty="0">
+                <a:solidFill>
+                  <a:srgbClr val="FF0000"/>
+                </a:solidFill>
+                <a:latin typeface="Times New Roman" panose="02020603050405020304" pitchFamily="18" charset="0"/>
+                <a:cs typeface="Times New Roman" panose="02020603050405020304" pitchFamily="18" charset="0"/>
+              </a:rPr>
+              <a:t>efetiva</a:t>
+            </a:r>
+            <a:r>
+              <a:rPr lang="pt-BR" sz="2000" dirty="0">
+                <a:solidFill>
+                  <a:schemeClr val="tx1"/>
+                </a:solidFill>
+                <a:latin typeface="Times New Roman" panose="02020603050405020304" pitchFamily="18" charset="0"/>
+                <a:cs typeface="Times New Roman" panose="02020603050405020304" pitchFamily="18" charset="0"/>
+              </a:rPr>
+              <a:t> — fornece a capacidade de utilizar os recursos de computação e armazenamento sob demanda, de forma flexível e com a mobilidade necessária.</a:t>
+            </a:r>
+          </a:p>
+          <a:p>
+            <a:pPr marL="0" indent="0" algn="just">
+              <a:buNone/>
+            </a:pPr>
+            <a:endParaRPr lang="pt-BR" sz="2000" dirty="0">
+              <a:solidFill>
+                <a:schemeClr val="tx1"/>
+              </a:solidFill>
+              <a:latin typeface="Times New Roman" panose="02020603050405020304" pitchFamily="18" charset="0"/>
+              <a:cs typeface="Times New Roman" panose="02020603050405020304" pitchFamily="18" charset="0"/>
+            </a:endParaRPr>
+          </a:p>
+          <a:p>
+            <a:pPr marL="0" indent="0" algn="just">
+              <a:buNone/>
+            </a:pPr>
+            <a:r>
+              <a:rPr lang="pt-BR" sz="2000" dirty="0">
+                <a:solidFill>
+                  <a:schemeClr val="tx1"/>
+                </a:solidFill>
+                <a:latin typeface="Times New Roman" panose="02020603050405020304" pitchFamily="18" charset="0"/>
+                <a:cs typeface="Times New Roman" panose="02020603050405020304" pitchFamily="18" charset="0"/>
+              </a:rPr>
+              <a:t>Considere que você tem um conjunto de mil </a:t>
+            </a:r>
+            <a:r>
+              <a:rPr lang="pt-BR" sz="2000" b="1" dirty="0">
+                <a:solidFill>
+                  <a:schemeClr val="tx1"/>
+                </a:solidFill>
+                <a:latin typeface="Times New Roman" panose="02020603050405020304" pitchFamily="18" charset="0"/>
+                <a:cs typeface="Times New Roman" panose="02020603050405020304" pitchFamily="18" charset="0"/>
+              </a:rPr>
+              <a:t>sensores</a:t>
+            </a:r>
+            <a:r>
+              <a:rPr lang="pt-BR" sz="2000" dirty="0">
+                <a:solidFill>
+                  <a:schemeClr val="tx1"/>
+                </a:solidFill>
+                <a:latin typeface="Times New Roman" panose="02020603050405020304" pitchFamily="18" charset="0"/>
+                <a:cs typeface="Times New Roman" panose="02020603050405020304" pitchFamily="18" charset="0"/>
+              </a:rPr>
+              <a:t> em sua fábrica. Eles conseguem </a:t>
+            </a:r>
+            <a:r>
+              <a:rPr lang="pt-BR" sz="2000" b="1" dirty="0">
+                <a:solidFill>
+                  <a:schemeClr val="tx1"/>
+                </a:solidFill>
+                <a:latin typeface="Times New Roman" panose="02020603050405020304" pitchFamily="18" charset="0"/>
+                <a:cs typeface="Times New Roman" panose="02020603050405020304" pitchFamily="18" charset="0"/>
+              </a:rPr>
+              <a:t>medir vários tipos de dados,</a:t>
+            </a:r>
+            <a:r>
+              <a:rPr lang="pt-BR" sz="2000" dirty="0">
+                <a:solidFill>
+                  <a:schemeClr val="tx1"/>
+                </a:solidFill>
+                <a:latin typeface="Times New Roman" panose="02020603050405020304" pitchFamily="18" charset="0"/>
+                <a:cs typeface="Times New Roman" panose="02020603050405020304" pitchFamily="18" charset="0"/>
+              </a:rPr>
+              <a:t> desde </a:t>
+            </a:r>
+            <a:r>
+              <a:rPr lang="pt-BR" sz="2000" b="1" dirty="0">
+                <a:solidFill>
+                  <a:srgbClr val="FF0000"/>
+                </a:solidFill>
+                <a:latin typeface="Times New Roman" panose="02020603050405020304" pitchFamily="18" charset="0"/>
+                <a:cs typeface="Times New Roman" panose="02020603050405020304" pitchFamily="18" charset="0"/>
+              </a:rPr>
+              <a:t>a emissão de poluentes até a detecção de intrusão </a:t>
+            </a:r>
+            <a:r>
+              <a:rPr lang="pt-BR" sz="2000" dirty="0">
+                <a:solidFill>
+                  <a:schemeClr val="tx1"/>
+                </a:solidFill>
+                <a:latin typeface="Times New Roman" panose="02020603050405020304" pitchFamily="18" charset="0"/>
+                <a:cs typeface="Times New Roman" panose="02020603050405020304" pitchFamily="18" charset="0"/>
+              </a:rPr>
+              <a:t>(os sensores são as “coisas” da </a:t>
+            </a:r>
+            <a:r>
+              <a:rPr lang="pt-BR" sz="2000" b="1" dirty="0" err="1">
+                <a:solidFill>
+                  <a:schemeClr val="tx1"/>
+                </a:solidFill>
+                <a:latin typeface="Times New Roman" panose="02020603050405020304" pitchFamily="18" charset="0"/>
+                <a:cs typeface="Times New Roman" panose="02020603050405020304" pitchFamily="18" charset="0"/>
+              </a:rPr>
+              <a:t>IoT</a:t>
+            </a:r>
+            <a:r>
+              <a:rPr lang="pt-BR" sz="2000" dirty="0">
+                <a:solidFill>
+                  <a:schemeClr val="tx1"/>
+                </a:solidFill>
+                <a:latin typeface="Times New Roman" panose="02020603050405020304" pitchFamily="18" charset="0"/>
+                <a:cs typeface="Times New Roman" panose="02020603050405020304" pitchFamily="18" charset="0"/>
+              </a:rPr>
+              <a:t>).</a:t>
+            </a:r>
+          </a:p>
+          <a:p>
+            <a:pPr marL="0" indent="0" algn="just">
+              <a:buNone/>
+            </a:pPr>
+            <a:endParaRPr lang="pt-BR" sz="2000" dirty="0">
+              <a:solidFill>
+                <a:schemeClr val="tx1"/>
+              </a:solidFill>
+              <a:latin typeface="Times New Roman" panose="02020603050405020304" pitchFamily="18" charset="0"/>
+              <a:cs typeface="Times New Roman" panose="02020603050405020304" pitchFamily="18" charset="0"/>
+            </a:endParaRPr>
+          </a:p>
+          <a:p>
+            <a:pPr marL="0" indent="0" algn="just">
+              <a:buNone/>
+            </a:pPr>
+            <a:r>
+              <a:rPr lang="pt-BR" sz="2000" dirty="0">
+                <a:solidFill>
+                  <a:schemeClr val="tx1"/>
+                </a:solidFill>
+                <a:latin typeface="Times New Roman" panose="02020603050405020304" pitchFamily="18" charset="0"/>
+                <a:cs typeface="Times New Roman" panose="02020603050405020304" pitchFamily="18" charset="0"/>
+              </a:rPr>
+              <a:t>Imagine a </a:t>
+            </a:r>
+            <a:r>
+              <a:rPr lang="pt-BR" sz="2000" b="1" dirty="0">
+                <a:solidFill>
+                  <a:schemeClr val="tx1"/>
+                </a:solidFill>
+                <a:latin typeface="Times New Roman" panose="02020603050405020304" pitchFamily="18" charset="0"/>
+                <a:cs typeface="Times New Roman" panose="02020603050405020304" pitchFamily="18" charset="0"/>
+              </a:rPr>
+              <a:t>quantidade de dados gerados pelos sensores </a:t>
+            </a:r>
+            <a:r>
+              <a:rPr lang="pt-BR" sz="2000" dirty="0">
+                <a:solidFill>
+                  <a:schemeClr val="tx1"/>
+                </a:solidFill>
+                <a:latin typeface="Times New Roman" panose="02020603050405020304" pitchFamily="18" charset="0"/>
+                <a:cs typeface="Times New Roman" panose="02020603050405020304" pitchFamily="18" charset="0"/>
+              </a:rPr>
+              <a:t>e o poder computacional necessário para </a:t>
+            </a:r>
+            <a:r>
+              <a:rPr lang="pt-BR" sz="2000" b="1" dirty="0">
+                <a:solidFill>
+                  <a:srgbClr val="FF0000"/>
+                </a:solidFill>
+                <a:latin typeface="Times New Roman" panose="02020603050405020304" pitchFamily="18" charset="0"/>
+                <a:cs typeface="Times New Roman" panose="02020603050405020304" pitchFamily="18" charset="0"/>
+              </a:rPr>
+              <a:t>armazenar, processar e analisar essas informações</a:t>
+            </a:r>
+            <a:r>
+              <a:rPr lang="pt-BR" sz="2000" dirty="0">
+                <a:solidFill>
+                  <a:schemeClr val="tx1"/>
+                </a:solidFill>
+                <a:latin typeface="Times New Roman" panose="02020603050405020304" pitchFamily="18" charset="0"/>
+                <a:cs typeface="Times New Roman" panose="02020603050405020304" pitchFamily="18" charset="0"/>
+              </a:rPr>
+              <a:t>.</a:t>
+            </a:r>
+          </a:p>
+          <a:p>
+            <a:pPr marL="0" indent="0" algn="just">
+              <a:buNone/>
+            </a:pPr>
+            <a:endParaRPr lang="pt-BR" sz="2000" dirty="0">
+              <a:solidFill>
+                <a:schemeClr val="tx1"/>
+              </a:solidFill>
+              <a:latin typeface="Times New Roman" panose="02020603050405020304" pitchFamily="18" charset="0"/>
+              <a:cs typeface="Times New Roman" panose="02020603050405020304" pitchFamily="18" charset="0"/>
+            </a:endParaRPr>
+          </a:p>
+          <a:p>
+            <a:pPr marL="0" indent="0" algn="just">
+              <a:buNone/>
+            </a:pPr>
+            <a:endParaRPr lang="pt-BR" sz="2000" dirty="0">
+              <a:solidFill>
+                <a:schemeClr val="tx1"/>
+              </a:solidFill>
+              <a:latin typeface="Times New Roman" panose="02020603050405020304" pitchFamily="18" charset="0"/>
+              <a:cs typeface="Times New Roman" panose="02020603050405020304" pitchFamily="18" charset="0"/>
+            </a:endParaRPr>
+          </a:p>
+        </p:txBody>
+      </p:sp>
+    </p:spTree>
+    <p:extLst>
+      <p:ext uri="{BB962C8B-B14F-4D97-AF65-F5344CB8AC3E}">
+        <p14:creationId xmlns:p14="http://schemas.microsoft.com/office/powerpoint/2010/main" val="2032900046"/>
+      </p:ext>
+    </p:extLst>
+  </p:cSld>
+  <p:clrMapOvr>
+    <a:masterClrMapping/>
+  </p:clrMapOvr>
+  <p:transition spd="med"/>
+</p:sld>
+</file>
+
+<file path=ppt/slides/slide15.xml><?xml version="1.0" encoding="utf-8"?>
+<p:sld xmlns:a="http://schemas.openxmlformats.org/drawingml/2006/main" xmlns:r="http://schemas.openxmlformats.org/officeDocument/2006/relationships" xmlns:p="http://schemas.openxmlformats.org/presentationml/2006/main">
+  <p:cSld>
+    <p:spTree>
+      <p:nvGrpSpPr>
+        <p:cNvPr id="1" name=""/>
+        <p:cNvGrpSpPr/>
+        <p:nvPr/>
+      </p:nvGrpSpPr>
+      <p:grpSpPr>
+        <a:xfrm>
+          <a:off x="0" y="0"/>
+          <a:ext cx="0" cy="0"/>
+          <a:chOff x="0" y="0"/>
+          <a:chExt cx="0" cy="0"/>
+        </a:xfrm>
+      </p:grpSpPr>
+      <p:sp>
+        <p:nvSpPr>
+          <p:cNvPr id="6" name="Title 1"/>
+          <p:cNvSpPr>
+            <a:spLocks noGrp="1"/>
+          </p:cNvSpPr>
+          <p:nvPr>
+            <p:ph type="title"/>
+          </p:nvPr>
+        </p:nvSpPr>
+        <p:spPr>
+          <a:xfrm>
+            <a:off x="457200" y="205980"/>
+            <a:ext cx="8229600" cy="857251"/>
+          </a:xfrm>
+        </p:spPr>
+        <p:txBody>
+          <a:bodyPr>
+            <a:normAutofit fontScale="90000"/>
+          </a:bodyPr>
+          <a:lstStyle/>
+          <a:p>
+            <a:r>
+              <a:rPr lang="pt-BR" b="1" dirty="0">
+                <a:solidFill>
+                  <a:srgbClr val="0070C0"/>
+                </a:solidFill>
+              </a:rPr>
+              <a:t>Relação da </a:t>
+            </a:r>
+            <a:r>
+              <a:rPr lang="pt-BR" b="1" dirty="0" err="1">
+                <a:solidFill>
+                  <a:srgbClr val="0070C0"/>
+                </a:solidFill>
+              </a:rPr>
+              <a:t>IoT</a:t>
+            </a:r>
+            <a:r>
+              <a:rPr lang="pt-BR" b="1" dirty="0">
+                <a:solidFill>
+                  <a:srgbClr val="0070C0"/>
+                </a:solidFill>
+              </a:rPr>
+              <a:t> com Cloud Computer</a:t>
+            </a:r>
+            <a:endParaRPr lang="en-US" b="1" dirty="0">
+              <a:solidFill>
+                <a:srgbClr val="0070C0"/>
+              </a:solidFill>
+            </a:endParaRPr>
+          </a:p>
+        </p:txBody>
+      </p:sp>
+      <p:sp>
+        <p:nvSpPr>
+          <p:cNvPr id="8" name="Text Placeholder 2"/>
+          <p:cNvSpPr>
+            <a:spLocks noGrp="1"/>
+          </p:cNvSpPr>
+          <p:nvPr>
+            <p:ph type="body" sz="half" idx="1"/>
+          </p:nvPr>
+        </p:nvSpPr>
+        <p:spPr>
+          <a:xfrm>
+            <a:off x="142865" y="1200150"/>
+            <a:ext cx="8865056" cy="3737370"/>
+          </a:xfrm>
+        </p:spPr>
+        <p:txBody>
+          <a:bodyPr>
+            <a:noAutofit/>
+          </a:bodyPr>
+          <a:lstStyle/>
+          <a:p>
+            <a:pPr marL="0" indent="0" algn="just">
+              <a:buNone/>
+            </a:pPr>
+            <a:r>
+              <a:rPr lang="pt-BR" sz="2000" b="1" dirty="0">
+                <a:solidFill>
+                  <a:schemeClr val="tx1"/>
+                </a:solidFill>
+                <a:latin typeface="Times New Roman" panose="02020603050405020304" pitchFamily="18" charset="0"/>
+                <a:cs typeface="Times New Roman" panose="02020603050405020304" pitchFamily="18" charset="0"/>
+              </a:rPr>
+              <a:t>Dispositivos </a:t>
+            </a:r>
+            <a:r>
+              <a:rPr lang="pt-BR" sz="2000" b="1" dirty="0" err="1">
+                <a:solidFill>
+                  <a:schemeClr val="tx1"/>
+                </a:solidFill>
+                <a:latin typeface="Times New Roman" panose="02020603050405020304" pitchFamily="18" charset="0"/>
+                <a:cs typeface="Times New Roman" panose="02020603050405020304" pitchFamily="18" charset="0"/>
+              </a:rPr>
+              <a:t>IoT</a:t>
+            </a:r>
+            <a:endParaRPr lang="pt-BR" sz="2000" b="1" dirty="0">
+              <a:solidFill>
+                <a:schemeClr val="tx1"/>
+              </a:solidFill>
+              <a:latin typeface="Times New Roman" panose="02020603050405020304" pitchFamily="18" charset="0"/>
+              <a:cs typeface="Times New Roman" panose="02020603050405020304" pitchFamily="18" charset="0"/>
+            </a:endParaRPr>
+          </a:p>
+          <a:p>
+            <a:pPr marL="0" indent="0" algn="just">
+              <a:buNone/>
+            </a:pPr>
+            <a:endParaRPr lang="pt-BR" sz="2000" dirty="0">
+              <a:solidFill>
+                <a:schemeClr val="tx1"/>
+              </a:solidFill>
+              <a:latin typeface="Times New Roman" panose="02020603050405020304" pitchFamily="18" charset="0"/>
+              <a:cs typeface="Times New Roman" panose="02020603050405020304" pitchFamily="18" charset="0"/>
+            </a:endParaRPr>
+          </a:p>
+          <a:p>
+            <a:pPr marL="0" indent="0" algn="just">
+              <a:buNone/>
+            </a:pPr>
+            <a:r>
+              <a:rPr lang="pt-BR" sz="2000" dirty="0">
+                <a:solidFill>
+                  <a:schemeClr val="tx1"/>
+                </a:solidFill>
+                <a:latin typeface="Times New Roman" panose="02020603050405020304" pitchFamily="18" charset="0"/>
+                <a:cs typeface="Times New Roman" panose="02020603050405020304" pitchFamily="18" charset="0"/>
+              </a:rPr>
+              <a:t>Normalmente, é composto por uma </a:t>
+            </a:r>
+            <a:r>
+              <a:rPr lang="pt-BR" sz="2000" b="1" dirty="0">
+                <a:solidFill>
+                  <a:schemeClr val="tx1"/>
+                </a:solidFill>
+                <a:latin typeface="Times New Roman" panose="02020603050405020304" pitchFamily="18" charset="0"/>
+                <a:cs typeface="Times New Roman" panose="02020603050405020304" pitchFamily="18" charset="0"/>
+              </a:rPr>
+              <a:t>placa de circuito com sensores anexados</a:t>
+            </a:r>
+            <a:r>
+              <a:rPr lang="pt-BR" sz="2000" dirty="0">
+                <a:solidFill>
+                  <a:schemeClr val="tx1"/>
+                </a:solidFill>
+                <a:latin typeface="Times New Roman" panose="02020603050405020304" pitchFamily="18" charset="0"/>
+                <a:cs typeface="Times New Roman" panose="02020603050405020304" pitchFamily="18" charset="0"/>
+              </a:rPr>
+              <a:t> que usa o </a:t>
+            </a:r>
+            <a:r>
+              <a:rPr lang="pt-BR" sz="2000" b="1" dirty="0">
+                <a:solidFill>
+                  <a:srgbClr val="FF0000"/>
+                </a:solidFill>
+                <a:latin typeface="Times New Roman" panose="02020603050405020304" pitchFamily="18" charset="0"/>
+                <a:cs typeface="Times New Roman" panose="02020603050405020304" pitchFamily="18" charset="0"/>
+              </a:rPr>
+              <a:t>Wi-Fi para se conectar à Internet</a:t>
+            </a:r>
+            <a:r>
+              <a:rPr lang="pt-BR" sz="2000" dirty="0">
+                <a:solidFill>
+                  <a:schemeClr val="tx1"/>
+                </a:solidFill>
+                <a:latin typeface="Times New Roman" panose="02020603050405020304" pitchFamily="18" charset="0"/>
+                <a:cs typeface="Times New Roman" panose="02020603050405020304" pitchFamily="18" charset="0"/>
+              </a:rPr>
+              <a:t>. Por exemplo:</a:t>
+            </a:r>
+          </a:p>
+          <a:p>
+            <a:pPr marL="0" indent="0" algn="just">
+              <a:buNone/>
+            </a:pPr>
+            <a:endParaRPr lang="pt-BR" sz="2000" dirty="0">
+              <a:solidFill>
+                <a:schemeClr val="tx1"/>
+              </a:solidFill>
+              <a:latin typeface="Times New Roman" panose="02020603050405020304" pitchFamily="18" charset="0"/>
+              <a:cs typeface="Times New Roman" panose="02020603050405020304" pitchFamily="18" charset="0"/>
+            </a:endParaRPr>
+          </a:p>
+          <a:p>
+            <a:pPr algn="just">
+              <a:buFont typeface="Wingdings" panose="05000000000000000000" pitchFamily="2" charset="2"/>
+              <a:buChar char="§"/>
+            </a:pPr>
+            <a:r>
+              <a:rPr lang="pt-BR" sz="2000" dirty="0">
+                <a:solidFill>
+                  <a:schemeClr val="tx1"/>
+                </a:solidFill>
+                <a:latin typeface="Times New Roman" panose="02020603050405020304" pitchFamily="18" charset="0"/>
+                <a:cs typeface="Times New Roman" panose="02020603050405020304" pitchFamily="18" charset="0"/>
+              </a:rPr>
+              <a:t>Um sensor de pressão em uma bomba de óleo remota.</a:t>
+            </a:r>
+          </a:p>
+          <a:p>
+            <a:pPr algn="just">
+              <a:buFont typeface="Wingdings" panose="05000000000000000000" pitchFamily="2" charset="2"/>
+              <a:buChar char="§"/>
+            </a:pPr>
+            <a:r>
+              <a:rPr lang="pt-BR" sz="2000" dirty="0">
+                <a:solidFill>
+                  <a:schemeClr val="tx1"/>
+                </a:solidFill>
+                <a:latin typeface="Times New Roman" panose="02020603050405020304" pitchFamily="18" charset="0"/>
+                <a:cs typeface="Times New Roman" panose="02020603050405020304" pitchFamily="18" charset="0"/>
+              </a:rPr>
+              <a:t>Sensores de temperatura e umidade em uma unidade de ar-condicionado.</a:t>
+            </a:r>
+          </a:p>
+          <a:p>
+            <a:pPr algn="just">
+              <a:buFont typeface="Wingdings" panose="05000000000000000000" pitchFamily="2" charset="2"/>
+              <a:buChar char="§"/>
+            </a:pPr>
+            <a:r>
+              <a:rPr lang="pt-BR" sz="2000" dirty="0">
+                <a:solidFill>
+                  <a:schemeClr val="tx1"/>
+                </a:solidFill>
+                <a:latin typeface="Times New Roman" panose="02020603050405020304" pitchFamily="18" charset="0"/>
+                <a:cs typeface="Times New Roman" panose="02020603050405020304" pitchFamily="18" charset="0"/>
+              </a:rPr>
+              <a:t>Um acelerômetro em um elevador.</a:t>
+            </a:r>
+          </a:p>
+          <a:p>
+            <a:pPr algn="just">
+              <a:buFont typeface="Wingdings" panose="05000000000000000000" pitchFamily="2" charset="2"/>
+              <a:buChar char="§"/>
+            </a:pPr>
+            <a:r>
+              <a:rPr lang="pt-BR" sz="2000" dirty="0">
+                <a:solidFill>
+                  <a:schemeClr val="tx1"/>
+                </a:solidFill>
+                <a:latin typeface="Times New Roman" panose="02020603050405020304" pitchFamily="18" charset="0"/>
+                <a:cs typeface="Times New Roman" panose="02020603050405020304" pitchFamily="18" charset="0"/>
+              </a:rPr>
+              <a:t>Sensores de presença em uma sala.</a:t>
+            </a:r>
+          </a:p>
+        </p:txBody>
+      </p:sp>
+    </p:spTree>
+    <p:extLst>
+      <p:ext uri="{BB962C8B-B14F-4D97-AF65-F5344CB8AC3E}">
+        <p14:creationId xmlns:p14="http://schemas.microsoft.com/office/powerpoint/2010/main" val="2109478977"/>
+      </p:ext>
+    </p:extLst>
+  </p:cSld>
+  <p:clrMapOvr>
+    <a:masterClrMapping/>
+  </p:clrMapOvr>
+  <p:transition spd="med"/>
+</p:sld>
+</file>
+
+<file path=ppt/slides/slide16.xml><?xml version="1.0" encoding="utf-8"?>
+<p:sld xmlns:a="http://schemas.openxmlformats.org/drawingml/2006/main" xmlns:r="http://schemas.openxmlformats.org/officeDocument/2006/relationships" xmlns:p="http://schemas.openxmlformats.org/presentationml/2006/main">
+  <p:cSld>
+    <p:spTree>
+      <p:nvGrpSpPr>
+        <p:cNvPr id="1" name=""/>
+        <p:cNvGrpSpPr/>
+        <p:nvPr/>
+      </p:nvGrpSpPr>
+      <p:grpSpPr>
+        <a:xfrm>
+          <a:off x="0" y="0"/>
+          <a:ext cx="0" cy="0"/>
+          <a:chOff x="0" y="0"/>
+          <a:chExt cx="0" cy="0"/>
+        </a:xfrm>
+      </p:grpSpPr>
+      <p:sp>
+        <p:nvSpPr>
+          <p:cNvPr id="6" name="Title 1"/>
+          <p:cNvSpPr>
+            <a:spLocks noGrp="1"/>
+          </p:cNvSpPr>
+          <p:nvPr>
+            <p:ph type="title"/>
+          </p:nvPr>
+        </p:nvSpPr>
+        <p:spPr>
+          <a:xfrm>
+            <a:off x="457200" y="205980"/>
+            <a:ext cx="8229600" cy="857251"/>
+          </a:xfrm>
+        </p:spPr>
+        <p:txBody>
+          <a:bodyPr>
+            <a:normAutofit fontScale="90000"/>
+          </a:bodyPr>
+          <a:lstStyle/>
+          <a:p>
+            <a:r>
+              <a:rPr lang="pt-BR" b="1" dirty="0">
+                <a:solidFill>
+                  <a:srgbClr val="0070C0"/>
+                </a:solidFill>
+              </a:rPr>
+              <a:t>Relação da </a:t>
+            </a:r>
+            <a:r>
+              <a:rPr lang="pt-BR" b="1" dirty="0" err="1">
+                <a:solidFill>
+                  <a:srgbClr val="0070C0"/>
+                </a:solidFill>
+              </a:rPr>
+              <a:t>IoT</a:t>
+            </a:r>
+            <a:r>
+              <a:rPr lang="pt-BR" b="1" dirty="0">
+                <a:solidFill>
+                  <a:srgbClr val="0070C0"/>
+                </a:solidFill>
+              </a:rPr>
+              <a:t> com Cloud Computer</a:t>
+            </a:r>
+            <a:endParaRPr lang="en-US" b="1" dirty="0">
+              <a:solidFill>
+                <a:srgbClr val="0070C0"/>
+              </a:solidFill>
+            </a:endParaRPr>
+          </a:p>
+        </p:txBody>
+      </p:sp>
+      <p:sp>
+        <p:nvSpPr>
+          <p:cNvPr id="8" name="Text Placeholder 2"/>
+          <p:cNvSpPr>
+            <a:spLocks noGrp="1"/>
+          </p:cNvSpPr>
+          <p:nvPr>
+            <p:ph type="body" sz="half" idx="1"/>
+          </p:nvPr>
+        </p:nvSpPr>
+        <p:spPr>
+          <a:xfrm>
+            <a:off x="142865" y="1200150"/>
+            <a:ext cx="8865056" cy="3737370"/>
+          </a:xfrm>
+        </p:spPr>
+        <p:txBody>
+          <a:bodyPr>
+            <a:noAutofit/>
+          </a:bodyPr>
+          <a:lstStyle/>
+          <a:p>
+            <a:pPr marL="0" indent="0" algn="just">
+              <a:buNone/>
+            </a:pPr>
+            <a:r>
+              <a:rPr lang="pt-BR" sz="2000" dirty="0">
+                <a:solidFill>
+                  <a:schemeClr val="tx1"/>
+                </a:solidFill>
+                <a:latin typeface="Times New Roman" panose="02020603050405020304" pitchFamily="18" charset="0"/>
+                <a:cs typeface="Times New Roman" panose="02020603050405020304" pitchFamily="18" charset="0"/>
+              </a:rPr>
+              <a:t>Com uma estrutura de </a:t>
+            </a:r>
+            <a:r>
+              <a:rPr lang="pt-BR" sz="2000" b="1" dirty="0">
+                <a:solidFill>
+                  <a:schemeClr val="tx1"/>
+                </a:solidFill>
+                <a:latin typeface="Times New Roman" panose="02020603050405020304" pitchFamily="18" charset="0"/>
+                <a:cs typeface="Times New Roman" panose="02020603050405020304" pitchFamily="18" charset="0"/>
+              </a:rPr>
+              <a:t>cloud </a:t>
+            </a:r>
+            <a:r>
+              <a:rPr lang="pt-BR" sz="2000" b="1" dirty="0" err="1">
+                <a:solidFill>
+                  <a:schemeClr val="tx1"/>
+                </a:solidFill>
+                <a:latin typeface="Times New Roman" panose="02020603050405020304" pitchFamily="18" charset="0"/>
+                <a:cs typeface="Times New Roman" panose="02020603050405020304" pitchFamily="18" charset="0"/>
+              </a:rPr>
+              <a:t>computing</a:t>
+            </a:r>
+            <a:r>
+              <a:rPr lang="pt-BR" sz="2000" dirty="0">
+                <a:solidFill>
+                  <a:schemeClr val="tx1"/>
+                </a:solidFill>
+                <a:latin typeface="Times New Roman" panose="02020603050405020304" pitchFamily="18" charset="0"/>
+                <a:cs typeface="Times New Roman" panose="02020603050405020304" pitchFamily="18" charset="0"/>
+              </a:rPr>
+              <a:t>, os dados coletados por meio de </a:t>
+            </a:r>
+            <a:r>
+              <a:rPr lang="pt-BR" sz="2000" b="1" dirty="0">
+                <a:solidFill>
+                  <a:srgbClr val="FF0000"/>
+                </a:solidFill>
+                <a:latin typeface="Times New Roman" panose="02020603050405020304" pitchFamily="18" charset="0"/>
+                <a:cs typeface="Times New Roman" panose="02020603050405020304" pitchFamily="18" charset="0"/>
+              </a:rPr>
+              <a:t>dispositivos </a:t>
+            </a:r>
+            <a:r>
+              <a:rPr lang="pt-BR" sz="2000" b="1" dirty="0" err="1">
+                <a:solidFill>
+                  <a:srgbClr val="FF0000"/>
+                </a:solidFill>
+                <a:latin typeface="Times New Roman" panose="02020603050405020304" pitchFamily="18" charset="0"/>
+                <a:cs typeface="Times New Roman" panose="02020603050405020304" pitchFamily="18" charset="0"/>
+              </a:rPr>
+              <a:t>IoT</a:t>
+            </a:r>
+            <a:r>
+              <a:rPr lang="pt-BR" sz="2000" b="1" dirty="0">
+                <a:solidFill>
+                  <a:srgbClr val="FF0000"/>
+                </a:solidFill>
+                <a:latin typeface="Times New Roman" panose="02020603050405020304" pitchFamily="18" charset="0"/>
+                <a:cs typeface="Times New Roman" panose="02020603050405020304" pitchFamily="18" charset="0"/>
+              </a:rPr>
+              <a:t> </a:t>
+            </a:r>
+            <a:r>
+              <a:rPr lang="pt-BR" sz="2000" dirty="0">
+                <a:solidFill>
+                  <a:schemeClr val="tx1"/>
+                </a:solidFill>
+                <a:latin typeface="Times New Roman" panose="02020603050405020304" pitchFamily="18" charset="0"/>
+                <a:cs typeface="Times New Roman" panose="02020603050405020304" pitchFamily="18" charset="0"/>
+              </a:rPr>
+              <a:t>são armazenados e processados em grandes </a:t>
+            </a:r>
+            <a:r>
+              <a:rPr lang="pt-BR" sz="2000" b="1" dirty="0">
+                <a:solidFill>
+                  <a:srgbClr val="FF0000"/>
+                </a:solidFill>
+                <a:latin typeface="Times New Roman" panose="02020603050405020304" pitchFamily="18" charset="0"/>
+                <a:cs typeface="Times New Roman" panose="02020603050405020304" pitchFamily="18" charset="0"/>
+              </a:rPr>
+              <a:t>datacenters</a:t>
+            </a:r>
+            <a:r>
+              <a:rPr lang="pt-BR" sz="2000" dirty="0">
+                <a:solidFill>
+                  <a:schemeClr val="tx1"/>
+                </a:solidFill>
+                <a:latin typeface="Times New Roman" panose="02020603050405020304" pitchFamily="18" charset="0"/>
+                <a:cs typeface="Times New Roman" panose="02020603050405020304" pitchFamily="18" charset="0"/>
+              </a:rPr>
+              <a:t>. </a:t>
+            </a:r>
+          </a:p>
+          <a:p>
+            <a:pPr marL="0" indent="0" algn="just">
+              <a:buNone/>
+            </a:pPr>
+            <a:endParaRPr lang="pt-BR" sz="2000" dirty="0">
+              <a:solidFill>
+                <a:schemeClr val="tx1"/>
+              </a:solidFill>
+              <a:latin typeface="Times New Roman" panose="02020603050405020304" pitchFamily="18" charset="0"/>
+              <a:cs typeface="Times New Roman" panose="02020603050405020304" pitchFamily="18" charset="0"/>
+            </a:endParaRPr>
+          </a:p>
+          <a:p>
+            <a:pPr marL="0" indent="0" algn="just">
+              <a:buNone/>
+            </a:pPr>
+            <a:r>
+              <a:rPr lang="pt-BR" sz="2000" dirty="0">
+                <a:solidFill>
+                  <a:schemeClr val="tx1"/>
+                </a:solidFill>
+                <a:latin typeface="Times New Roman" panose="02020603050405020304" pitchFamily="18" charset="0"/>
+                <a:cs typeface="Times New Roman" panose="02020603050405020304" pitchFamily="18" charset="0"/>
+              </a:rPr>
+              <a:t>Toda a capacidade, além da flexibilidade e da mobilidade necessárias, é de responsabilidade de empresas (</a:t>
+            </a:r>
+            <a:r>
+              <a:rPr lang="pt-BR" sz="2000" b="1" dirty="0">
+                <a:solidFill>
+                  <a:schemeClr val="tx1"/>
+                </a:solidFill>
+                <a:latin typeface="Times New Roman" panose="02020603050405020304" pitchFamily="18" charset="0"/>
+                <a:cs typeface="Times New Roman" panose="02020603050405020304" pitchFamily="18" charset="0"/>
+              </a:rPr>
+              <a:t>os provedores de cloud</a:t>
+            </a:r>
+            <a:r>
+              <a:rPr lang="pt-BR" sz="2000" dirty="0">
+                <a:solidFill>
+                  <a:schemeClr val="tx1"/>
+                </a:solidFill>
+                <a:latin typeface="Times New Roman" panose="02020603050405020304" pitchFamily="18" charset="0"/>
+                <a:cs typeface="Times New Roman" panose="02020603050405020304" pitchFamily="18" charset="0"/>
+              </a:rPr>
+              <a:t>) totalmente dedicadas a isso — o que </a:t>
+            </a:r>
+            <a:r>
+              <a:rPr lang="pt-BR" sz="2000" b="1" dirty="0">
+                <a:solidFill>
+                  <a:schemeClr val="tx1"/>
+                </a:solidFill>
+                <a:latin typeface="Times New Roman" panose="02020603050405020304" pitchFamily="18" charset="0"/>
+                <a:cs typeface="Times New Roman" panose="02020603050405020304" pitchFamily="18" charset="0"/>
+              </a:rPr>
+              <a:t>reduz custos, agrega segurança da informação</a:t>
+            </a:r>
+            <a:r>
+              <a:rPr lang="pt-BR" sz="2000" dirty="0">
+                <a:solidFill>
+                  <a:schemeClr val="tx1"/>
+                </a:solidFill>
+                <a:latin typeface="Times New Roman" panose="02020603050405020304" pitchFamily="18" charset="0"/>
+                <a:cs typeface="Times New Roman" panose="02020603050405020304" pitchFamily="18" charset="0"/>
+              </a:rPr>
+              <a:t> (</a:t>
+            </a:r>
+            <a:r>
+              <a:rPr lang="pt-BR" sz="2000" b="1" dirty="0">
+                <a:solidFill>
+                  <a:srgbClr val="FF0000"/>
+                </a:solidFill>
+                <a:latin typeface="Times New Roman" panose="02020603050405020304" pitchFamily="18" charset="0"/>
+                <a:cs typeface="Times New Roman" panose="02020603050405020304" pitchFamily="18" charset="0"/>
+              </a:rPr>
+              <a:t>confiabilidade, disponibilidade e integridade</a:t>
+            </a:r>
+            <a:r>
+              <a:rPr lang="pt-BR" sz="2000" dirty="0">
+                <a:solidFill>
+                  <a:schemeClr val="tx1"/>
+                </a:solidFill>
+                <a:latin typeface="Times New Roman" panose="02020603050405020304" pitchFamily="18" charset="0"/>
+                <a:cs typeface="Times New Roman" panose="02020603050405020304" pitchFamily="18" charset="0"/>
+              </a:rPr>
+              <a:t>), entre outros benefícios.</a:t>
+            </a:r>
+          </a:p>
+        </p:txBody>
+      </p:sp>
+    </p:spTree>
+    <p:extLst>
+      <p:ext uri="{BB962C8B-B14F-4D97-AF65-F5344CB8AC3E}">
+        <p14:creationId xmlns:p14="http://schemas.microsoft.com/office/powerpoint/2010/main" val="3187429776"/>
+      </p:ext>
+    </p:extLst>
+  </p:cSld>
+  <p:clrMapOvr>
+    <a:masterClrMapping/>
+  </p:clrMapOvr>
+  <p:transition spd="med"/>
+</p:sld>
+</file>
+
+<file path=ppt/slides/slide17.xml><?xml version="1.0" encoding="utf-8"?>
+<p:sld xmlns:a="http://schemas.openxmlformats.org/drawingml/2006/main" xmlns:r="http://schemas.openxmlformats.org/officeDocument/2006/relationships" xmlns:p="http://schemas.openxmlformats.org/presentationml/2006/main">
+  <p:cSld>
+    <p:spTree>
+      <p:nvGrpSpPr>
+        <p:cNvPr id="1" name=""/>
+        <p:cNvGrpSpPr/>
+        <p:nvPr/>
+      </p:nvGrpSpPr>
+      <p:grpSpPr>
+        <a:xfrm>
+          <a:off x="0" y="0"/>
+          <a:ext cx="0" cy="0"/>
+          <a:chOff x="0" y="0"/>
+          <a:chExt cx="0" cy="0"/>
+        </a:xfrm>
+      </p:grpSpPr>
+      <p:sp>
+        <p:nvSpPr>
+          <p:cNvPr id="6" name="Title 1"/>
+          <p:cNvSpPr>
+            <a:spLocks noGrp="1"/>
+          </p:cNvSpPr>
+          <p:nvPr>
+            <p:ph type="title"/>
+          </p:nvPr>
+        </p:nvSpPr>
+        <p:spPr>
+          <a:xfrm>
+            <a:off x="457200" y="205980"/>
+            <a:ext cx="8229600" cy="857251"/>
+          </a:xfrm>
+        </p:spPr>
+        <p:txBody>
+          <a:bodyPr>
+            <a:normAutofit fontScale="90000"/>
+          </a:bodyPr>
+          <a:lstStyle/>
+          <a:p>
+            <a:r>
+              <a:rPr lang="pt-BR" b="1" dirty="0">
+                <a:solidFill>
+                  <a:srgbClr val="0070C0"/>
+                </a:solidFill>
+              </a:rPr>
+              <a:t>Relação da </a:t>
+            </a:r>
+            <a:r>
+              <a:rPr lang="pt-BR" b="1" dirty="0" err="1">
+                <a:solidFill>
+                  <a:srgbClr val="0070C0"/>
+                </a:solidFill>
+              </a:rPr>
+              <a:t>IoT</a:t>
+            </a:r>
+            <a:r>
+              <a:rPr lang="pt-BR" b="1" dirty="0">
+                <a:solidFill>
+                  <a:srgbClr val="0070C0"/>
+                </a:solidFill>
+              </a:rPr>
+              <a:t> com Cloud Computer</a:t>
+            </a:r>
+            <a:endParaRPr lang="en-US" b="1" dirty="0">
+              <a:solidFill>
+                <a:srgbClr val="0070C0"/>
+              </a:solidFill>
+            </a:endParaRPr>
+          </a:p>
+        </p:txBody>
+      </p:sp>
+      <p:sp>
+        <p:nvSpPr>
+          <p:cNvPr id="8" name="Text Placeholder 2"/>
+          <p:cNvSpPr>
+            <a:spLocks noGrp="1"/>
+          </p:cNvSpPr>
+          <p:nvPr>
+            <p:ph type="body" sz="half" idx="1"/>
+          </p:nvPr>
+        </p:nvSpPr>
+        <p:spPr>
+          <a:xfrm>
+            <a:off x="142865" y="1200150"/>
+            <a:ext cx="8865056" cy="3737370"/>
+          </a:xfrm>
+        </p:spPr>
+        <p:txBody>
+          <a:bodyPr>
+            <a:noAutofit/>
+          </a:bodyPr>
+          <a:lstStyle/>
+          <a:p>
+            <a:pPr marL="0" indent="0" algn="just">
+              <a:buNone/>
+            </a:pPr>
+            <a:r>
+              <a:rPr lang="pt-BR" sz="1800" dirty="0">
+                <a:solidFill>
+                  <a:schemeClr val="tx1"/>
+                </a:solidFill>
+                <a:latin typeface="Times New Roman" panose="02020603050405020304" pitchFamily="18" charset="0"/>
+                <a:cs typeface="Times New Roman" panose="02020603050405020304" pitchFamily="18" charset="0"/>
+              </a:rPr>
+              <a:t>A </a:t>
+            </a:r>
+            <a:r>
+              <a:rPr lang="pt-BR" sz="1800" b="1" dirty="0">
+                <a:solidFill>
+                  <a:schemeClr val="tx1"/>
+                </a:solidFill>
+                <a:latin typeface="Times New Roman" panose="02020603050405020304" pitchFamily="18" charset="0"/>
+                <a:cs typeface="Times New Roman" panose="02020603050405020304" pitchFamily="18" charset="0"/>
+              </a:rPr>
+              <a:t>plataforma de </a:t>
+            </a:r>
+            <a:r>
+              <a:rPr lang="pt-BR" sz="1800" b="1" dirty="0" err="1">
+                <a:solidFill>
+                  <a:schemeClr val="tx1"/>
+                </a:solidFill>
+                <a:latin typeface="Times New Roman" panose="02020603050405020304" pitchFamily="18" charset="0"/>
+                <a:cs typeface="Times New Roman" panose="02020603050405020304" pitchFamily="18" charset="0"/>
+              </a:rPr>
+              <a:t>IoT</a:t>
+            </a:r>
+            <a:r>
+              <a:rPr lang="pt-BR" sz="1800" b="1" dirty="0">
+                <a:solidFill>
+                  <a:schemeClr val="tx1"/>
+                </a:solidFill>
+                <a:latin typeface="Times New Roman" panose="02020603050405020304" pitchFamily="18" charset="0"/>
+                <a:cs typeface="Times New Roman" panose="02020603050405020304" pitchFamily="18" charset="0"/>
+              </a:rPr>
+              <a:t> do Google Cloud </a:t>
+            </a:r>
+            <a:r>
+              <a:rPr lang="pt-BR" sz="1800" dirty="0">
+                <a:solidFill>
+                  <a:schemeClr val="tx1"/>
+                </a:solidFill>
+                <a:latin typeface="Times New Roman" panose="02020603050405020304" pitchFamily="18" charset="0"/>
+                <a:cs typeface="Times New Roman" panose="02020603050405020304" pitchFamily="18" charset="0"/>
+              </a:rPr>
+              <a:t>permite prever automaticamente quando o equipamento precisa de manutenção e otimizar o desempenho em tempo real, além de prever o tempo de inatividade, detectar anomalias e rastrear o status, o estado e o local dos dispositivos.</a:t>
+            </a:r>
+          </a:p>
+          <a:p>
+            <a:pPr marL="0" indent="0" algn="just">
+              <a:buNone/>
+            </a:pPr>
+            <a:endParaRPr lang="pt-BR" sz="1800" dirty="0">
+              <a:solidFill>
+                <a:schemeClr val="tx1"/>
+              </a:solidFill>
+              <a:latin typeface="Times New Roman" panose="02020603050405020304" pitchFamily="18" charset="0"/>
+              <a:cs typeface="Times New Roman" panose="02020603050405020304" pitchFamily="18" charset="0"/>
+            </a:endParaRPr>
+          </a:p>
+          <a:p>
+            <a:pPr marL="0" indent="0" algn="just">
+              <a:buNone/>
+            </a:pPr>
+            <a:r>
+              <a:rPr lang="pt-BR" sz="1800" dirty="0">
+                <a:solidFill>
+                  <a:schemeClr val="tx1"/>
+                </a:solidFill>
+                <a:latin typeface="Times New Roman" panose="02020603050405020304" pitchFamily="18" charset="0"/>
+                <a:cs typeface="Times New Roman" panose="02020603050405020304" pitchFamily="18" charset="0"/>
+              </a:rPr>
+              <a:t>A </a:t>
+            </a:r>
+            <a:r>
+              <a:rPr lang="pt-BR" sz="1800" b="1" dirty="0">
+                <a:solidFill>
+                  <a:schemeClr val="tx1"/>
+                </a:solidFill>
+                <a:latin typeface="Times New Roman" panose="02020603050405020304" pitchFamily="18" charset="0"/>
+                <a:cs typeface="Times New Roman" panose="02020603050405020304" pitchFamily="18" charset="0"/>
+              </a:rPr>
+              <a:t>plataforma Internet das Coisas (</a:t>
+            </a:r>
+            <a:r>
+              <a:rPr lang="pt-BR" sz="1800" b="1" dirty="0" err="1">
+                <a:solidFill>
+                  <a:schemeClr val="tx1"/>
+                </a:solidFill>
+                <a:latin typeface="Times New Roman" panose="02020603050405020304" pitchFamily="18" charset="0"/>
+                <a:cs typeface="Times New Roman" panose="02020603050405020304" pitchFamily="18" charset="0"/>
+              </a:rPr>
+              <a:t>IoT</a:t>
+            </a:r>
+            <a:r>
+              <a:rPr lang="pt-BR" sz="1800" b="1" dirty="0">
+                <a:solidFill>
+                  <a:schemeClr val="tx1"/>
+                </a:solidFill>
+                <a:latin typeface="Times New Roman" panose="02020603050405020304" pitchFamily="18" charset="0"/>
+                <a:cs typeface="Times New Roman" panose="02020603050405020304" pitchFamily="18" charset="0"/>
+              </a:rPr>
+              <a:t>) do Azure</a:t>
+            </a:r>
+            <a:r>
+              <a:rPr lang="pt-BR" sz="1800" dirty="0">
+                <a:solidFill>
+                  <a:schemeClr val="tx1"/>
+                </a:solidFill>
+                <a:latin typeface="Times New Roman" panose="02020603050405020304" pitchFamily="18" charset="0"/>
+                <a:cs typeface="Times New Roman" panose="02020603050405020304" pitchFamily="18" charset="0"/>
+              </a:rPr>
+              <a:t> é uma coleção de serviços de nuvem, componentes de borda e </a:t>
+            </a:r>
+            <a:r>
+              <a:rPr lang="pt-BR" sz="1800" dirty="0" err="1">
+                <a:solidFill>
+                  <a:schemeClr val="tx1"/>
+                </a:solidFill>
+                <a:latin typeface="Times New Roman" panose="02020603050405020304" pitchFamily="18" charset="0"/>
+                <a:cs typeface="Times New Roman" panose="02020603050405020304" pitchFamily="18" charset="0"/>
+              </a:rPr>
+              <a:t>SDKs</a:t>
+            </a:r>
+            <a:r>
+              <a:rPr lang="pt-BR" sz="1800" dirty="0">
+                <a:solidFill>
+                  <a:schemeClr val="tx1"/>
+                </a:solidFill>
+                <a:latin typeface="Times New Roman" panose="02020603050405020304" pitchFamily="18" charset="0"/>
+                <a:cs typeface="Times New Roman" panose="02020603050405020304" pitchFamily="18" charset="0"/>
+              </a:rPr>
+              <a:t> gerenciados pela Microsoft que permitem conectar, monitorar e controlar seus ativos de </a:t>
+            </a:r>
+            <a:r>
+              <a:rPr lang="pt-BR" sz="1800" b="1" dirty="0" err="1">
+                <a:solidFill>
+                  <a:schemeClr val="tx1"/>
+                </a:solidFill>
+                <a:latin typeface="Times New Roman" panose="02020603050405020304" pitchFamily="18" charset="0"/>
+                <a:cs typeface="Times New Roman" panose="02020603050405020304" pitchFamily="18" charset="0"/>
+              </a:rPr>
+              <a:t>IoT</a:t>
+            </a:r>
+            <a:r>
+              <a:rPr lang="pt-BR" sz="1800" dirty="0">
+                <a:solidFill>
+                  <a:schemeClr val="tx1"/>
+                </a:solidFill>
+                <a:latin typeface="Times New Roman" panose="02020603050405020304" pitchFamily="18" charset="0"/>
+                <a:cs typeface="Times New Roman" panose="02020603050405020304" pitchFamily="18" charset="0"/>
+              </a:rPr>
+              <a:t> em escala.</a:t>
+            </a:r>
+          </a:p>
+          <a:p>
+            <a:pPr marL="0" indent="0" algn="just">
+              <a:buNone/>
+            </a:pPr>
+            <a:endParaRPr lang="pt-BR" sz="1800" dirty="0">
+              <a:solidFill>
+                <a:schemeClr val="tx1"/>
+              </a:solidFill>
+              <a:latin typeface="Times New Roman" panose="02020603050405020304" pitchFamily="18" charset="0"/>
+              <a:cs typeface="Times New Roman" panose="02020603050405020304" pitchFamily="18" charset="0"/>
+            </a:endParaRPr>
+          </a:p>
+          <a:p>
+            <a:pPr marL="0" indent="0" algn="just">
+              <a:buNone/>
+            </a:pPr>
+            <a:r>
+              <a:rPr lang="pt-BR" sz="1800" dirty="0">
+                <a:solidFill>
+                  <a:schemeClr val="tx1"/>
+                </a:solidFill>
+                <a:latin typeface="Times New Roman" panose="02020603050405020304" pitchFamily="18" charset="0"/>
+                <a:cs typeface="Times New Roman" panose="02020603050405020304" pitchFamily="18" charset="0"/>
+              </a:rPr>
+              <a:t>A </a:t>
+            </a:r>
+            <a:r>
+              <a:rPr lang="pt-BR" sz="1800" b="1" dirty="0">
+                <a:solidFill>
+                  <a:schemeClr val="tx1"/>
+                </a:solidFill>
+                <a:latin typeface="Times New Roman" panose="02020603050405020304" pitchFamily="18" charset="0"/>
+                <a:cs typeface="Times New Roman" panose="02020603050405020304" pitchFamily="18" charset="0"/>
+              </a:rPr>
+              <a:t>AWS</a:t>
+            </a:r>
+            <a:r>
+              <a:rPr lang="pt-BR" sz="1800" dirty="0">
+                <a:solidFill>
+                  <a:schemeClr val="tx1"/>
+                </a:solidFill>
+                <a:latin typeface="Times New Roman" panose="02020603050405020304" pitchFamily="18" charset="0"/>
+                <a:cs typeface="Times New Roman" panose="02020603050405020304" pitchFamily="18" charset="0"/>
+              </a:rPr>
+              <a:t> oferece serviços e soluções de </a:t>
+            </a:r>
+            <a:r>
+              <a:rPr lang="pt-BR" sz="1800" b="1" dirty="0">
+                <a:solidFill>
+                  <a:schemeClr val="tx1"/>
+                </a:solidFill>
+                <a:latin typeface="Times New Roman" panose="02020603050405020304" pitchFamily="18" charset="0"/>
+                <a:cs typeface="Times New Roman" panose="02020603050405020304" pitchFamily="18" charset="0"/>
+              </a:rPr>
+              <a:t>Internet das Coisas (</a:t>
+            </a:r>
+            <a:r>
+              <a:rPr lang="pt-BR" sz="1800" b="1" dirty="0" err="1">
+                <a:solidFill>
+                  <a:schemeClr val="tx1"/>
+                </a:solidFill>
+                <a:latin typeface="Times New Roman" panose="02020603050405020304" pitchFamily="18" charset="0"/>
+                <a:cs typeface="Times New Roman" panose="02020603050405020304" pitchFamily="18" charset="0"/>
+              </a:rPr>
+              <a:t>IoT</a:t>
+            </a:r>
+            <a:r>
+              <a:rPr lang="pt-BR" sz="1800" b="1" dirty="0">
+                <a:solidFill>
+                  <a:schemeClr val="tx1"/>
+                </a:solidFill>
+                <a:latin typeface="Times New Roman" panose="02020603050405020304" pitchFamily="18" charset="0"/>
+                <a:cs typeface="Times New Roman" panose="02020603050405020304" pitchFamily="18" charset="0"/>
+              </a:rPr>
+              <a:t>) </a:t>
+            </a:r>
+            <a:r>
+              <a:rPr lang="pt-BR" sz="1800" dirty="0">
+                <a:solidFill>
+                  <a:schemeClr val="tx1"/>
+                </a:solidFill>
+                <a:latin typeface="Times New Roman" panose="02020603050405020304" pitchFamily="18" charset="0"/>
+                <a:cs typeface="Times New Roman" panose="02020603050405020304" pitchFamily="18" charset="0"/>
+              </a:rPr>
+              <a:t>para conectar e gerenciar bilhões de dispositivos. Coleta, armazena e analisa dados de </a:t>
+            </a:r>
+            <a:r>
+              <a:rPr lang="pt-BR" sz="1800" b="1" dirty="0" err="1">
+                <a:solidFill>
+                  <a:schemeClr val="tx1"/>
+                </a:solidFill>
+                <a:latin typeface="Times New Roman" panose="02020603050405020304" pitchFamily="18" charset="0"/>
+                <a:cs typeface="Times New Roman" panose="02020603050405020304" pitchFamily="18" charset="0"/>
+              </a:rPr>
+              <a:t>IoT</a:t>
+            </a:r>
+            <a:r>
+              <a:rPr lang="pt-BR" sz="1800" dirty="0">
+                <a:solidFill>
+                  <a:schemeClr val="tx1"/>
+                </a:solidFill>
+                <a:latin typeface="Times New Roman" panose="02020603050405020304" pitchFamily="18" charset="0"/>
+                <a:cs typeface="Times New Roman" panose="02020603050405020304" pitchFamily="18" charset="0"/>
+              </a:rPr>
+              <a:t> para </a:t>
+            </a:r>
+            <a:r>
+              <a:rPr lang="pt-BR" sz="1800" dirty="0" err="1">
+                <a:solidFill>
+                  <a:schemeClr val="tx1"/>
+                </a:solidFill>
+                <a:latin typeface="Times New Roman" panose="02020603050405020304" pitchFamily="18" charset="0"/>
+                <a:cs typeface="Times New Roman" panose="02020603050405020304" pitchFamily="18" charset="0"/>
+              </a:rPr>
+              <a:t>workloads</a:t>
+            </a:r>
+            <a:r>
+              <a:rPr lang="pt-BR" sz="1800" dirty="0">
+                <a:solidFill>
+                  <a:schemeClr val="tx1"/>
+                </a:solidFill>
+                <a:latin typeface="Times New Roman" panose="02020603050405020304" pitchFamily="18" charset="0"/>
+                <a:cs typeface="Times New Roman" panose="02020603050405020304" pitchFamily="18" charset="0"/>
+              </a:rPr>
+              <a:t> industriais, de consumo, comerciais e automotivas.</a:t>
+            </a:r>
+          </a:p>
+        </p:txBody>
+      </p:sp>
+    </p:spTree>
+    <p:extLst>
+      <p:ext uri="{BB962C8B-B14F-4D97-AF65-F5344CB8AC3E}">
+        <p14:creationId xmlns:p14="http://schemas.microsoft.com/office/powerpoint/2010/main" val="1242099271"/>
+      </p:ext>
+    </p:extLst>
+  </p:cSld>
+  <p:clrMapOvr>
+    <a:masterClrMapping/>
+  </p:clrMapOvr>
+  <p:transition spd="med"/>
+</p:sld>
+</file>
+
+<file path=ppt/slides/slide18.xml><?xml version="1.0" encoding="utf-8"?>
+<p:sld xmlns:a="http://schemas.openxmlformats.org/drawingml/2006/main" xmlns:r="http://schemas.openxmlformats.org/officeDocument/2006/relationships" xmlns:p="http://schemas.openxmlformats.org/presentationml/2006/main">
+  <p:cSld>
+    <p:spTree>
+      <p:nvGrpSpPr>
+        <p:cNvPr id="1" name=""/>
+        <p:cNvGrpSpPr/>
+        <p:nvPr/>
+      </p:nvGrpSpPr>
+      <p:grpSpPr>
+        <a:xfrm>
+          <a:off x="0" y="0"/>
+          <a:ext cx="0" cy="0"/>
+          <a:chOff x="0" y="0"/>
+          <a:chExt cx="0" cy="0"/>
+        </a:xfrm>
+      </p:grpSpPr>
+      <p:sp>
+        <p:nvSpPr>
+          <p:cNvPr id="6" name="Title 1"/>
+          <p:cNvSpPr>
+            <a:spLocks noGrp="1"/>
+          </p:cNvSpPr>
+          <p:nvPr>
+            <p:ph type="title"/>
+          </p:nvPr>
+        </p:nvSpPr>
+        <p:spPr>
+          <a:xfrm>
+            <a:off x="457200" y="205980"/>
+            <a:ext cx="8229600" cy="857251"/>
+          </a:xfrm>
+        </p:spPr>
+        <p:txBody>
+          <a:bodyPr>
+            <a:normAutofit fontScale="90000"/>
+          </a:bodyPr>
+          <a:lstStyle/>
+          <a:p>
+            <a:r>
+              <a:rPr lang="pt-BR" b="1" dirty="0">
+                <a:solidFill>
+                  <a:srgbClr val="0070C0"/>
+                </a:solidFill>
+              </a:rPr>
+              <a:t>Relação da </a:t>
+            </a:r>
+            <a:r>
+              <a:rPr lang="pt-BR" b="1" dirty="0" err="1">
+                <a:solidFill>
+                  <a:srgbClr val="0070C0"/>
+                </a:solidFill>
+              </a:rPr>
+              <a:t>IoT</a:t>
+            </a:r>
+            <a:r>
+              <a:rPr lang="pt-BR" b="1" dirty="0">
+                <a:solidFill>
+                  <a:srgbClr val="0070C0"/>
+                </a:solidFill>
+              </a:rPr>
+              <a:t> com Cloud Computer</a:t>
+            </a:r>
+            <a:endParaRPr lang="en-US" b="1" dirty="0">
+              <a:solidFill>
+                <a:srgbClr val="0070C0"/>
+              </a:solidFill>
+            </a:endParaRPr>
+          </a:p>
+        </p:txBody>
+      </p:sp>
+      <p:sp>
+        <p:nvSpPr>
+          <p:cNvPr id="8" name="Text Placeholder 2"/>
+          <p:cNvSpPr>
+            <a:spLocks noGrp="1"/>
+          </p:cNvSpPr>
+          <p:nvPr>
+            <p:ph type="body" sz="half" idx="1"/>
+          </p:nvPr>
+        </p:nvSpPr>
+        <p:spPr>
+          <a:xfrm>
+            <a:off x="142865" y="1005078"/>
+            <a:ext cx="8865056" cy="3737370"/>
+          </a:xfrm>
+        </p:spPr>
+        <p:txBody>
+          <a:bodyPr>
+            <a:noAutofit/>
+          </a:bodyPr>
+          <a:lstStyle/>
+          <a:p>
+            <a:pPr marL="0" indent="0" algn="just">
+              <a:buNone/>
+            </a:pPr>
+            <a:r>
+              <a:rPr lang="pt-BR" sz="2000" dirty="0">
+                <a:solidFill>
+                  <a:schemeClr val="tx1"/>
+                </a:solidFill>
+                <a:latin typeface="Times New Roman" panose="02020603050405020304" pitchFamily="18" charset="0"/>
+                <a:cs typeface="Times New Roman" panose="02020603050405020304" pitchFamily="18" charset="0"/>
+              </a:rPr>
+              <a:t>Através do </a:t>
+            </a:r>
+            <a:r>
+              <a:rPr lang="pt-BR" sz="2000" b="1" dirty="0" err="1">
+                <a:solidFill>
+                  <a:schemeClr val="tx1"/>
+                </a:solidFill>
+                <a:latin typeface="Times New Roman" panose="02020603050405020304" pitchFamily="18" charset="0"/>
+                <a:cs typeface="Times New Roman" panose="02020603050405020304" pitchFamily="18" charset="0"/>
+              </a:rPr>
+              <a:t>Datadog</a:t>
+            </a:r>
+            <a:r>
+              <a:rPr lang="pt-BR" sz="2000" b="1" dirty="0">
+                <a:solidFill>
+                  <a:schemeClr val="tx1"/>
+                </a:solidFill>
+                <a:latin typeface="Times New Roman" panose="02020603050405020304" pitchFamily="18" charset="0"/>
+                <a:cs typeface="Times New Roman" panose="02020603050405020304" pitchFamily="18" charset="0"/>
+              </a:rPr>
+              <a:t> Agent</a:t>
+            </a:r>
+            <a:r>
+              <a:rPr lang="pt-BR" sz="2000" dirty="0">
+                <a:solidFill>
+                  <a:schemeClr val="tx1"/>
+                </a:solidFill>
+                <a:latin typeface="Times New Roman" panose="02020603050405020304" pitchFamily="18" charset="0"/>
+                <a:cs typeface="Times New Roman" panose="02020603050405020304" pitchFamily="18" charset="0"/>
+              </a:rPr>
+              <a:t> </a:t>
+            </a:r>
+            <a:r>
+              <a:rPr lang="pt-BR" sz="2000" b="1" dirty="0">
+                <a:solidFill>
+                  <a:schemeClr val="tx1"/>
+                </a:solidFill>
+                <a:latin typeface="Times New Roman" panose="02020603050405020304" pitchFamily="18" charset="0"/>
+                <a:cs typeface="Times New Roman" panose="02020603050405020304" pitchFamily="18" charset="0"/>
+              </a:rPr>
+              <a:t>com o Azure </a:t>
+            </a:r>
+            <a:r>
+              <a:rPr lang="pt-BR" sz="2000" b="1" dirty="0" err="1">
+                <a:solidFill>
+                  <a:schemeClr val="tx1"/>
+                </a:solidFill>
+                <a:latin typeface="Times New Roman" panose="02020603050405020304" pitchFamily="18" charset="0"/>
+                <a:cs typeface="Times New Roman" panose="02020603050405020304" pitchFamily="18" charset="0"/>
+              </a:rPr>
+              <a:t>IoT</a:t>
+            </a:r>
+            <a:r>
+              <a:rPr lang="pt-BR" sz="2000" b="1" dirty="0">
+                <a:solidFill>
+                  <a:schemeClr val="tx1"/>
+                </a:solidFill>
+                <a:latin typeface="Times New Roman" panose="02020603050405020304" pitchFamily="18" charset="0"/>
+                <a:cs typeface="Times New Roman" panose="02020603050405020304" pitchFamily="18" charset="0"/>
+              </a:rPr>
+              <a:t> Hub</a:t>
+            </a:r>
+            <a:r>
+              <a:rPr lang="pt-BR" sz="2000" dirty="0">
+                <a:solidFill>
+                  <a:schemeClr val="tx1"/>
+                </a:solidFill>
+                <a:latin typeface="Times New Roman" panose="02020603050405020304" pitchFamily="18" charset="0"/>
+                <a:cs typeface="Times New Roman" panose="02020603050405020304" pitchFamily="18" charset="0"/>
+              </a:rPr>
+              <a:t>, nos sistemas operacionais </a:t>
+            </a:r>
+            <a:r>
+              <a:rPr lang="pt-BR" sz="2000" dirty="0" err="1">
+                <a:solidFill>
+                  <a:schemeClr val="tx1"/>
+                </a:solidFill>
+                <a:latin typeface="Times New Roman" panose="02020603050405020304" pitchFamily="18" charset="0"/>
+                <a:cs typeface="Times New Roman" panose="02020603050405020304" pitchFamily="18" charset="0"/>
+              </a:rPr>
+              <a:t>IoT</a:t>
+            </a:r>
+            <a:r>
+              <a:rPr lang="pt-BR" sz="2000" dirty="0">
+                <a:solidFill>
+                  <a:schemeClr val="tx1"/>
+                </a:solidFill>
+                <a:latin typeface="Times New Roman" panose="02020603050405020304" pitchFamily="18" charset="0"/>
+                <a:cs typeface="Times New Roman" panose="02020603050405020304" pitchFamily="18" charset="0"/>
+              </a:rPr>
+              <a:t> e arquiteturas de hardware, pode-se obter mais de 100 métricas de integridade de dispositivo prontas para uso para CPU, memória, disco, E/S de rede, etc.</a:t>
+            </a:r>
+          </a:p>
+          <a:p>
+            <a:pPr marL="0" indent="0" algn="just">
+              <a:buNone/>
+            </a:pPr>
+            <a:endParaRPr lang="pt-BR" sz="2000" dirty="0">
+              <a:solidFill>
+                <a:schemeClr val="tx1"/>
+              </a:solidFill>
+              <a:latin typeface="Times New Roman" panose="02020603050405020304" pitchFamily="18" charset="0"/>
+              <a:cs typeface="Times New Roman" panose="02020603050405020304" pitchFamily="18" charset="0"/>
+            </a:endParaRPr>
+          </a:p>
+          <a:p>
+            <a:pPr marL="0" indent="0" algn="just">
+              <a:buNone/>
+            </a:pPr>
+            <a:endParaRPr lang="pt-BR" sz="2000" dirty="0">
+              <a:solidFill>
+                <a:schemeClr val="tx1"/>
+              </a:solidFill>
+              <a:latin typeface="Times New Roman" panose="02020603050405020304" pitchFamily="18" charset="0"/>
+              <a:cs typeface="Times New Roman" panose="02020603050405020304" pitchFamily="18" charset="0"/>
+            </a:endParaRPr>
+          </a:p>
+        </p:txBody>
+      </p:sp>
+      <p:pic>
+        <p:nvPicPr>
+          <p:cNvPr id="3" name="Imagem 2">
+            <a:extLst>
+              <a:ext uri="{FF2B5EF4-FFF2-40B4-BE49-F238E27FC236}">
+                <a16:creationId xmlns:a16="http://schemas.microsoft.com/office/drawing/2014/main" id="{D64EDE5C-8A94-D556-2273-E51910FD3935}"/>
+              </a:ext>
+            </a:extLst>
+          </p:cNvPr>
+          <p:cNvPicPr>
+            <a:picLocks noChangeAspect="1"/>
+          </p:cNvPicPr>
+          <p:nvPr/>
+        </p:nvPicPr>
+        <p:blipFill>
+          <a:blip r:embed="rId3"/>
+          <a:stretch>
+            <a:fillRect/>
+          </a:stretch>
+        </p:blipFill>
+        <p:spPr>
+          <a:xfrm>
+            <a:off x="326897" y="2004630"/>
+            <a:ext cx="7119139" cy="3042858"/>
+          </a:xfrm>
+          <a:prstGeom prst="rect">
+            <a:avLst/>
+          </a:prstGeom>
+        </p:spPr>
+      </p:pic>
+    </p:spTree>
+    <p:extLst>
+      <p:ext uri="{BB962C8B-B14F-4D97-AF65-F5344CB8AC3E}">
+        <p14:creationId xmlns:p14="http://schemas.microsoft.com/office/powerpoint/2010/main" val="3067772677"/>
+      </p:ext>
+    </p:extLst>
+  </p:cSld>
+  <p:clrMapOvr>
+    <a:masterClrMapping/>
+  </p:clrMapOvr>
+  <p:transition spd="med"/>
+</p:sld>
+</file>
+
+<file path=ppt/slides/slide19.xml><?xml version="1.0" encoding="utf-8"?>
+<p:sld xmlns:a="http://schemas.openxmlformats.org/drawingml/2006/main" xmlns:r="http://schemas.openxmlformats.org/officeDocument/2006/relationships" xmlns:p="http://schemas.openxmlformats.org/presentationml/2006/main">
+  <p:cSld>
+    <p:spTree>
+      <p:nvGrpSpPr>
+        <p:cNvPr id="1" name=""/>
+        <p:cNvGrpSpPr/>
+        <p:nvPr/>
+      </p:nvGrpSpPr>
+      <p:grpSpPr>
+        <a:xfrm>
+          <a:off x="0" y="0"/>
+          <a:ext cx="0" cy="0"/>
+          <a:chOff x="0" y="0"/>
+          <a:chExt cx="0" cy="0"/>
+        </a:xfrm>
+      </p:grpSpPr>
+      <p:sp>
+        <p:nvSpPr>
+          <p:cNvPr id="6" name="Title 1"/>
+          <p:cNvSpPr>
+            <a:spLocks noGrp="1"/>
+          </p:cNvSpPr>
+          <p:nvPr>
+            <p:ph type="title"/>
+          </p:nvPr>
+        </p:nvSpPr>
+        <p:spPr>
+          <a:xfrm>
+            <a:off x="457200" y="205980"/>
+            <a:ext cx="8229600" cy="857251"/>
+          </a:xfrm>
+        </p:spPr>
+        <p:txBody>
+          <a:bodyPr>
+            <a:normAutofit/>
+          </a:bodyPr>
+          <a:lstStyle/>
+          <a:p>
+            <a:r>
+              <a:rPr lang="pt-BR" b="1" dirty="0">
+                <a:solidFill>
+                  <a:srgbClr val="0070C0"/>
+                </a:solidFill>
+              </a:rPr>
+              <a:t>Soluções em </a:t>
+            </a:r>
+            <a:r>
+              <a:rPr lang="pt-BR" b="1" dirty="0" err="1">
+                <a:solidFill>
+                  <a:srgbClr val="0070C0"/>
+                </a:solidFill>
+              </a:rPr>
+              <a:t>IoT</a:t>
+            </a:r>
+            <a:r>
+              <a:rPr lang="pt-BR" b="1" dirty="0">
+                <a:solidFill>
+                  <a:srgbClr val="0070C0"/>
+                </a:solidFill>
+              </a:rPr>
+              <a:t> para o Negócio</a:t>
+            </a:r>
+            <a:endParaRPr lang="en-US" b="1" dirty="0">
+              <a:solidFill>
+                <a:srgbClr val="0070C0"/>
+              </a:solidFill>
+            </a:endParaRPr>
+          </a:p>
+        </p:txBody>
+      </p:sp>
+      <p:sp>
+        <p:nvSpPr>
+          <p:cNvPr id="8" name="Text Placeholder 2"/>
+          <p:cNvSpPr>
+            <a:spLocks noGrp="1"/>
+          </p:cNvSpPr>
+          <p:nvPr>
+            <p:ph type="body" sz="half" idx="1"/>
+          </p:nvPr>
+        </p:nvSpPr>
+        <p:spPr>
+          <a:xfrm>
+            <a:off x="142865" y="1200150"/>
+            <a:ext cx="8865056" cy="3737370"/>
+          </a:xfrm>
+        </p:spPr>
+        <p:txBody>
+          <a:bodyPr>
+            <a:noAutofit/>
+          </a:bodyPr>
+          <a:lstStyle/>
+          <a:p>
+            <a:pPr marL="0" indent="0" algn="just">
+              <a:buNone/>
+            </a:pPr>
+            <a:r>
+              <a:rPr lang="pt-BR" sz="1800" b="1" dirty="0">
+                <a:solidFill>
+                  <a:srgbClr val="FF0000"/>
+                </a:solidFill>
+                <a:latin typeface="Times New Roman" panose="02020603050405020304" pitchFamily="18" charset="0"/>
+                <a:cs typeface="Times New Roman" panose="02020603050405020304" pitchFamily="18" charset="0"/>
+              </a:rPr>
+              <a:t>Manufatura</a:t>
+            </a:r>
+          </a:p>
+          <a:p>
+            <a:pPr marL="0" indent="0" algn="just">
+              <a:buNone/>
+            </a:pPr>
+            <a:r>
+              <a:rPr lang="pt-BR" sz="1800" dirty="0">
+                <a:solidFill>
+                  <a:schemeClr val="tx1"/>
+                </a:solidFill>
+                <a:latin typeface="Times New Roman" panose="02020603050405020304" pitchFamily="18" charset="0"/>
+                <a:cs typeface="Times New Roman" panose="02020603050405020304" pitchFamily="18" charset="0"/>
+              </a:rPr>
+              <a:t>Melhorar a qualidade dos produtos ou ter maior compreensão da cadeia de suprimentos, garantindo um fluxo contínuo de dados para otimizar os processos de fabricação.</a:t>
+            </a:r>
+          </a:p>
+          <a:p>
+            <a:pPr marL="0" indent="0" algn="just">
+              <a:buNone/>
+            </a:pPr>
+            <a:endParaRPr lang="pt-BR" sz="1800" b="1" dirty="0">
+              <a:solidFill>
+                <a:srgbClr val="FF0000"/>
+              </a:solidFill>
+              <a:latin typeface="Times New Roman" panose="02020603050405020304" pitchFamily="18" charset="0"/>
+              <a:cs typeface="Times New Roman" panose="02020603050405020304" pitchFamily="18" charset="0"/>
+            </a:endParaRPr>
+          </a:p>
+          <a:p>
+            <a:pPr marL="0" indent="0" algn="just">
+              <a:buNone/>
+            </a:pPr>
+            <a:r>
+              <a:rPr lang="pt-BR" sz="1800" b="1" dirty="0">
+                <a:solidFill>
+                  <a:srgbClr val="FF0000"/>
+                </a:solidFill>
+                <a:latin typeface="Times New Roman" panose="02020603050405020304" pitchFamily="18" charset="0"/>
+                <a:cs typeface="Times New Roman" panose="02020603050405020304" pitchFamily="18" charset="0"/>
+              </a:rPr>
+              <a:t>Varejo</a:t>
+            </a:r>
+          </a:p>
+          <a:p>
+            <a:pPr marL="0" indent="0" algn="just">
+              <a:buNone/>
+            </a:pPr>
+            <a:r>
+              <a:rPr lang="pt-BR" sz="1800" dirty="0">
+                <a:solidFill>
+                  <a:schemeClr val="tx1"/>
+                </a:solidFill>
+                <a:latin typeface="Times New Roman" panose="02020603050405020304" pitchFamily="18" charset="0"/>
+                <a:cs typeface="Times New Roman" panose="02020603050405020304" pitchFamily="18" charset="0"/>
+              </a:rPr>
+              <a:t>Aumentar a eficiência operacional por meio do uso de dados em tempo real, operação da loja em tempo real.</a:t>
+            </a:r>
+          </a:p>
+          <a:p>
+            <a:pPr marL="0" indent="0" algn="just">
+              <a:buNone/>
+            </a:pPr>
+            <a:endParaRPr lang="pt-BR" sz="1800" b="1" dirty="0">
+              <a:solidFill>
+                <a:srgbClr val="FF0000"/>
+              </a:solidFill>
+              <a:latin typeface="Times New Roman" panose="02020603050405020304" pitchFamily="18" charset="0"/>
+              <a:cs typeface="Times New Roman" panose="02020603050405020304" pitchFamily="18" charset="0"/>
+            </a:endParaRPr>
+          </a:p>
+          <a:p>
+            <a:pPr marL="0" indent="0" algn="just">
+              <a:buNone/>
+            </a:pPr>
+            <a:r>
+              <a:rPr lang="pt-BR" sz="1800" b="1" dirty="0">
+                <a:solidFill>
+                  <a:srgbClr val="FF0000"/>
+                </a:solidFill>
+                <a:latin typeface="Times New Roman" panose="02020603050405020304" pitchFamily="18" charset="0"/>
+                <a:cs typeface="Times New Roman" panose="02020603050405020304" pitchFamily="18" charset="0"/>
+              </a:rPr>
+              <a:t>Serviços de Utilidade Pública</a:t>
+            </a:r>
+          </a:p>
+          <a:p>
+            <a:pPr marL="0" indent="0" algn="just">
+              <a:buNone/>
+            </a:pPr>
+            <a:r>
+              <a:rPr lang="pt-BR" sz="1800" dirty="0">
+                <a:solidFill>
+                  <a:schemeClr val="tx1"/>
+                </a:solidFill>
+                <a:latin typeface="Times New Roman" panose="02020603050405020304" pitchFamily="18" charset="0"/>
+                <a:cs typeface="Times New Roman" panose="02020603050405020304" pitchFamily="18" charset="0"/>
+              </a:rPr>
+              <a:t>Conecte e controle turbinas hidrelétricas, usinas eólicas, hidrômetros, redes, etc. Estabelecendo um fluxo contínuo de dados em tempo real com a plataforma </a:t>
+            </a:r>
+            <a:r>
+              <a:rPr lang="pt-BR" sz="1800" b="1" dirty="0" err="1">
+                <a:solidFill>
+                  <a:schemeClr val="tx1"/>
+                </a:solidFill>
+                <a:latin typeface="Times New Roman" panose="02020603050405020304" pitchFamily="18" charset="0"/>
+                <a:cs typeface="Times New Roman" panose="02020603050405020304" pitchFamily="18" charset="0"/>
+              </a:rPr>
+              <a:t>IoT</a:t>
+            </a:r>
+            <a:r>
+              <a:rPr lang="pt-BR" sz="1800" dirty="0">
+                <a:solidFill>
+                  <a:schemeClr val="tx1"/>
+                </a:solidFill>
+                <a:latin typeface="Times New Roman" panose="02020603050405020304" pitchFamily="18" charset="0"/>
+                <a:cs typeface="Times New Roman" panose="02020603050405020304" pitchFamily="18" charset="0"/>
+              </a:rPr>
+              <a:t>.</a:t>
+            </a:r>
+          </a:p>
+        </p:txBody>
+      </p:sp>
+    </p:spTree>
+    <p:extLst>
+      <p:ext uri="{BB962C8B-B14F-4D97-AF65-F5344CB8AC3E}">
+        <p14:creationId xmlns:p14="http://schemas.microsoft.com/office/powerpoint/2010/main" val="1485496231"/>
+      </p:ext>
+    </p:extLst>
   </p:cSld>
   <p:clrMapOvr>
     <a:masterClrMapping/>
@@ -3966,21 +8098,26 @@
               <a:t>Integração Cloud </a:t>
             </a:r>
             <a:r>
+              <a:rPr lang="pt-BR" sz="3600" b="1" dirty="0" err="1">
+                <a:solidFill>
+                  <a:schemeClr val="bg1"/>
+                </a:solidFill>
+              </a:rPr>
+              <a:t>IoT</a:t>
+            </a:r>
+            <a:r>
               <a:rPr lang="pt-BR" sz="3600" b="1">
                 <a:solidFill>
                   <a:schemeClr val="bg1"/>
                 </a:solidFill>
               </a:rPr>
-              <a:t>IoT</a:t>
-            </a:r>
-            <a:r>
-              <a:rPr lang="pt-BR" sz="3600" b="1" dirty="0">
-                <a:solidFill>
-                  <a:schemeClr val="bg1"/>
-                </a:solidFill>
-              </a:rPr>
-              <a:t> Características Relevantes</a:t>
-            </a:r>
+              <a:t> e Características</a:t>
+            </a:r>
+            <a:endParaRPr lang="pt-BR" sz="3600" b="1" dirty="0">
+              <a:solidFill>
+                <a:schemeClr val="bg1"/>
+              </a:solidFill>
+            </a:endParaRPr>
           </a:p>
         </p:txBody>
       </p:sp>
@@ -4331,139 +8468,7 @@
 </p:sld>
 </file>
 
-<file path=ppt/slides/slide3.xml><?xml version="1.0" encoding="utf-8"?>
-<p:sld xmlns:a="http://schemas.openxmlformats.org/drawingml/2006/main" xmlns:r="http://schemas.openxmlformats.org/officeDocument/2006/relationships" xmlns:p="http://schemas.openxmlformats.org/presentationml/2006/main">
-  <p:cSld>
-    <p:spTree>
-      <p:nvGrpSpPr>
-        <p:cNvPr id="1" name=""/>
-        <p:cNvGrpSpPr/>
-        <p:nvPr/>
-      </p:nvGrpSpPr>
-      <p:grpSpPr>
-        <a:xfrm>
-          <a:off x="0" y="0"/>
-          <a:ext cx="0" cy="0"/>
-          <a:chOff x="0" y="0"/>
-          <a:chExt cx="0" cy="0"/>
-        </a:xfrm>
-      </p:grpSpPr>
-      <p:sp>
-        <p:nvSpPr>
-          <p:cNvPr id="6" name="Title 1"/>
-          <p:cNvSpPr>
-            <a:spLocks noGrp="1"/>
-          </p:cNvSpPr>
-          <p:nvPr>
-            <p:ph type="title"/>
-          </p:nvPr>
-        </p:nvSpPr>
-        <p:spPr>
-          <a:xfrm>
-            <a:off x="457200" y="205980"/>
-            <a:ext cx="8229600" cy="857251"/>
-          </a:xfrm>
-        </p:spPr>
-        <p:txBody>
-          <a:bodyPr>
-            <a:normAutofit fontScale="90000"/>
-          </a:bodyPr>
-          <a:lstStyle/>
-          <a:p>
-            <a:r>
-              <a:rPr lang="pt-BR" b="1" dirty="0">
-                <a:solidFill>
-                  <a:srgbClr val="0070C0"/>
-                </a:solidFill>
-              </a:rPr>
-              <a:t>Cloud </a:t>
-            </a:r>
-            <a:r>
-              <a:rPr lang="pt-BR" b="1" dirty="0" err="1">
-                <a:solidFill>
-                  <a:srgbClr val="0070C0"/>
-                </a:solidFill>
-              </a:rPr>
-              <a:t>IoT</a:t>
-            </a:r>
-            <a:r>
-              <a:rPr lang="pt-BR" b="1" dirty="0">
-                <a:solidFill>
-                  <a:srgbClr val="0070C0"/>
-                </a:solidFill>
-              </a:rPr>
-              <a:t> – Características Relevantes</a:t>
-            </a:r>
-            <a:endParaRPr lang="en-US" b="1" dirty="0">
-              <a:solidFill>
-                <a:srgbClr val="0070C0"/>
-              </a:solidFill>
-            </a:endParaRPr>
-          </a:p>
-        </p:txBody>
-      </p:sp>
-      <p:sp>
-        <p:nvSpPr>
-          <p:cNvPr id="8" name="Text Placeholder 2"/>
-          <p:cNvSpPr>
-            <a:spLocks noGrp="1"/>
-          </p:cNvSpPr>
-          <p:nvPr>
-            <p:ph type="body" sz="half" idx="1"/>
-          </p:nvPr>
-        </p:nvSpPr>
-        <p:spPr>
-          <a:xfrm>
-            <a:off x="142865" y="1200150"/>
-            <a:ext cx="8865056" cy="3737370"/>
-          </a:xfrm>
-        </p:spPr>
-        <p:txBody>
-          <a:bodyPr>
-            <a:noAutofit/>
-          </a:bodyPr>
-          <a:lstStyle/>
-          <a:p>
-            <a:pPr marL="0" indent="0" algn="just">
-              <a:buNone/>
-            </a:pPr>
-            <a:r>
-              <a:rPr lang="pt-BR" sz="1400" dirty="0"/>
-              <a:t>Integração Cloud </a:t>
-            </a:r>
-            <a:r>
-              <a:rPr lang="pt-BR" sz="1400" dirty="0" err="1"/>
-              <a:t>IoT</a:t>
-            </a:r>
-            <a:r>
-              <a:rPr lang="pt-BR" sz="1400" dirty="0"/>
-              <a:t> Características</a:t>
-            </a:r>
-            <a:endParaRPr lang="pt-BR" sz="2000" dirty="0">
-              <a:solidFill>
-                <a:schemeClr val="tx1"/>
-              </a:solidFill>
-              <a:latin typeface="Times New Roman" panose="02020603050405020304" pitchFamily="18" charset="0"/>
-              <a:cs typeface="Times New Roman" panose="02020603050405020304" pitchFamily="18" charset="0"/>
-            </a:endParaRPr>
-          </a:p>
-        </p:txBody>
-      </p:sp>
-    </p:spTree>
-    <p:extLst>
-      <p:ext uri="{BB962C8B-B14F-4D97-AF65-F5344CB8AC3E}">
-        <p14:creationId xmlns:p14="http://schemas.microsoft.com/office/powerpoint/2010/main" val="1754424786"/>
-      </p:ext>
-    </p:extLst>
-  </p:cSld>
-  <p:clrMapOvr>
-    <a:masterClrMapping/>
-  </p:clrMapOvr>
-  <p:transition spd="med"/>
-</p:sld>
-</file>
-
-<file path=ppt/slides/slide4.xml><?xml version="1.0" encoding="utf-8"?>
+<file path=ppt/slides/slide20.xml><?xml version="1.0" encoding="utf-8"?>
 <p:sld xmlns:a="http://schemas.openxmlformats.org/drawingml/2006/main" xmlns:r="http://schemas.openxmlformats.org/officeDocument/2006/relationships" xmlns:p="http://schemas.openxmlformats.org/presentationml/2006/main">
   <p:cSld>
     <p:spTree>
@@ -4503,28 +8508,28 @@
           <a:lstStyle/>
           <a:p>
             <a:r>
-              <a:rPr lang="en-US" b="1" dirty="0" err="1">
+              <a:rPr lang="pt-BR" b="1" dirty="0">
                 <a:solidFill>
                   <a:srgbClr val="0070C0"/>
                 </a:solidFill>
               </a:rPr>
-              <a:t>Leitura</a:t>
-            </a:r>
-            <a:r>
-              <a:rPr lang="en-US" b="1" dirty="0">
+              <a:t>Soluções em </a:t>
+            </a:r>
+            <a:r>
+              <a:rPr lang="pt-BR" b="1" dirty="0" err="1">
                 <a:solidFill>
                   <a:srgbClr val="0070C0"/>
                 </a:solidFill>
               </a:rPr>
-              <a:t> </a:t>
-            </a:r>
-            <a:r>
-              <a:rPr lang="en-US" b="1" dirty="0" err="1">
+              <a:t>IoT</a:t>
+            </a:r>
+            <a:r>
+              <a:rPr lang="pt-BR" b="1" dirty="0">
                 <a:solidFill>
                   <a:srgbClr val="0070C0"/>
                 </a:solidFill>
               </a:rPr>
-              <a:t>Específica</a:t>
+              <a:t> para o Negócio</a:t>
             </a:r>
             <a:endParaRPr lang="en-US" b="1" dirty="0">
               <a:solidFill>
@@ -4546,8 +8551,8 @@
         </p:nvSpPr>
         <p:spPr>
           <a:xfrm>
-            <a:off x="142865" y="1200151"/>
-            <a:ext cx="8865056" cy="3394472"/>
+            <a:off x="142865" y="1200150"/>
+            <a:ext cx="8865056" cy="3737370"/>
           </a:xfrm>
         </p:spPr>
         <p:txBody>
@@ -4560,25 +8565,14 @@
               <a:buNone/>
             </a:pPr>
             <a:r>
-              <a:rPr lang="pt-BR" sz="2400" dirty="0">
-                <a:latin typeface="Times New Roman" panose="02020603050405020304" pitchFamily="18" charset="0"/>
-                <a:cs typeface="Times New Roman" panose="02020603050405020304" pitchFamily="18" charset="0"/>
-              </a:rPr>
-              <a:t>[1] </a:t>
-            </a:r>
-            <a:r>
-              <a:rPr lang="pt-BR" sz="2400" dirty="0" err="1">
-                <a:latin typeface="Times New Roman" panose="02020603050405020304" pitchFamily="18" charset="0"/>
-                <a:cs typeface="Times New Roman" panose="02020603050405020304" pitchFamily="18" charset="0"/>
-              </a:rPr>
-              <a:t>Desenv</a:t>
-            </a:r>
-            <a:r>
-              <a:rPr lang="pt-BR" sz="2400" dirty="0">
-                <a:latin typeface="Times New Roman" panose="02020603050405020304" pitchFamily="18" charset="0"/>
-                <a:cs typeface="Times New Roman" panose="02020603050405020304" pitchFamily="18" charset="0"/>
-              </a:rPr>
-              <a:t>. App Plataformas de Middleware Para IOT em Python.</a:t>
+              <a:rPr lang="pt-BR" sz="1800" b="1" dirty="0">
+                <a:solidFill>
+                  <a:srgbClr val="FF0000"/>
+                </a:solidFill>
+                <a:latin typeface="Times New Roman" panose="02020603050405020304" pitchFamily="18" charset="0"/>
+                <a:cs typeface="Times New Roman" panose="02020603050405020304" pitchFamily="18" charset="0"/>
+              </a:rPr>
+              <a:t>Provedores de Serviços Telecom</a:t>
             </a:r>
           </a:p>
           <a:p>
@@ -4586,24 +8580,64 @@
               <a:buNone/>
             </a:pPr>
             <a:r>
-              <a:rPr lang="pt-BR" sz="2400" b="1" dirty="0">
-                <a:solidFill>
-                  <a:srgbClr val="FF0000"/>
-                </a:solidFill>
-                <a:latin typeface="Times New Roman" panose="02020603050405020304" pitchFamily="18" charset="0"/>
-                <a:cs typeface="Times New Roman" panose="02020603050405020304" pitchFamily="18" charset="0"/>
-              </a:rPr>
-              <a:t>Disponível em: </a:t>
-            </a:r>
-            <a:r>
-              <a:rPr lang="pt-BR" sz="2400" dirty="0">
-                <a:latin typeface="Times New Roman" panose="02020603050405020304" pitchFamily="18" charset="0"/>
-                <a:cs typeface="Times New Roman" panose="02020603050405020304" pitchFamily="18" charset="0"/>
-                <a:hlinkClick r:id="rId3"/>
-              </a:rPr>
-              <a:t>https://</a:t>
-            </a:r>
-            <a:endParaRPr lang="pt-BR" sz="2400" dirty="0">
+              <a:rPr lang="pt-BR" sz="1800" dirty="0">
+                <a:solidFill>
+                  <a:schemeClr val="tx1"/>
+                </a:solidFill>
+                <a:latin typeface="Times New Roman" panose="02020603050405020304" pitchFamily="18" charset="0"/>
+                <a:cs typeface="Times New Roman" panose="02020603050405020304" pitchFamily="18" charset="0"/>
+              </a:rPr>
+              <a:t>Apoiar a expansão do portifólio de serviços </a:t>
+            </a:r>
+            <a:r>
+              <a:rPr lang="pt-BR" sz="1800" dirty="0" err="1">
+                <a:solidFill>
+                  <a:schemeClr val="tx1"/>
+                </a:solidFill>
+                <a:latin typeface="Times New Roman" panose="02020603050405020304" pitchFamily="18" charset="0"/>
+                <a:cs typeface="Times New Roman" panose="02020603050405020304" pitchFamily="18" charset="0"/>
+              </a:rPr>
+              <a:t>IoT</a:t>
+            </a:r>
+            <a:r>
+              <a:rPr lang="pt-BR" sz="1800" dirty="0">
+                <a:solidFill>
+                  <a:schemeClr val="tx1"/>
+                </a:solidFill>
+                <a:latin typeface="Times New Roman" panose="02020603050405020304" pitchFamily="18" charset="0"/>
+                <a:cs typeface="Times New Roman" panose="02020603050405020304" pitchFamily="18" charset="0"/>
+              </a:rPr>
+              <a:t> para acrescentar fluxos de receitas de </a:t>
+            </a:r>
+            <a:r>
+              <a:rPr lang="pt-BR" sz="1800" dirty="0" err="1">
+                <a:solidFill>
+                  <a:schemeClr val="tx1"/>
+                </a:solidFill>
+                <a:latin typeface="Times New Roman" panose="02020603050405020304" pitchFamily="18" charset="0"/>
+                <a:cs typeface="Times New Roman" panose="02020603050405020304" pitchFamily="18" charset="0"/>
+              </a:rPr>
+              <a:t>IoT</a:t>
+            </a:r>
+            <a:r>
+              <a:rPr lang="pt-BR" sz="1800" dirty="0">
+                <a:solidFill>
+                  <a:schemeClr val="tx1"/>
+                </a:solidFill>
+                <a:latin typeface="Times New Roman" panose="02020603050405020304" pitchFamily="18" charset="0"/>
+                <a:cs typeface="Times New Roman" panose="02020603050405020304" pitchFamily="18" charset="0"/>
+              </a:rPr>
+              <a:t> e transformar os processos internos.</a:t>
+            </a:r>
+          </a:p>
+          <a:p>
+            <a:pPr marL="0" indent="0" algn="just">
+              <a:buNone/>
+            </a:pPr>
+            <a:endParaRPr lang="pt-BR" sz="1800" dirty="0">
+              <a:solidFill>
+                <a:schemeClr val="tx1"/>
+              </a:solidFill>
               <a:latin typeface="Times New Roman" panose="02020603050405020304" pitchFamily="18" charset="0"/>
               <a:cs typeface="Times New Roman" panose="02020603050405020304" pitchFamily="18" charset="0"/>
             </a:endParaRPr>
@@ -4612,7 +8646,40 @@
             <a:pPr marL="0" indent="0" algn="just">
               <a:buNone/>
             </a:pPr>
-            <a:endParaRPr lang="pt-BR" sz="2400" dirty="0">
+            <a:r>
+              <a:rPr lang="pt-BR" sz="1800" b="1" dirty="0">
+                <a:solidFill>
+                  <a:srgbClr val="FF0000"/>
+                </a:solidFill>
+                <a:latin typeface="Times New Roman" panose="02020603050405020304" pitchFamily="18" charset="0"/>
+                <a:cs typeface="Times New Roman" panose="02020603050405020304" pitchFamily="18" charset="0"/>
+              </a:rPr>
+              <a:t>Transporte e Logística</a:t>
+            </a:r>
+          </a:p>
+          <a:p>
+            <a:pPr marL="0" indent="0" algn="just">
+              <a:buNone/>
+            </a:pPr>
+            <a:r>
+              <a:rPr lang="pt-BR" sz="1800" dirty="0">
+                <a:solidFill>
+                  <a:schemeClr val="tx1"/>
+                </a:solidFill>
+                <a:latin typeface="Times New Roman" panose="02020603050405020304" pitchFamily="18" charset="0"/>
+                <a:cs typeface="Times New Roman" panose="02020603050405020304" pitchFamily="18" charset="0"/>
+              </a:rPr>
+              <a:t>Proteger a carga, otimizar o uso da frota, oferecer serviços em escala e aumentar a segurança do motorista. Cadeia de suprimentos conectada.</a:t>
+            </a:r>
+          </a:p>
+          <a:p>
+            <a:pPr marL="0" indent="0" algn="just">
+              <a:buNone/>
+            </a:pPr>
+            <a:endParaRPr lang="pt-BR" sz="1800" dirty="0">
+              <a:solidFill>
+                <a:schemeClr val="tx1"/>
+              </a:solidFill>
               <a:latin typeface="Times New Roman" panose="02020603050405020304" pitchFamily="18" charset="0"/>
               <a:cs typeface="Times New Roman" panose="02020603050405020304" pitchFamily="18" charset="0"/>
             </a:endParaRPr>
@@ -4622,25 +8689,14 @@
               <a:buNone/>
             </a:pPr>
             <a:r>
-              <a:rPr lang="pt-BR" sz="2400" dirty="0">
-                <a:latin typeface="Times New Roman" panose="02020603050405020304" pitchFamily="18" charset="0"/>
-                <a:cs typeface="Times New Roman" panose="02020603050405020304" pitchFamily="18" charset="0"/>
-              </a:rPr>
-              <a:t>[2] </a:t>
-            </a:r>
-            <a:r>
-              <a:rPr lang="pt-BR" sz="2400" dirty="0" err="1">
-                <a:latin typeface="Times New Roman" panose="02020603050405020304" pitchFamily="18" charset="0"/>
-                <a:cs typeface="Times New Roman" panose="02020603050405020304" pitchFamily="18" charset="0"/>
-              </a:rPr>
-              <a:t>Desenv</a:t>
-            </a:r>
-            <a:r>
-              <a:rPr lang="pt-BR" sz="2400" dirty="0">
-                <a:latin typeface="Times New Roman" panose="02020603050405020304" pitchFamily="18" charset="0"/>
-                <a:cs typeface="Times New Roman" panose="02020603050405020304" pitchFamily="18" charset="0"/>
-              </a:rPr>
-              <a:t>. App Plataformas de Middleware Para IOT em Python. </a:t>
+              <a:rPr lang="pt-BR" sz="1800" b="1" dirty="0">
+                <a:solidFill>
+                  <a:srgbClr val="FF0000"/>
+                </a:solidFill>
+                <a:latin typeface="Times New Roman" panose="02020603050405020304" pitchFamily="18" charset="0"/>
+                <a:cs typeface="Times New Roman" panose="02020603050405020304" pitchFamily="18" charset="0"/>
+              </a:rPr>
+              <a:t>Assistência Médica</a:t>
             </a:r>
           </a:p>
           <a:p>
@@ -4648,72 +8704,22 @@
               <a:buNone/>
             </a:pPr>
             <a:r>
-              <a:rPr lang="pt-BR" sz="2400" b="1" dirty="0">
-                <a:solidFill>
-                  <a:srgbClr val="FF0000"/>
-                </a:solidFill>
-                <a:latin typeface="Times New Roman" panose="02020603050405020304" pitchFamily="18" charset="0"/>
-                <a:cs typeface="Times New Roman" panose="02020603050405020304" pitchFamily="18" charset="0"/>
-              </a:rPr>
-              <a:t>Disponível em: </a:t>
-            </a:r>
-            <a:r>
-              <a:rPr lang="pt-BR" sz="2400" dirty="0">
-                <a:latin typeface="Times New Roman" panose="02020603050405020304" pitchFamily="18" charset="0"/>
-                <a:cs typeface="Times New Roman" panose="02020603050405020304" pitchFamily="18" charset="0"/>
-                <a:hlinkClick r:id="rId4"/>
-              </a:rPr>
-              <a:t>https:</a:t>
-            </a:r>
-            <a:r>
-              <a:rPr lang="pt-BR" sz="2400" dirty="0">
-                <a:latin typeface="Times New Roman" panose="02020603050405020304" pitchFamily="18" charset="0"/>
-                <a:cs typeface="Times New Roman" panose="02020603050405020304" pitchFamily="18" charset="0"/>
-              </a:rPr>
-              <a:t>//</a:t>
-            </a:r>
-          </a:p>
-          <a:p>
-            <a:pPr marL="0" indent="0" algn="just">
-              <a:buNone/>
-            </a:pPr>
-            <a:endParaRPr lang="pt-BR" sz="2400" dirty="0">
-              <a:latin typeface="Times New Roman" panose="02020603050405020304" pitchFamily="18" charset="0"/>
-              <a:cs typeface="Times New Roman" panose="02020603050405020304" pitchFamily="18" charset="0"/>
-            </a:endParaRPr>
-          </a:p>
-          <a:p>
-            <a:pPr marL="0" indent="0" algn="just">
-              <a:buNone/>
-            </a:pPr>
-            <a:endParaRPr lang="pt-BR" sz="2400" dirty="0">
-              <a:latin typeface="Times New Roman" panose="02020603050405020304" pitchFamily="18" charset="0"/>
-              <a:cs typeface="Times New Roman" panose="02020603050405020304" pitchFamily="18" charset="0"/>
-            </a:endParaRPr>
-          </a:p>
-          <a:p>
-            <a:pPr marL="0" indent="0" algn="just">
-              <a:buNone/>
-            </a:pPr>
-            <a:endParaRPr lang="pt-BR" sz="2400" dirty="0">
-              <a:latin typeface="Times New Roman" panose="02020603050405020304" pitchFamily="18" charset="0"/>
-              <a:cs typeface="Times New Roman" panose="02020603050405020304" pitchFamily="18" charset="0"/>
-            </a:endParaRPr>
-          </a:p>
-          <a:p>
-            <a:pPr marL="0" indent="0" algn="just">
-              <a:buNone/>
-            </a:pPr>
-            <a:endParaRPr lang="pt-BR" sz="2400" dirty="0">
-              <a:latin typeface="Calibri" panose="020F0502020204030204" pitchFamily="34" charset="0"/>
-            </a:endParaRPr>
+              <a:rPr lang="pt-BR" sz="1800" dirty="0">
+                <a:solidFill>
+                  <a:schemeClr val="tx1"/>
+                </a:solidFill>
+                <a:latin typeface="Times New Roman" panose="02020603050405020304" pitchFamily="18" charset="0"/>
+                <a:cs typeface="Times New Roman" panose="02020603050405020304" pitchFamily="18" charset="0"/>
+              </a:rPr>
+              <a:t>Elevar a qualidade dos cuidados com o paciente e simplificar a prestação do atendimento</a:t>
+            </a:r>
           </a:p>
         </p:txBody>
       </p:sp>
     </p:spTree>
     <p:extLst>
       <p:ext uri="{BB962C8B-B14F-4D97-AF65-F5344CB8AC3E}">
-        <p14:creationId xmlns:p14="http://schemas.microsoft.com/office/powerpoint/2010/main" val="3680270425"/>
+        <p14:creationId xmlns:p14="http://schemas.microsoft.com/office/powerpoint/2010/main" val="236644727"/>
       </p:ext>
     </p:extLst>
   </p:cSld>
@@ -4724,7 +8730,7 @@
 </p:sld>
 </file>
 
-<file path=ppt/slides/slide5.xml><?xml version="1.0" encoding="utf-8"?>
+<file path=ppt/slides/slide21.xml><?xml version="1.0" encoding="utf-8"?>
 <p:sld xmlns:a="http://schemas.openxmlformats.org/drawingml/2006/main" xmlns:r="http://schemas.openxmlformats.org/officeDocument/2006/relationships" xmlns:p="http://schemas.openxmlformats.org/presentationml/2006/main">
   <p:cSld>
     <p:spTree>
@@ -4764,21 +8770,26 @@
           <a:lstStyle/>
           <a:p>
             <a:r>
-              <a:rPr lang="en-US" b="1" dirty="0" err="1">
+              <a:rPr lang="pt-BR" b="1" dirty="0">
                 <a:solidFill>
                   <a:srgbClr val="0070C0"/>
                 </a:solidFill>
               </a:rPr>
-              <a:t>Aprenda</a:t>
-            </a:r>
-            <a:r>
-              <a:rPr lang="en-US" b="1" dirty="0">
+              <a:t>Profissionais de TI /5G e </a:t>
+            </a:r>
+            <a:r>
+              <a:rPr lang="pt-BR" b="1" dirty="0" err="1">
                 <a:solidFill>
                   <a:srgbClr val="0070C0"/>
                 </a:solidFill>
               </a:rPr>
-              <a:t>+</a:t>
-            </a:r>
+              <a:t>IoT</a:t>
+            </a:r>
+            <a:endParaRPr lang="en-US" b="1" dirty="0">
+              <a:solidFill>
+                <a:srgbClr val="0070C0"/>
+              </a:solidFill>
+            </a:endParaRPr>
           </a:p>
         </p:txBody>
       </p:sp>
@@ -4808,50 +8819,44 @@
               <a:buNone/>
             </a:pPr>
             <a:r>
-              <a:rPr lang="pt-BR" sz="2400" dirty="0">
-                <a:latin typeface="Times New Roman" panose="02020603050405020304" pitchFamily="18" charset="0"/>
-                <a:cs typeface="Times New Roman" panose="02020603050405020304" pitchFamily="18" charset="0"/>
-              </a:rPr>
-              <a:t>[1] </a:t>
-            </a:r>
-            <a:r>
-              <a:rPr lang="pt-BR" sz="2400" dirty="0" err="1">
-                <a:latin typeface="Times New Roman" panose="02020603050405020304" pitchFamily="18" charset="0"/>
-                <a:cs typeface="Times New Roman" panose="02020603050405020304" pitchFamily="18" charset="0"/>
-              </a:rPr>
-              <a:t>Desenv</a:t>
-            </a:r>
-            <a:r>
-              <a:rPr lang="pt-BR" sz="2400" dirty="0">
-                <a:latin typeface="Times New Roman" panose="02020603050405020304" pitchFamily="18" charset="0"/>
-                <a:cs typeface="Times New Roman" panose="02020603050405020304" pitchFamily="18" charset="0"/>
-              </a:rPr>
-              <a:t>. App Plataformas de Middleware Para IOT em Python.</a:t>
+              <a:rPr lang="pt-BR" sz="1800" b="1" dirty="0">
+                <a:solidFill>
+                  <a:srgbClr val="FF0000"/>
+                </a:solidFill>
+                <a:latin typeface="Times New Roman" panose="02020603050405020304" pitchFamily="18" charset="0"/>
+                <a:cs typeface="Times New Roman" panose="02020603050405020304" pitchFamily="18" charset="0"/>
+              </a:rPr>
+              <a:t>5G, </a:t>
+            </a:r>
+            <a:r>
+              <a:rPr lang="pt-BR" sz="1800" b="1" dirty="0" err="1">
+                <a:solidFill>
+                  <a:srgbClr val="FF0000"/>
+                </a:solidFill>
+                <a:latin typeface="Times New Roman" panose="02020603050405020304" pitchFamily="18" charset="0"/>
+                <a:cs typeface="Times New Roman" panose="02020603050405020304" pitchFamily="18" charset="0"/>
+              </a:rPr>
+              <a:t>IoT</a:t>
+            </a:r>
+            <a:r>
+              <a:rPr lang="pt-BR" sz="1800" b="1" dirty="0">
+                <a:solidFill>
+                  <a:srgbClr val="FF0000"/>
+                </a:solidFill>
+                <a:latin typeface="Times New Roman" panose="02020603050405020304" pitchFamily="18" charset="0"/>
+                <a:cs typeface="Times New Roman" panose="02020603050405020304" pitchFamily="18" charset="0"/>
+              </a:rPr>
+              <a:t> e OT desafiam o profissional brasileiro de TI a se reinventar em 2022</a:t>
             </a:r>
           </a:p>
           <a:p>
             <a:pPr marL="0" indent="0" algn="just">
               <a:buNone/>
             </a:pPr>
-            <a:r>
-              <a:rPr lang="pt-BR" sz="2400" b="1" dirty="0">
-                <a:solidFill>
-                  <a:srgbClr val="FF0000"/>
-                </a:solidFill>
-                <a:latin typeface="Times New Roman" panose="02020603050405020304" pitchFamily="18" charset="0"/>
-                <a:cs typeface="Times New Roman" panose="02020603050405020304" pitchFamily="18" charset="0"/>
-              </a:rPr>
-              <a:t>Disponível em: </a:t>
-            </a:r>
-            <a:r>
-              <a:rPr lang="pt-BR" sz="2400" dirty="0">
-                <a:latin typeface="Times New Roman" panose="02020603050405020304" pitchFamily="18" charset="0"/>
-                <a:cs typeface="Times New Roman" panose="02020603050405020304" pitchFamily="18" charset="0"/>
-                <a:hlinkClick r:id="rId3"/>
-              </a:rPr>
-              <a:t>https://</a:t>
-            </a:r>
-            <a:endParaRPr lang="pt-BR" sz="2400" dirty="0">
+            <a:endParaRPr lang="pt-BR" sz="1800" b="1" dirty="0">
+              <a:solidFill>
+                <a:srgbClr val="FF0000"/>
+              </a:solidFill>
               <a:latin typeface="Times New Roman" panose="02020603050405020304" pitchFamily="18" charset="0"/>
               <a:cs typeface="Times New Roman" panose="02020603050405020304" pitchFamily="18" charset="0"/>
             </a:endParaRPr>
@@ -4860,7 +8865,46 @@
             <a:pPr marL="0" indent="0" algn="just">
               <a:buNone/>
             </a:pPr>
-            <a:endParaRPr lang="pt-BR" sz="2400" dirty="0">
+            <a:r>
+              <a:rPr lang="pt-BR" sz="1800" dirty="0">
+                <a:solidFill>
+                  <a:schemeClr val="tx1"/>
+                </a:solidFill>
+                <a:latin typeface="Times New Roman" panose="02020603050405020304" pitchFamily="18" charset="0"/>
+                <a:cs typeface="Times New Roman" panose="02020603050405020304" pitchFamily="18" charset="0"/>
+              </a:rPr>
+              <a:t>	</a:t>
+            </a:r>
+            <a:r>
+              <a:rPr lang="pt-BR" sz="1800" dirty="0">
+                <a:solidFill>
+                  <a:schemeClr val="tx1"/>
+                </a:solidFill>
+                <a:latin typeface="Times New Roman" panose="02020603050405020304" pitchFamily="18" charset="0"/>
+                <a:cs typeface="Times New Roman" panose="02020603050405020304" pitchFamily="18" charset="0"/>
+                <a:hlinkClick r:id="rId3"/>
+              </a:rPr>
+              <a:t>https://www.decisionreport.com.br/mercado/5g-iot-e-ot-desafiam-o-profissional-brasileiro-de-ti-a-se-reinventar-em-2022/#.ZFpzSnbMLIU</a:t>
+            </a:r>
+            <a:r>
+              <a:rPr lang="pt-BR" sz="1800" dirty="0">
+                <a:solidFill>
+                  <a:schemeClr val="tx1"/>
+                </a:solidFill>
+                <a:latin typeface="Times New Roman" panose="02020603050405020304" pitchFamily="18" charset="0"/>
+                <a:cs typeface="Times New Roman" panose="02020603050405020304" pitchFamily="18" charset="0"/>
+              </a:rPr>
+              <a:t> </a:t>
+            </a:r>
+          </a:p>
+          <a:p>
+            <a:pPr marL="0" indent="0" algn="just">
+              <a:buNone/>
+            </a:pPr>
+            <a:endParaRPr lang="pt-BR" sz="1800" dirty="0">
+              <a:solidFill>
+                <a:schemeClr val="tx1"/>
+              </a:solidFill>
               <a:latin typeface="Times New Roman" panose="02020603050405020304" pitchFamily="18" charset="0"/>
               <a:cs typeface="Times New Roman" panose="02020603050405020304" pitchFamily="18" charset="0"/>
             </a:endParaRPr>
@@ -4869,51 +8913,10 @@
             <a:pPr marL="0" indent="0" algn="just">
               <a:buNone/>
             </a:pPr>
-            <a:r>
-              <a:rPr lang="pt-BR" sz="2400" dirty="0">
-                <a:latin typeface="Times New Roman" panose="02020603050405020304" pitchFamily="18" charset="0"/>
-                <a:cs typeface="Times New Roman" panose="02020603050405020304" pitchFamily="18" charset="0"/>
-              </a:rPr>
-              <a:t>[2] </a:t>
-            </a:r>
-            <a:r>
-              <a:rPr lang="pt-BR" sz="2400" dirty="0" err="1">
-                <a:latin typeface="Times New Roman" panose="02020603050405020304" pitchFamily="18" charset="0"/>
-                <a:cs typeface="Times New Roman" panose="02020603050405020304" pitchFamily="18" charset="0"/>
-              </a:rPr>
-              <a:t>Desenv</a:t>
-            </a:r>
-            <a:r>
-              <a:rPr lang="pt-BR" sz="2400" dirty="0">
-                <a:latin typeface="Times New Roman" panose="02020603050405020304" pitchFamily="18" charset="0"/>
-                <a:cs typeface="Times New Roman" panose="02020603050405020304" pitchFamily="18" charset="0"/>
-              </a:rPr>
-              <a:t>. App Plataformas de Middleware Para IOT em Python. </a:t>
-            </a:r>
-          </a:p>
-          <a:p>
-            <a:pPr marL="0" indent="0" algn="just">
-              <a:buNone/>
-            </a:pPr>
-            <a:r>
-              <a:rPr lang="pt-BR" sz="2400" b="1" dirty="0">
-                <a:solidFill>
-                  <a:srgbClr val="FF0000"/>
-                </a:solidFill>
-                <a:latin typeface="Times New Roman" panose="02020603050405020304" pitchFamily="18" charset="0"/>
-                <a:cs typeface="Times New Roman" panose="02020603050405020304" pitchFamily="18" charset="0"/>
-              </a:rPr>
-              <a:t>Disponível em: </a:t>
-            </a:r>
-            <a:r>
-              <a:rPr lang="pt-BR" sz="2400" dirty="0">
-                <a:latin typeface="Times New Roman" panose="02020603050405020304" pitchFamily="18" charset="0"/>
-                <a:cs typeface="Times New Roman" panose="02020603050405020304" pitchFamily="18" charset="0"/>
-                <a:hlinkClick r:id="rId4"/>
-              </a:rPr>
-              <a:t>https://</a:t>
-            </a:r>
-            <a:endParaRPr lang="pt-BR" sz="2400" dirty="0">
+            <a:endParaRPr lang="pt-BR" sz="1800" dirty="0">
+              <a:solidFill>
+                <a:schemeClr val="tx1"/>
+              </a:solidFill>
               <a:latin typeface="Times New Roman" panose="02020603050405020304" pitchFamily="18" charset="0"/>
               <a:cs typeface="Times New Roman" panose="02020603050405020304" pitchFamily="18" charset="0"/>
             </a:endParaRPr>
@@ -4922,17 +8925,59 @@
             <a:pPr marL="0" indent="0" algn="just">
               <a:buNone/>
             </a:pPr>
-            <a:endParaRPr lang="pt-BR" sz="2400" dirty="0">
-              <a:latin typeface="Times New Roman" panose="02020603050405020304" pitchFamily="18" charset="0"/>
-              <a:cs typeface="Times New Roman" panose="02020603050405020304" pitchFamily="18" charset="0"/>
-            </a:endParaRPr>
+            <a:r>
+              <a:rPr lang="pt-BR" sz="1800" b="1" dirty="0">
+                <a:solidFill>
+                  <a:srgbClr val="FF0000"/>
+                </a:solidFill>
+                <a:latin typeface="Times New Roman" panose="02020603050405020304" pitchFamily="18" charset="0"/>
+                <a:cs typeface="Times New Roman" panose="02020603050405020304" pitchFamily="18" charset="0"/>
+              </a:rPr>
+              <a:t>Embratel vê parcerias e integração com 5G como o futuro de produtos corporativos</a:t>
+            </a:r>
+          </a:p>
+          <a:p>
+            <a:pPr marL="0" indent="0" algn="just">
+              <a:buNone/>
+            </a:pPr>
+            <a:r>
+              <a:rPr lang="pt-BR" sz="1800" dirty="0">
+                <a:solidFill>
+                  <a:schemeClr val="tx1"/>
+                </a:solidFill>
+                <a:latin typeface="Times New Roman" panose="02020603050405020304" pitchFamily="18" charset="0"/>
+                <a:cs typeface="Times New Roman" panose="02020603050405020304" pitchFamily="18" charset="0"/>
+              </a:rPr>
+              <a:t>	</a:t>
+            </a:r>
+            <a:r>
+              <a:rPr lang="pt-BR" sz="1800" dirty="0">
+                <a:solidFill>
+                  <a:schemeClr val="tx1"/>
+                </a:solidFill>
+                <a:latin typeface="Times New Roman" panose="02020603050405020304" pitchFamily="18" charset="0"/>
+                <a:cs typeface="Times New Roman" panose="02020603050405020304" pitchFamily="18" charset="0"/>
+                <a:hlinkClick r:id="rId4"/>
+              </a:rPr>
+              <a:t>https://teletime.com.br/19/10/2022/embratel-ve-parcerias-e-integracao-com-5g-como-o-futuro-de-produtos-corporativos/</a:t>
+            </a:r>
+            <a:r>
+              <a:rPr lang="pt-BR" sz="1800" dirty="0">
+                <a:solidFill>
+                  <a:schemeClr val="tx1"/>
+                </a:solidFill>
+                <a:latin typeface="Times New Roman" panose="02020603050405020304" pitchFamily="18" charset="0"/>
+                <a:cs typeface="Times New Roman" panose="02020603050405020304" pitchFamily="18" charset="0"/>
+              </a:rPr>
+              <a:t> </a:t>
+            </a:r>
           </a:p>
         </p:txBody>
       </p:sp>
     </p:spTree>
     <p:extLst>
       <p:ext uri="{BB962C8B-B14F-4D97-AF65-F5344CB8AC3E}">
-        <p14:creationId xmlns:p14="http://schemas.microsoft.com/office/powerpoint/2010/main" val="2747596967"/>
+        <p14:creationId xmlns:p14="http://schemas.microsoft.com/office/powerpoint/2010/main" val="48674203"/>
       </p:ext>
     </p:extLst>
   </p:cSld>
@@ -4943,7 +8988,7 @@
 </p:sld>
 </file>
 
-<file path=ppt/slides/slide6.xml><?xml version="1.0" encoding="utf-8"?>
+<file path=ppt/slides/slide22.xml><?xml version="1.0" encoding="utf-8"?>
 <p:sld xmlns:a="http://schemas.openxmlformats.org/drawingml/2006/main" xmlns:r="http://schemas.openxmlformats.org/officeDocument/2006/relationships" xmlns:p="http://schemas.openxmlformats.org/presentationml/2006/main">
   <p:cSld>
     <p:spTree>
@@ -4988,7 +9033,7 @@
                   <a:srgbClr val="0070C0"/>
                 </a:solidFill>
               </a:rPr>
-              <a:t>Dinâmica</a:t>
+              <a:t>Leitura</a:t>
             </a:r>
             <a:r>
               <a:rPr lang="en-US" b="1" dirty="0">
@@ -4996,7 +9041,7 @@
                   <a:srgbClr val="0070C0"/>
                 </a:solidFill>
               </a:rPr>
-              <a:t>/</a:t>
+              <a:t> </a:t>
             </a:r>
             <a:r>
               <a:rPr lang="en-US" b="1" dirty="0" err="1">
@@ -5004,7 +9049,7 @@
                   <a:srgbClr val="0070C0"/>
                 </a:solidFill>
               </a:rPr>
-              <a:t>Atividades</a:t>
+              <a:t>Específica</a:t>
             </a:r>
             <a:endParaRPr lang="en-US" b="1" dirty="0">
               <a:solidFill>
@@ -5026,8 +9071,8 @@
         </p:nvSpPr>
         <p:spPr>
           <a:xfrm>
-            <a:off x="139472" y="1063230"/>
-            <a:ext cx="8865056" cy="3606305"/>
+            <a:off x="142865" y="1200151"/>
+            <a:ext cx="8865056" cy="3394472"/>
           </a:xfrm>
         </p:spPr>
         <p:txBody>
@@ -5040,18 +9085,67 @@
               <a:buNone/>
             </a:pPr>
             <a:r>
-              <a:rPr lang="pt-BR" sz="2400" dirty="0">
-                <a:latin typeface="Times New Roman" panose="02020603050405020304" pitchFamily="18" charset="0"/>
-                <a:cs typeface="Times New Roman" panose="02020603050405020304" pitchFamily="18" charset="0"/>
-              </a:rPr>
-              <a:t>Exercícios (Atividade Verificadora de Aprendizagem)</a:t>
+              <a:rPr lang="pt-BR" sz="2000" dirty="0">
+                <a:latin typeface="Times New Roman" panose="02020603050405020304" pitchFamily="18" charset="0"/>
+                <a:cs typeface="Times New Roman" panose="02020603050405020304" pitchFamily="18" charset="0"/>
+              </a:rPr>
+              <a:t>[1] </a:t>
+            </a:r>
+            <a:r>
+              <a:rPr lang="en-US" sz="2000" b="1" dirty="0">
+                <a:latin typeface="Times New Roman" panose="02020603050405020304" pitchFamily="18" charset="0"/>
+                <a:cs typeface="Times New Roman" panose="02020603050405020304" pitchFamily="18" charset="0"/>
+              </a:rPr>
+              <a:t>Managing the successful convergence of IT and OT</a:t>
+            </a:r>
+            <a:r>
+              <a:rPr lang="pt-BR" sz="2000" dirty="0">
+                <a:latin typeface="Times New Roman" panose="02020603050405020304" pitchFamily="18" charset="0"/>
+                <a:cs typeface="Times New Roman" panose="02020603050405020304" pitchFamily="18" charset="0"/>
+              </a:rPr>
+              <a:t>.</a:t>
             </a:r>
           </a:p>
           <a:p>
             <a:pPr marL="0" indent="0" algn="just">
               <a:buNone/>
             </a:pPr>
-            <a:endParaRPr lang="pt-BR" sz="2400">
+            <a:r>
+              <a:rPr lang="pt-BR" sz="2000" b="1" dirty="0">
+                <a:solidFill>
+                  <a:srgbClr val="FF0000"/>
+                </a:solidFill>
+                <a:latin typeface="Times New Roman" panose="02020603050405020304" pitchFamily="18" charset="0"/>
+                <a:cs typeface="Times New Roman" panose="02020603050405020304" pitchFamily="18" charset="0"/>
+              </a:rPr>
+              <a:t>Disponível em:</a:t>
+            </a:r>
+          </a:p>
+          <a:p>
+            <a:pPr marL="0" indent="0" algn="just">
+              <a:buNone/>
+            </a:pPr>
+            <a:r>
+              <a:rPr lang="pt-BR" sz="2000" dirty="0">
+                <a:latin typeface="Times New Roman" panose="02020603050405020304" pitchFamily="18" charset="0"/>
+                <a:cs typeface="Times New Roman" panose="02020603050405020304" pitchFamily="18" charset="0"/>
+                <a:hlinkClick r:id="rId3"/>
+              </a:rPr>
+              <a:t>https://www2.deloitte.com/content/dam/Deloitte/global/Documents/Risk/gx-deloitte-managing-the-successful-convergence-of-it-and-ot.pdf</a:t>
+            </a:r>
+            <a:r>
+              <a:rPr lang="pt-BR" sz="2000" dirty="0">
+                <a:latin typeface="Times New Roman" panose="02020603050405020304" pitchFamily="18" charset="0"/>
+                <a:cs typeface="Times New Roman" panose="02020603050405020304" pitchFamily="18" charset="0"/>
+              </a:rPr>
+              <a:t> </a:t>
+            </a:r>
+          </a:p>
+          <a:p>
+            <a:pPr marL="0" indent="0" algn="just">
+              <a:buNone/>
+            </a:pPr>
+            <a:endParaRPr lang="pt-BR" sz="2000" dirty="0">
               <a:latin typeface="Times New Roman" panose="02020603050405020304" pitchFamily="18" charset="0"/>
               <a:cs typeface="Times New Roman" panose="02020603050405020304" pitchFamily="18" charset="0"/>
             </a:endParaRPr>
@@ -5060,9 +9154,73 @@
             <a:pPr marL="0" indent="0" algn="just">
               <a:buNone/>
             </a:pPr>
-            <a:endParaRPr lang="pt-BR" sz="2400" dirty="0">
+            <a:r>
+              <a:rPr lang="pt-BR" sz="2000" dirty="0">
+                <a:latin typeface="Times New Roman" panose="02020603050405020304" pitchFamily="18" charset="0"/>
+                <a:cs typeface="Times New Roman" panose="02020603050405020304" pitchFamily="18" charset="0"/>
+              </a:rPr>
+              <a:t>[2] </a:t>
+            </a:r>
+            <a:r>
+              <a:rPr lang="pt-BR" sz="2000" b="1" dirty="0">
+                <a:latin typeface="Times New Roman" panose="02020603050405020304" pitchFamily="18" charset="0"/>
+                <a:cs typeface="Times New Roman" panose="02020603050405020304" pitchFamily="18" charset="0"/>
+              </a:rPr>
+              <a:t>A virada de chave representada pelas redes privativas de 5G</a:t>
+            </a:r>
+            <a:r>
+              <a:rPr lang="pt-BR" sz="2000" dirty="0">
+                <a:latin typeface="Times New Roman" panose="02020603050405020304" pitchFamily="18" charset="0"/>
+                <a:cs typeface="Times New Roman" panose="02020603050405020304" pitchFamily="18" charset="0"/>
+              </a:rPr>
+              <a:t>.</a:t>
+            </a:r>
+          </a:p>
+          <a:p>
+            <a:pPr marL="0" indent="0" algn="just">
+              <a:buNone/>
+            </a:pPr>
+            <a:r>
+              <a:rPr lang="pt-BR" sz="2000" b="1" dirty="0">
+                <a:solidFill>
+                  <a:srgbClr val="FF0000"/>
+                </a:solidFill>
+                <a:latin typeface="Times New Roman" panose="02020603050405020304" pitchFamily="18" charset="0"/>
+                <a:cs typeface="Times New Roman" panose="02020603050405020304" pitchFamily="18" charset="0"/>
+              </a:rPr>
+              <a:t>Disponível em: </a:t>
+            </a:r>
+            <a:r>
+              <a:rPr lang="pt-BR" sz="2000" dirty="0">
+                <a:latin typeface="Times New Roman" panose="02020603050405020304" pitchFamily="18" charset="0"/>
+                <a:cs typeface="Times New Roman" panose="02020603050405020304" pitchFamily="18" charset="0"/>
+                <a:hlinkClick r:id="rId4"/>
+              </a:rPr>
+              <a:t>https://teletime.com.br/28/04/2023/a-virada-de-chave-representada-pelas-redes-privativas-de-5g/</a:t>
+            </a:r>
+            <a:r>
+              <a:rPr lang="pt-BR" sz="2000" dirty="0">
+                <a:latin typeface="Times New Roman" panose="02020603050405020304" pitchFamily="18" charset="0"/>
+                <a:cs typeface="Times New Roman" panose="02020603050405020304" pitchFamily="18" charset="0"/>
+              </a:rPr>
+              <a:t> </a:t>
+            </a:r>
+          </a:p>
+          <a:p>
+            <a:pPr marL="0" indent="0" algn="just">
+              <a:buNone/>
+            </a:pPr>
+            <a:endParaRPr lang="pt-BR" sz="2000" dirty="0">
               <a:latin typeface="Times New Roman" panose="02020603050405020304" pitchFamily="18" charset="0"/>
               <a:cs typeface="Times New Roman" panose="02020603050405020304" pitchFamily="18" charset="0"/>
+            </a:endParaRPr>
+          </a:p>
+          <a:p>
+            <a:pPr marL="0" indent="0" algn="just">
+              <a:buNone/>
+            </a:pPr>
+            <a:endParaRPr lang="pt-BR" sz="2000" dirty="0">
+              <a:latin typeface="Calibri" panose="020F0502020204030204" pitchFamily="34" charset="0"/>
             </a:endParaRPr>
           </a:p>
         </p:txBody>
@@ -5070,7 +9228,7 @@
     </p:spTree>
     <p:extLst>
       <p:ext uri="{BB962C8B-B14F-4D97-AF65-F5344CB8AC3E}">
-        <p14:creationId xmlns:p14="http://schemas.microsoft.com/office/powerpoint/2010/main" val="1397642976"/>
+        <p14:creationId xmlns:p14="http://schemas.microsoft.com/office/powerpoint/2010/main" val="3680270425"/>
       </p:ext>
     </p:extLst>
   </p:cSld>
@@ -5081,7 +9239,7 @@
 </p:sld>
 </file>
 
-<file path=ppt/slides/slide7.xml><?xml version="1.0" encoding="utf-8"?>
+<file path=ppt/slides/slide23.xml><?xml version="1.0" encoding="utf-8"?>
 <p:sld xmlns:a="http://schemas.openxmlformats.org/drawingml/2006/main" xmlns:r="http://schemas.openxmlformats.org/officeDocument/2006/relationships" xmlns:p="http://schemas.openxmlformats.org/presentationml/2006/main">
   <p:cSld>
     <p:spTree>
@@ -5126,7 +9284,7 @@
                   <a:srgbClr val="0070C0"/>
                 </a:solidFill>
               </a:rPr>
-              <a:t>Referências</a:t>
+              <a:t>Aprenda</a:t>
             </a:r>
             <a:r>
               <a:rPr lang="en-US" b="1" dirty="0">
@@ -5134,21 +9292,8 @@
                   <a:srgbClr val="0070C0"/>
                 </a:solidFill>
               </a:rPr>
-              <a:t> </a:t>
-            </a:r>
-            <a:r>
-              <a:rPr lang="en-US" b="1" dirty="0" err="1">
-                <a:solidFill>
-                  <a:srgbClr val="0070C0"/>
-                </a:solidFill>
-              </a:rPr>
-              <a:t>Bibliográficas</a:t>
-            </a:r>
-            <a:endParaRPr lang="en-US" b="1" dirty="0">
-              <a:solidFill>
-                <a:srgbClr val="0070C0"/>
-              </a:solidFill>
-            </a:endParaRPr>
+              <a:t>+</a:t>
+            </a:r>
           </a:p>
         </p:txBody>
       </p:sp>
@@ -5164,8 +9309,8 @@
         </p:nvSpPr>
         <p:spPr>
           <a:xfrm>
-            <a:off x="142865" y="1200151"/>
-            <a:ext cx="8865056" cy="3394472"/>
+            <a:off x="142865" y="1139190"/>
+            <a:ext cx="8865056" cy="3737370"/>
           </a:xfrm>
         </p:spPr>
         <p:txBody>
@@ -5182,7 +9327,106 @@
                 <a:latin typeface="Times New Roman" panose="02020603050405020304" pitchFamily="18" charset="0"/>
                 <a:cs typeface="Times New Roman" panose="02020603050405020304" pitchFamily="18" charset="0"/>
               </a:rPr>
-              <a:t>[1] .</a:t>
+              <a:t>[1] </a:t>
+            </a:r>
+            <a:r>
+              <a:rPr lang="pt-BR" sz="2000" b="1" dirty="0">
+                <a:latin typeface="Times New Roman" panose="02020603050405020304" pitchFamily="18" charset="0"/>
+                <a:cs typeface="Times New Roman" panose="02020603050405020304" pitchFamily="18" charset="0"/>
+              </a:rPr>
+              <a:t>Solução </a:t>
+            </a:r>
+            <a:r>
+              <a:rPr lang="pt-BR" sz="2000" b="1" dirty="0" err="1">
+                <a:latin typeface="Times New Roman" panose="02020603050405020304" pitchFamily="18" charset="0"/>
+                <a:cs typeface="Times New Roman" panose="02020603050405020304" pitchFamily="18" charset="0"/>
+              </a:rPr>
+              <a:t>IoT</a:t>
+            </a:r>
+            <a:r>
+              <a:rPr lang="pt-BR" sz="2000" b="1" dirty="0">
+                <a:latin typeface="Times New Roman" panose="02020603050405020304" pitchFamily="18" charset="0"/>
+                <a:cs typeface="Times New Roman" panose="02020603050405020304" pitchFamily="18" charset="0"/>
+              </a:rPr>
+              <a:t> Industrial e </a:t>
+            </a:r>
+            <a:r>
+              <a:rPr lang="pt-BR" sz="2000" b="1" dirty="0" err="1">
+                <a:latin typeface="Times New Roman" panose="02020603050405020304" pitchFamily="18" charset="0"/>
+                <a:cs typeface="Times New Roman" panose="02020603050405020304" pitchFamily="18" charset="0"/>
+              </a:rPr>
+              <a:t>Telemedição</a:t>
+            </a:r>
+            <a:r>
+              <a:rPr lang="pt-BR" sz="2000" b="1" dirty="0">
+                <a:latin typeface="Times New Roman" panose="02020603050405020304" pitchFamily="18" charset="0"/>
+                <a:cs typeface="Times New Roman" panose="02020603050405020304" pitchFamily="18" charset="0"/>
+              </a:rPr>
+              <a:t> Cloud </a:t>
+            </a:r>
+            <a:r>
+              <a:rPr lang="pt-BR" sz="2000" b="1" dirty="0" err="1">
+                <a:latin typeface="Times New Roman" panose="02020603050405020304" pitchFamily="18" charset="0"/>
+                <a:cs typeface="Times New Roman" panose="02020603050405020304" pitchFamily="18" charset="0"/>
+              </a:rPr>
+              <a:t>Bridgemeter</a:t>
+            </a:r>
+            <a:r>
+              <a:rPr lang="pt-BR" sz="2000" dirty="0">
+                <a:latin typeface="Times New Roman" panose="02020603050405020304" pitchFamily="18" charset="0"/>
+                <a:cs typeface="Times New Roman" panose="02020603050405020304" pitchFamily="18" charset="0"/>
+              </a:rPr>
+              <a:t>.</a:t>
+            </a:r>
+          </a:p>
+          <a:p>
+            <a:pPr marL="0" indent="0" algn="just">
+              <a:buNone/>
+            </a:pPr>
+            <a:r>
+              <a:rPr lang="pt-BR" sz="2000" b="1" dirty="0">
+                <a:solidFill>
+                  <a:srgbClr val="FF0000"/>
+                </a:solidFill>
+                <a:latin typeface="Times New Roman" panose="02020603050405020304" pitchFamily="18" charset="0"/>
+                <a:cs typeface="Times New Roman" panose="02020603050405020304" pitchFamily="18" charset="0"/>
+              </a:rPr>
+              <a:t>Disponível em: </a:t>
+            </a:r>
+            <a:r>
+              <a:rPr lang="pt-BR" sz="2000" dirty="0">
+                <a:latin typeface="Times New Roman" panose="02020603050405020304" pitchFamily="18" charset="0"/>
+                <a:cs typeface="Times New Roman" panose="02020603050405020304" pitchFamily="18" charset="0"/>
+                <a:hlinkClick r:id="rId3"/>
+              </a:rPr>
+              <a:t>https://youtu.be/_DRb0kiJ7y4</a:t>
+            </a:r>
+            <a:r>
+              <a:rPr lang="pt-BR" sz="2000" dirty="0">
+                <a:latin typeface="Times New Roman" panose="02020603050405020304" pitchFamily="18" charset="0"/>
+                <a:cs typeface="Times New Roman" panose="02020603050405020304" pitchFamily="18" charset="0"/>
+              </a:rPr>
+              <a:t> </a:t>
+            </a:r>
+          </a:p>
+          <a:p>
+            <a:pPr marL="0" indent="0" algn="just">
+              <a:buNone/>
+            </a:pPr>
+            <a:r>
+              <a:rPr lang="pt-BR" sz="2000" dirty="0">
+                <a:latin typeface="Times New Roman" panose="02020603050405020304" pitchFamily="18" charset="0"/>
+                <a:cs typeface="Times New Roman" panose="02020603050405020304" pitchFamily="18" charset="0"/>
+                <a:hlinkClick r:id="rId4"/>
+              </a:rPr>
+              <a:t>https://www.abovenet.com.br/index.php/solucoes-1/monitoramento-e-interoperabilidade/ioticity-m2m-iot-cloud-2</a:t>
+            </a:r>
+            <a:r>
+              <a:rPr lang="pt-BR" sz="2000" dirty="0">
+                <a:latin typeface="Times New Roman" panose="02020603050405020304" pitchFamily="18" charset="0"/>
+                <a:cs typeface="Times New Roman" panose="02020603050405020304" pitchFamily="18" charset="0"/>
+              </a:rPr>
+              <a:t> </a:t>
             </a:r>
           </a:p>
           <a:p>
@@ -5206,10 +9450,112 @@
               <a:t>[2] </a:t>
             </a:r>
             <a:r>
+              <a:rPr lang="pt-BR" sz="2000" b="1" dirty="0">
+                <a:latin typeface="Times New Roman" panose="02020603050405020304" pitchFamily="18" charset="0"/>
+                <a:cs typeface="Times New Roman" panose="02020603050405020304" pitchFamily="18" charset="0"/>
+              </a:rPr>
+              <a:t>A Internet das Coisas está transformando negócios globais</a:t>
+            </a:r>
+          </a:p>
+          <a:p>
+            <a:pPr marL="0" indent="0" algn="just">
+              <a:buNone/>
+            </a:pPr>
+            <a:r>
+              <a:rPr lang="pt-BR" sz="2000" b="1" dirty="0">
+                <a:solidFill>
+                  <a:srgbClr val="FF0000"/>
+                </a:solidFill>
+                <a:latin typeface="Times New Roman" panose="02020603050405020304" pitchFamily="18" charset="0"/>
+                <a:cs typeface="Times New Roman" panose="02020603050405020304" pitchFamily="18" charset="0"/>
+              </a:rPr>
+              <a:t>Disponível em: </a:t>
+            </a:r>
+            <a:r>
               <a:rPr lang="pt-BR" sz="2000" dirty="0">
-                <a:latin typeface="Calibri" panose="020F0502020204030204" pitchFamily="34" charset="0"/>
-              </a:rPr>
-              <a:t>.</a:t>
+                <a:solidFill>
+                  <a:srgbClr val="FF0000"/>
+                </a:solidFill>
+                <a:latin typeface="Times New Roman" panose="02020603050405020304" pitchFamily="18" charset="0"/>
+                <a:cs typeface="Times New Roman" panose="02020603050405020304" pitchFamily="18" charset="0"/>
+                <a:hlinkClick r:id="rId5"/>
+              </a:rPr>
+              <a:t>https://youtu.be/FpT4XoqVBbE</a:t>
+            </a:r>
+            <a:r>
+              <a:rPr lang="pt-BR" sz="2000" b="1" dirty="0">
+                <a:solidFill>
+                  <a:srgbClr val="FF0000"/>
+                </a:solidFill>
+                <a:latin typeface="Times New Roman" panose="02020603050405020304" pitchFamily="18" charset="0"/>
+                <a:cs typeface="Times New Roman" panose="02020603050405020304" pitchFamily="18" charset="0"/>
+              </a:rPr>
+              <a:t> </a:t>
+            </a:r>
+          </a:p>
+          <a:p>
+            <a:pPr marL="0" indent="0" algn="just">
+              <a:buNone/>
+            </a:pPr>
+            <a:endParaRPr lang="pt-BR" sz="2000" b="1" dirty="0">
+              <a:solidFill>
+                <a:srgbClr val="FF0000"/>
+              </a:solidFill>
+              <a:latin typeface="Times New Roman" panose="02020603050405020304" pitchFamily="18" charset="0"/>
+              <a:cs typeface="Times New Roman" panose="02020603050405020304" pitchFamily="18" charset="0"/>
+            </a:endParaRPr>
+          </a:p>
+          <a:p>
+            <a:pPr marL="0" indent="0" algn="just">
+              <a:buNone/>
+            </a:pPr>
+            <a:r>
+              <a:rPr lang="pt-BR" sz="2000" dirty="0">
+                <a:latin typeface="Times New Roman" panose="02020603050405020304" pitchFamily="18" charset="0"/>
+                <a:cs typeface="Times New Roman" panose="02020603050405020304" pitchFamily="18" charset="0"/>
+              </a:rPr>
+              <a:t>[3] </a:t>
+            </a:r>
+            <a:r>
+              <a:rPr lang="pt-BR" sz="2000" b="1" dirty="0">
+                <a:latin typeface="Times New Roman" panose="02020603050405020304" pitchFamily="18" charset="0"/>
+                <a:cs typeface="Times New Roman" panose="02020603050405020304" pitchFamily="18" charset="0"/>
+              </a:rPr>
+              <a:t>Cloud </a:t>
+            </a:r>
+            <a:r>
+              <a:rPr lang="pt-BR" sz="2000" b="1" dirty="0" err="1">
+                <a:latin typeface="Times New Roman" panose="02020603050405020304" pitchFamily="18" charset="0"/>
+                <a:cs typeface="Times New Roman" panose="02020603050405020304" pitchFamily="18" charset="0"/>
+              </a:rPr>
+              <a:t>Computing</a:t>
+            </a:r>
+            <a:endParaRPr lang="pt-BR" sz="2000" b="1" dirty="0">
+              <a:solidFill>
+                <a:srgbClr val="FF0000"/>
+              </a:solidFill>
+              <a:latin typeface="Times New Roman" panose="02020603050405020304" pitchFamily="18" charset="0"/>
+              <a:cs typeface="Times New Roman" panose="02020603050405020304" pitchFamily="18" charset="0"/>
+            </a:endParaRPr>
+          </a:p>
+          <a:p>
+            <a:pPr marL="0" indent="0" algn="just">
+              <a:buNone/>
+            </a:pPr>
+            <a:r>
+              <a:rPr lang="pt-BR" sz="2000" dirty="0">
+                <a:latin typeface="Times New Roman" panose="02020603050405020304" pitchFamily="18" charset="0"/>
+                <a:cs typeface="Times New Roman" panose="02020603050405020304" pitchFamily="18" charset="0"/>
+                <a:hlinkClick r:id="rId6"/>
+              </a:rPr>
+              <a:t>https://blog.xpeducacao.com.br/cloud-computing/</a:t>
+            </a:r>
+            <a:r>
+              <a:rPr lang="pt-BR" sz="2000" dirty="0">
+                <a:latin typeface="Times New Roman" panose="02020603050405020304" pitchFamily="18" charset="0"/>
+                <a:cs typeface="Times New Roman" panose="02020603050405020304" pitchFamily="18" charset="0"/>
+              </a:rPr>
+              <a:t> </a:t>
             </a:r>
           </a:p>
           <a:p>
@@ -5217,18 +9563,710 @@
               <a:buNone/>
             </a:pPr>
             <a:endParaRPr lang="pt-BR" sz="2000" dirty="0">
-              <a:latin typeface="Calibri" panose="020F0502020204030204" pitchFamily="34" charset="0"/>
+              <a:latin typeface="Times New Roman" panose="02020603050405020304" pitchFamily="18" charset="0"/>
+              <a:cs typeface="Times New Roman" panose="02020603050405020304" pitchFamily="18" charset="0"/>
             </a:endParaRPr>
           </a:p>
+        </p:txBody>
+      </p:sp>
+    </p:spTree>
+    <p:extLst>
+      <p:ext uri="{BB962C8B-B14F-4D97-AF65-F5344CB8AC3E}">
+        <p14:creationId xmlns:p14="http://schemas.microsoft.com/office/powerpoint/2010/main" val="2747596967"/>
+      </p:ext>
+    </p:extLst>
+  </p:cSld>
+  <p:clrMapOvr>
+    <a:masterClrMapping/>
+  </p:clrMapOvr>
+  <p:transition spd="med"/>
+</p:sld>
+</file>
+
+<file path=ppt/slides/slide24.xml><?xml version="1.0" encoding="utf-8"?>
+<p:sld xmlns:a="http://schemas.openxmlformats.org/drawingml/2006/main" xmlns:r="http://schemas.openxmlformats.org/officeDocument/2006/relationships" xmlns:p="http://schemas.openxmlformats.org/presentationml/2006/main">
+  <p:cSld>
+    <p:spTree>
+      <p:nvGrpSpPr>
+        <p:cNvPr id="1" name=""/>
+        <p:cNvGrpSpPr/>
+        <p:nvPr/>
+      </p:nvGrpSpPr>
+      <p:grpSpPr>
+        <a:xfrm>
+          <a:off x="0" y="0"/>
+          <a:ext cx="0" cy="0"/>
+          <a:chOff x="0" y="0"/>
+          <a:chExt cx="0" cy="0"/>
+        </a:xfrm>
+      </p:grpSpPr>
+      <p:sp>
+        <p:nvSpPr>
+          <p:cNvPr id="6" name="Title 1"/>
+          <p:cNvSpPr>
+            <a:spLocks noGrp="1"/>
+          </p:cNvSpPr>
+          <p:nvPr>
+            <p:ph type="title"/>
+          </p:nvPr>
+        </p:nvSpPr>
+        <p:spPr>
+          <a:xfrm>
+            <a:off x="457200" y="205980"/>
+            <a:ext cx="8229600" cy="857251"/>
+          </a:xfrm>
+        </p:spPr>
+        <p:txBody>
+          <a:bodyPr>
+            <a:normAutofit/>
+          </a:bodyPr>
+          <a:lstStyle/>
+          <a:p>
+            <a:r>
+              <a:rPr lang="en-US" b="1" dirty="0" err="1">
+                <a:solidFill>
+                  <a:srgbClr val="0070C0"/>
+                </a:solidFill>
+              </a:rPr>
+              <a:t>Dinâmica</a:t>
+            </a:r>
+            <a:r>
+              <a:rPr lang="en-US" b="1" dirty="0">
+                <a:solidFill>
+                  <a:srgbClr val="0070C0"/>
+                </a:solidFill>
+              </a:rPr>
+              <a:t>/</a:t>
+            </a:r>
+            <a:r>
+              <a:rPr lang="en-US" b="1" dirty="0" err="1">
+                <a:solidFill>
+                  <a:srgbClr val="0070C0"/>
+                </a:solidFill>
+              </a:rPr>
+              <a:t>Atividades</a:t>
+            </a:r>
+            <a:endParaRPr lang="en-US" b="1" dirty="0">
+              <a:solidFill>
+                <a:srgbClr val="0070C0"/>
+              </a:solidFill>
+            </a:endParaRPr>
+          </a:p>
+        </p:txBody>
+      </p:sp>
+      <p:sp>
+        <p:nvSpPr>
+          <p:cNvPr id="8" name="Text Placeholder 2"/>
+          <p:cNvSpPr>
+            <a:spLocks noGrp="1"/>
+          </p:cNvSpPr>
+          <p:nvPr>
+            <p:ph type="body" sz="half" idx="1"/>
+          </p:nvPr>
+        </p:nvSpPr>
+        <p:spPr>
+          <a:xfrm>
+            <a:off x="139472" y="1063230"/>
+            <a:ext cx="8865056" cy="3874290"/>
+          </a:xfrm>
+        </p:spPr>
+        <p:txBody>
+          <a:bodyPr>
+            <a:noAutofit/>
+          </a:bodyPr>
+          <a:lstStyle/>
           <a:p>
             <a:pPr marL="0" indent="0" algn="just">
               <a:buNone/>
             </a:pPr>
             <a:r>
+              <a:rPr lang="pt-BR" sz="2000" b="1" dirty="0">
+                <a:solidFill>
+                  <a:srgbClr val="FF0000"/>
+                </a:solidFill>
+                <a:latin typeface="Times New Roman" panose="02020603050405020304" pitchFamily="18" charset="0"/>
+                <a:cs typeface="Times New Roman" panose="02020603050405020304" pitchFamily="18" charset="0"/>
+              </a:rPr>
+              <a:t>Quiz</a:t>
+            </a:r>
+          </a:p>
+          <a:p>
+            <a:pPr marL="0" indent="0" algn="just">
+              <a:buNone/>
+            </a:pPr>
+            <a:r>
               <a:rPr lang="pt-BR" sz="2000" dirty="0">
-                <a:latin typeface="Calibri" panose="020F0502020204030204" pitchFamily="34" charset="0"/>
-              </a:rPr>
-              <a:t>[3] .</a:t>
+                <a:latin typeface="Times New Roman" panose="02020603050405020304" pitchFamily="18" charset="0"/>
+                <a:cs typeface="Times New Roman" panose="02020603050405020304" pitchFamily="18" charset="0"/>
+              </a:rPr>
+              <a:t>		</a:t>
+            </a:r>
+            <a:r>
+              <a:rPr lang="pt-BR" sz="2000" dirty="0">
+                <a:latin typeface="Times New Roman" panose="02020603050405020304" pitchFamily="18" charset="0"/>
+                <a:cs typeface="Times New Roman" panose="02020603050405020304" pitchFamily="18" charset="0"/>
+                <a:hlinkClick r:id="rId3"/>
+              </a:rPr>
+              <a:t>https://quizizz.com/admin/quiz/60f78466d39a67001f78953a/iot-cloud-computing</a:t>
+            </a:r>
+            <a:r>
+              <a:rPr lang="pt-BR" sz="2000" dirty="0">
+                <a:latin typeface="Times New Roman" panose="02020603050405020304" pitchFamily="18" charset="0"/>
+                <a:cs typeface="Times New Roman" panose="02020603050405020304" pitchFamily="18" charset="0"/>
+              </a:rPr>
+              <a:t> </a:t>
+            </a:r>
+          </a:p>
+          <a:p>
+            <a:pPr marL="0" indent="0" algn="just">
+              <a:buNone/>
+            </a:pPr>
+            <a:endParaRPr lang="pt-BR" sz="2000" dirty="0">
+              <a:latin typeface="Times New Roman" panose="02020603050405020304" pitchFamily="18" charset="0"/>
+              <a:cs typeface="Times New Roman" panose="02020603050405020304" pitchFamily="18" charset="0"/>
+            </a:endParaRPr>
+          </a:p>
+          <a:p>
+            <a:pPr marL="0" indent="0" algn="just">
+              <a:buNone/>
+            </a:pPr>
+            <a:r>
+              <a:rPr lang="pt-BR" sz="2000" dirty="0">
+                <a:latin typeface="Times New Roman" panose="02020603050405020304" pitchFamily="18" charset="0"/>
+                <a:cs typeface="Times New Roman" panose="02020603050405020304" pitchFamily="18" charset="0"/>
+              </a:rPr>
+              <a:t>		</a:t>
+            </a:r>
+            <a:r>
+              <a:rPr lang="pt-BR" sz="2000" dirty="0">
+                <a:latin typeface="Times New Roman" panose="02020603050405020304" pitchFamily="18" charset="0"/>
+                <a:cs typeface="Times New Roman" panose="02020603050405020304" pitchFamily="18" charset="0"/>
+                <a:hlinkClick r:id="rId4"/>
+              </a:rPr>
+              <a:t>https://www.surveymonkey.com/r/D78ZYG5</a:t>
+            </a:r>
+            <a:r>
+              <a:rPr lang="pt-BR" sz="2000" dirty="0">
+                <a:latin typeface="Times New Roman" panose="02020603050405020304" pitchFamily="18" charset="0"/>
+                <a:cs typeface="Times New Roman" panose="02020603050405020304" pitchFamily="18" charset="0"/>
+              </a:rPr>
+              <a:t> (não precisa informa o e-mail)</a:t>
+            </a:r>
+          </a:p>
+          <a:p>
+            <a:pPr marL="0" indent="0" algn="just">
+              <a:buNone/>
+            </a:pPr>
+            <a:endParaRPr lang="pt-BR" sz="2000" dirty="0">
+              <a:latin typeface="Times New Roman" panose="02020603050405020304" pitchFamily="18" charset="0"/>
+              <a:cs typeface="Times New Roman" panose="02020603050405020304" pitchFamily="18" charset="0"/>
+            </a:endParaRPr>
+          </a:p>
+          <a:p>
+            <a:pPr marL="0" indent="0" algn="just">
+              <a:buNone/>
+            </a:pPr>
+            <a:r>
+              <a:rPr lang="pt-BR" sz="2000" b="1" dirty="0">
+                <a:solidFill>
+                  <a:srgbClr val="FF0000"/>
+                </a:solidFill>
+                <a:latin typeface="Times New Roman" panose="02020603050405020304" pitchFamily="18" charset="0"/>
+                <a:cs typeface="Times New Roman" panose="02020603050405020304" pitchFamily="18" charset="0"/>
+              </a:rPr>
+              <a:t>Arduino Python </a:t>
+            </a:r>
+            <a:r>
+              <a:rPr lang="pt-BR" sz="2000" b="1" dirty="0" err="1">
+                <a:solidFill>
+                  <a:srgbClr val="FF0000"/>
+                </a:solidFill>
+                <a:latin typeface="Times New Roman" panose="02020603050405020304" pitchFamily="18" charset="0"/>
+                <a:cs typeface="Times New Roman" panose="02020603050405020304" pitchFamily="18" charset="0"/>
+              </a:rPr>
+              <a:t>IoT</a:t>
+            </a:r>
+            <a:r>
+              <a:rPr lang="pt-BR" sz="2000" b="1" dirty="0">
+                <a:solidFill>
+                  <a:srgbClr val="FF0000"/>
+                </a:solidFill>
+                <a:latin typeface="Times New Roman" panose="02020603050405020304" pitchFamily="18" charset="0"/>
+                <a:cs typeface="Times New Roman" panose="02020603050405020304" pitchFamily="18" charset="0"/>
+              </a:rPr>
+              <a:t> Central</a:t>
+            </a:r>
+            <a:r>
+              <a:rPr lang="pt-BR" sz="2000" dirty="0">
+                <a:latin typeface="Times New Roman" panose="02020603050405020304" pitchFamily="18" charset="0"/>
+                <a:cs typeface="Times New Roman" panose="02020603050405020304" pitchFamily="18" charset="0"/>
+              </a:rPr>
+              <a:t>			</a:t>
+            </a:r>
+          </a:p>
+          <a:p>
+            <a:pPr marL="0" indent="0" algn="just">
+              <a:buNone/>
+            </a:pPr>
+            <a:r>
+              <a:rPr lang="pt-BR" sz="2000" dirty="0">
+                <a:latin typeface="Times New Roman" panose="02020603050405020304" pitchFamily="18" charset="0"/>
+                <a:cs typeface="Times New Roman" panose="02020603050405020304" pitchFamily="18" charset="0"/>
+              </a:rPr>
+              <a:t>		</a:t>
+            </a:r>
+            <a:r>
+              <a:rPr lang="pt-BR" sz="2000" dirty="0">
+                <a:latin typeface="Times New Roman" panose="02020603050405020304" pitchFamily="18" charset="0"/>
+                <a:cs typeface="Times New Roman" panose="02020603050405020304" pitchFamily="18" charset="0"/>
+                <a:hlinkClick r:id="rId5"/>
+              </a:rPr>
+              <a:t>https://youtu.be/eo9i6B4XHjc</a:t>
+            </a:r>
+            <a:r>
+              <a:rPr lang="pt-BR" sz="2000" dirty="0">
+                <a:latin typeface="Times New Roman" panose="02020603050405020304" pitchFamily="18" charset="0"/>
+                <a:cs typeface="Times New Roman" panose="02020603050405020304" pitchFamily="18" charset="0"/>
+              </a:rPr>
+              <a:t> </a:t>
+            </a:r>
+          </a:p>
+          <a:p>
+            <a:pPr marL="0" indent="0" algn="just">
+              <a:buNone/>
+            </a:pPr>
+            <a:endParaRPr lang="pt-BR" sz="2000" dirty="0">
+              <a:latin typeface="Times New Roman" panose="02020603050405020304" pitchFamily="18" charset="0"/>
+              <a:cs typeface="Times New Roman" panose="02020603050405020304" pitchFamily="18" charset="0"/>
+            </a:endParaRPr>
+          </a:p>
+          <a:p>
+            <a:pPr marL="0" indent="0" algn="just">
+              <a:buNone/>
+            </a:pPr>
+            <a:endParaRPr lang="pt-BR" sz="2000" dirty="0">
+              <a:latin typeface="Times New Roman" panose="02020603050405020304" pitchFamily="18" charset="0"/>
+              <a:cs typeface="Times New Roman" panose="02020603050405020304" pitchFamily="18" charset="0"/>
+            </a:endParaRPr>
+          </a:p>
+          <a:p>
+            <a:pPr marL="0" indent="0" algn="just">
+              <a:buNone/>
+            </a:pPr>
+            <a:endParaRPr lang="pt-BR" sz="2000" dirty="0">
+              <a:latin typeface="Times New Roman" panose="02020603050405020304" pitchFamily="18" charset="0"/>
+              <a:cs typeface="Times New Roman" panose="02020603050405020304" pitchFamily="18" charset="0"/>
+            </a:endParaRPr>
+          </a:p>
+          <a:p>
+            <a:pPr marL="0" indent="0" algn="just">
+              <a:buNone/>
+            </a:pPr>
+            <a:endParaRPr lang="pt-BR" sz="2000" dirty="0">
+              <a:latin typeface="Times New Roman" panose="02020603050405020304" pitchFamily="18" charset="0"/>
+              <a:cs typeface="Times New Roman" panose="02020603050405020304" pitchFamily="18" charset="0"/>
+            </a:endParaRPr>
+          </a:p>
+          <a:p>
+            <a:pPr marL="0" indent="0" algn="just">
+              <a:buNone/>
+            </a:pPr>
+            <a:endParaRPr lang="pt-BR" sz="2000" dirty="0">
+              <a:latin typeface="Times New Roman" panose="02020603050405020304" pitchFamily="18" charset="0"/>
+              <a:cs typeface="Times New Roman" panose="02020603050405020304" pitchFamily="18" charset="0"/>
+            </a:endParaRPr>
+          </a:p>
+        </p:txBody>
+      </p:sp>
+    </p:spTree>
+    <p:extLst>
+      <p:ext uri="{BB962C8B-B14F-4D97-AF65-F5344CB8AC3E}">
+        <p14:creationId xmlns:p14="http://schemas.microsoft.com/office/powerpoint/2010/main" val="1397642976"/>
+      </p:ext>
+    </p:extLst>
+  </p:cSld>
+  <p:clrMapOvr>
+    <a:masterClrMapping/>
+  </p:clrMapOvr>
+  <p:transition spd="med"/>
+</p:sld>
+</file>
+
+<file path=ppt/slides/slide25.xml><?xml version="1.0" encoding="utf-8"?>
+<p:sld xmlns:a="http://schemas.openxmlformats.org/drawingml/2006/main" xmlns:r="http://schemas.openxmlformats.org/officeDocument/2006/relationships" xmlns:p="http://schemas.openxmlformats.org/presentationml/2006/main">
+  <p:cSld>
+    <p:spTree>
+      <p:nvGrpSpPr>
+        <p:cNvPr id="1" name=""/>
+        <p:cNvGrpSpPr/>
+        <p:nvPr/>
+      </p:nvGrpSpPr>
+      <p:grpSpPr>
+        <a:xfrm>
+          <a:off x="0" y="0"/>
+          <a:ext cx="0" cy="0"/>
+          <a:chOff x="0" y="0"/>
+          <a:chExt cx="0" cy="0"/>
+        </a:xfrm>
+      </p:grpSpPr>
+      <p:sp>
+        <p:nvSpPr>
+          <p:cNvPr id="6" name="Title 1"/>
+          <p:cNvSpPr>
+            <a:spLocks noGrp="1"/>
+          </p:cNvSpPr>
+          <p:nvPr>
+            <p:ph type="title"/>
+          </p:nvPr>
+        </p:nvSpPr>
+        <p:spPr>
+          <a:xfrm>
+            <a:off x="457200" y="205980"/>
+            <a:ext cx="8229600" cy="857251"/>
+          </a:xfrm>
+        </p:spPr>
+        <p:txBody>
+          <a:bodyPr>
+            <a:normAutofit/>
+          </a:bodyPr>
+          <a:lstStyle/>
+          <a:p>
+            <a:r>
+              <a:rPr lang="en-US" b="1" dirty="0" err="1">
+                <a:solidFill>
+                  <a:srgbClr val="0070C0"/>
+                </a:solidFill>
+              </a:rPr>
+              <a:t>Referências</a:t>
+            </a:r>
+            <a:r>
+              <a:rPr lang="en-US" b="1" dirty="0">
+                <a:solidFill>
+                  <a:srgbClr val="0070C0"/>
+                </a:solidFill>
+              </a:rPr>
+              <a:t> </a:t>
+            </a:r>
+            <a:r>
+              <a:rPr lang="en-US" b="1" dirty="0" err="1">
+                <a:solidFill>
+                  <a:srgbClr val="0070C0"/>
+                </a:solidFill>
+              </a:rPr>
+              <a:t>Bibliográficas</a:t>
+            </a:r>
+            <a:endParaRPr lang="en-US" b="1" dirty="0">
+              <a:solidFill>
+                <a:srgbClr val="0070C0"/>
+              </a:solidFill>
+            </a:endParaRPr>
+          </a:p>
+        </p:txBody>
+      </p:sp>
+      <p:sp>
+        <p:nvSpPr>
+          <p:cNvPr id="8" name="Text Placeholder 2"/>
+          <p:cNvSpPr>
+            <a:spLocks noGrp="1"/>
+          </p:cNvSpPr>
+          <p:nvPr>
+            <p:ph type="body" sz="half" idx="1"/>
+          </p:nvPr>
+        </p:nvSpPr>
+        <p:spPr>
+          <a:xfrm>
+            <a:off x="142865" y="1200150"/>
+            <a:ext cx="8865056" cy="3737369"/>
+          </a:xfrm>
+        </p:spPr>
+        <p:txBody>
+          <a:bodyPr>
+            <a:noAutofit/>
+          </a:bodyPr>
+          <a:lstStyle/>
+          <a:p>
+            <a:pPr marL="0" indent="0" algn="just">
+              <a:buNone/>
+            </a:pPr>
+            <a:r>
+              <a:rPr lang="pt-BR" sz="2000" dirty="0">
+                <a:latin typeface="Times New Roman" panose="02020603050405020304" pitchFamily="18" charset="0"/>
+                <a:cs typeface="Times New Roman" panose="02020603050405020304" pitchFamily="18" charset="0"/>
+              </a:rPr>
+              <a:t>[1] </a:t>
+            </a:r>
+            <a:r>
+              <a:rPr lang="pt-BR" sz="2000" b="1" dirty="0">
+                <a:solidFill>
+                  <a:srgbClr val="FF0000"/>
+                </a:solidFill>
+                <a:latin typeface="Times New Roman" panose="02020603050405020304" pitchFamily="18" charset="0"/>
+                <a:cs typeface="Times New Roman" panose="02020603050405020304" pitchFamily="18" charset="0"/>
+              </a:rPr>
+              <a:t>COLOMBO, </a:t>
+            </a:r>
+            <a:r>
+              <a:rPr lang="pt-BR" sz="2000" b="1" dirty="0" err="1">
+                <a:solidFill>
+                  <a:srgbClr val="FF0000"/>
+                </a:solidFill>
+                <a:latin typeface="Times New Roman" panose="02020603050405020304" pitchFamily="18" charset="0"/>
+                <a:cs typeface="Times New Roman" panose="02020603050405020304" pitchFamily="18" charset="0"/>
+              </a:rPr>
+              <a:t>Jamires</a:t>
+            </a:r>
+            <a:r>
+              <a:rPr lang="pt-BR" sz="2000" b="1" dirty="0">
+                <a:solidFill>
+                  <a:srgbClr val="FF0000"/>
+                </a:solidFill>
+                <a:latin typeface="Times New Roman" panose="02020603050405020304" pitchFamily="18" charset="0"/>
+                <a:cs typeface="Times New Roman" panose="02020603050405020304" pitchFamily="18" charset="0"/>
+              </a:rPr>
+              <a:t> Fátima; DE LUCCA FILHO, João</a:t>
+            </a:r>
+            <a:r>
+              <a:rPr lang="pt-BR" sz="2000" dirty="0">
+                <a:latin typeface="Times New Roman" panose="02020603050405020304" pitchFamily="18" charset="0"/>
+                <a:cs typeface="Times New Roman" panose="02020603050405020304" pitchFamily="18" charset="0"/>
+              </a:rPr>
+              <a:t>. INTERNET DAS COISAS (</a:t>
+            </a:r>
+            <a:r>
+              <a:rPr lang="pt-BR" sz="2000" dirty="0" err="1">
+                <a:latin typeface="Times New Roman" panose="02020603050405020304" pitchFamily="18" charset="0"/>
+                <a:cs typeface="Times New Roman" panose="02020603050405020304" pitchFamily="18" charset="0"/>
+              </a:rPr>
+              <a:t>IoT</a:t>
+            </a:r>
+            <a:r>
+              <a:rPr lang="pt-BR" sz="2000" dirty="0">
+                <a:latin typeface="Times New Roman" panose="02020603050405020304" pitchFamily="18" charset="0"/>
+                <a:cs typeface="Times New Roman" panose="02020603050405020304" pitchFamily="18" charset="0"/>
+              </a:rPr>
+              <a:t>) E INDÚSTRIA 4.0: revolucionando o mundo dos negócios. Revista Interface Tecnológica, v. 15, n. 2, p. 72-85, 2018.</a:t>
+            </a:r>
+          </a:p>
+          <a:p>
+            <a:pPr marL="0" indent="0" algn="just">
+              <a:buNone/>
+            </a:pPr>
+            <a:endParaRPr lang="pt-BR" sz="2000" dirty="0">
+              <a:latin typeface="Times New Roman" panose="02020603050405020304" pitchFamily="18" charset="0"/>
+              <a:cs typeface="Times New Roman" panose="02020603050405020304" pitchFamily="18" charset="0"/>
+            </a:endParaRPr>
+          </a:p>
+          <a:p>
+            <a:pPr marL="0" indent="0" algn="just">
+              <a:buNone/>
+            </a:pPr>
+            <a:r>
+              <a:rPr lang="pt-BR" sz="2000" dirty="0">
+                <a:latin typeface="Times New Roman" panose="02020603050405020304" pitchFamily="18" charset="0"/>
+                <a:cs typeface="Times New Roman" panose="02020603050405020304" pitchFamily="18" charset="0"/>
+              </a:rPr>
+              <a:t>[2] </a:t>
+            </a:r>
+            <a:r>
+              <a:rPr lang="pt-BR" sz="2000" b="1" dirty="0">
+                <a:solidFill>
+                  <a:srgbClr val="FF0000"/>
+                </a:solidFill>
+                <a:latin typeface="Times New Roman" panose="02020603050405020304" pitchFamily="18" charset="0"/>
+                <a:cs typeface="Times New Roman" panose="02020603050405020304" pitchFamily="18" charset="0"/>
+              </a:rPr>
+              <a:t>PELOZO, Amanda Lopes; OLIVERO, </a:t>
+            </a:r>
+            <a:r>
+              <a:rPr lang="pt-BR" sz="2000" b="1" dirty="0" err="1">
+                <a:solidFill>
+                  <a:srgbClr val="FF0000"/>
+                </a:solidFill>
+                <a:latin typeface="Times New Roman" panose="02020603050405020304" pitchFamily="18" charset="0"/>
+                <a:cs typeface="Times New Roman" panose="02020603050405020304" pitchFamily="18" charset="0"/>
+              </a:rPr>
+              <a:t>Cainan</a:t>
+            </a:r>
+            <a:r>
+              <a:rPr lang="pt-BR" sz="2000" b="1" dirty="0">
+                <a:solidFill>
+                  <a:srgbClr val="FF0000"/>
+                </a:solidFill>
+                <a:latin typeface="Times New Roman" panose="02020603050405020304" pitchFamily="18" charset="0"/>
+                <a:cs typeface="Times New Roman" panose="02020603050405020304" pitchFamily="18" charset="0"/>
+              </a:rPr>
+              <a:t> Silva</a:t>
+            </a:r>
+            <a:r>
+              <a:rPr lang="pt-BR" sz="2000" dirty="0">
+                <a:latin typeface="Times New Roman" panose="02020603050405020304" pitchFamily="18" charset="0"/>
+                <a:cs typeface="Times New Roman" panose="02020603050405020304" pitchFamily="18" charset="0"/>
+              </a:rPr>
+              <a:t>. Estudo sobre a integração de </a:t>
+            </a:r>
+            <a:r>
+              <a:rPr lang="pt-BR" sz="2000" dirty="0" err="1">
+                <a:latin typeface="Times New Roman" panose="02020603050405020304" pitchFamily="18" charset="0"/>
+                <a:cs typeface="Times New Roman" panose="02020603050405020304" pitchFamily="18" charset="0"/>
+              </a:rPr>
+              <a:t>IoT</a:t>
+            </a:r>
+            <a:r>
+              <a:rPr lang="pt-BR" sz="2000" dirty="0">
+                <a:latin typeface="Times New Roman" panose="02020603050405020304" pitchFamily="18" charset="0"/>
+                <a:cs typeface="Times New Roman" panose="02020603050405020304" pitchFamily="18" charset="0"/>
+              </a:rPr>
+              <a:t> e cloud </a:t>
+            </a:r>
+            <a:r>
+              <a:rPr lang="pt-BR" sz="2000" dirty="0" err="1">
+                <a:latin typeface="Times New Roman" panose="02020603050405020304" pitchFamily="18" charset="0"/>
+                <a:cs typeface="Times New Roman" panose="02020603050405020304" pitchFamily="18" charset="0"/>
+              </a:rPr>
+              <a:t>computing</a:t>
+            </a:r>
+            <a:r>
+              <a:rPr lang="pt-BR" sz="2000" dirty="0">
+                <a:latin typeface="Times New Roman" panose="02020603050405020304" pitchFamily="18" charset="0"/>
+                <a:cs typeface="Times New Roman" panose="02020603050405020304" pitchFamily="18" charset="0"/>
+              </a:rPr>
+              <a:t> para ambientes residenciais. 2020.</a:t>
+            </a:r>
+          </a:p>
+          <a:p>
+            <a:pPr marL="0" indent="0" algn="just">
+              <a:buNone/>
+            </a:pPr>
+            <a:endParaRPr lang="pt-BR" sz="2000" dirty="0">
+              <a:latin typeface="Times New Roman" panose="02020603050405020304" pitchFamily="18" charset="0"/>
+              <a:cs typeface="Times New Roman" panose="02020603050405020304" pitchFamily="18" charset="0"/>
+            </a:endParaRPr>
+          </a:p>
+          <a:p>
+            <a:pPr marL="0" indent="0" algn="just">
+              <a:buNone/>
+            </a:pPr>
+            <a:r>
+              <a:rPr lang="pt-BR" sz="2000" dirty="0">
+                <a:latin typeface="Times New Roman" panose="02020603050405020304" pitchFamily="18" charset="0"/>
+                <a:cs typeface="Times New Roman" panose="02020603050405020304" pitchFamily="18" charset="0"/>
+              </a:rPr>
+              <a:t>[3] </a:t>
+            </a:r>
+            <a:r>
+              <a:rPr lang="pt-BR" sz="2000" b="1" dirty="0">
+                <a:solidFill>
+                  <a:srgbClr val="FF0000"/>
+                </a:solidFill>
+                <a:latin typeface="Times New Roman" panose="02020603050405020304" pitchFamily="18" charset="0"/>
+                <a:cs typeface="Times New Roman" panose="02020603050405020304" pitchFamily="18" charset="0"/>
+              </a:rPr>
+              <a:t>MODESTO, Wanderson et al</a:t>
+            </a:r>
+            <a:r>
+              <a:rPr lang="pt-BR" sz="2000" dirty="0">
+                <a:latin typeface="Times New Roman" panose="02020603050405020304" pitchFamily="18" charset="0"/>
+                <a:cs typeface="Times New Roman" panose="02020603050405020304" pitchFamily="18" charset="0"/>
+              </a:rPr>
+              <a:t>. Sg2iot-uma arquitetura para </a:t>
+            </a:r>
+            <a:r>
+              <a:rPr lang="pt-BR" sz="2000" dirty="0" err="1">
+                <a:latin typeface="Times New Roman" panose="02020603050405020304" pitchFamily="18" charset="0"/>
+                <a:cs typeface="Times New Roman" panose="02020603050405020304" pitchFamily="18" charset="0"/>
+              </a:rPr>
+              <a:t>integracao</a:t>
+            </a:r>
+            <a:r>
+              <a:rPr lang="pt-BR" sz="2000" dirty="0">
+                <a:latin typeface="Times New Roman" panose="02020603050405020304" pitchFamily="18" charset="0"/>
+                <a:cs typeface="Times New Roman" panose="02020603050405020304" pitchFamily="18" charset="0"/>
+              </a:rPr>
+              <a:t> de dispositivos </a:t>
+            </a:r>
+            <a:r>
+              <a:rPr lang="pt-BR" sz="2000" dirty="0" err="1">
+                <a:latin typeface="Times New Roman" panose="02020603050405020304" pitchFamily="18" charset="0"/>
+                <a:cs typeface="Times New Roman" panose="02020603050405020304" pitchFamily="18" charset="0"/>
+              </a:rPr>
+              <a:t>eletricos</a:t>
+            </a:r>
+            <a:r>
+              <a:rPr lang="pt-BR" sz="2000" dirty="0">
+                <a:latin typeface="Times New Roman" panose="02020603050405020304" pitchFamily="18" charset="0"/>
+                <a:cs typeface="Times New Roman" panose="02020603050405020304" pitchFamily="18" charset="0"/>
+              </a:rPr>
+              <a:t> inteligentes de abordagem legada em sistemas </a:t>
+            </a:r>
+            <a:r>
+              <a:rPr lang="pt-BR" sz="2000" dirty="0" err="1">
+                <a:latin typeface="Times New Roman" panose="02020603050405020304" pitchFamily="18" charset="0"/>
+                <a:cs typeface="Times New Roman" panose="02020603050405020304" pitchFamily="18" charset="0"/>
+              </a:rPr>
+              <a:t>smart</a:t>
+            </a:r>
+            <a:r>
+              <a:rPr lang="pt-BR" sz="2000" dirty="0">
+                <a:latin typeface="Times New Roman" panose="02020603050405020304" pitchFamily="18" charset="0"/>
+                <a:cs typeface="Times New Roman" panose="02020603050405020304" pitchFamily="18" charset="0"/>
+              </a:rPr>
+              <a:t> grid baseados na </a:t>
+            </a:r>
+            <a:r>
+              <a:rPr lang="pt-BR" sz="2000" dirty="0" err="1">
+                <a:latin typeface="Times New Roman" panose="02020603050405020304" pitchFamily="18" charset="0"/>
+                <a:cs typeface="Times New Roman" panose="02020603050405020304" pitchFamily="18" charset="0"/>
+              </a:rPr>
+              <a:t>iot</a:t>
+            </a:r>
+            <a:r>
+              <a:rPr lang="pt-BR" sz="2000" dirty="0">
+                <a:latin typeface="Times New Roman" panose="02020603050405020304" pitchFamily="18" charset="0"/>
+                <a:cs typeface="Times New Roman" panose="02020603050405020304" pitchFamily="18" charset="0"/>
+              </a:rPr>
+              <a:t>. In: Anais do XIII </a:t>
+            </a:r>
+            <a:r>
+              <a:rPr lang="pt-BR" sz="2000" dirty="0" err="1">
+                <a:latin typeface="Times New Roman" panose="02020603050405020304" pitchFamily="18" charset="0"/>
+                <a:cs typeface="Times New Roman" panose="02020603050405020304" pitchFamily="18" charset="0"/>
+              </a:rPr>
+              <a:t>Simposio</a:t>
+            </a:r>
+            <a:r>
+              <a:rPr lang="pt-BR" sz="2000" dirty="0">
+                <a:latin typeface="Times New Roman" panose="02020603050405020304" pitchFamily="18" charset="0"/>
+                <a:cs typeface="Times New Roman" panose="02020603050405020304" pitchFamily="18" charset="0"/>
+              </a:rPr>
+              <a:t> Brasileiro de </a:t>
+            </a:r>
+            <a:r>
+              <a:rPr lang="pt-BR" sz="2000" dirty="0" err="1">
+                <a:latin typeface="Times New Roman" panose="02020603050405020304" pitchFamily="18" charset="0"/>
+                <a:cs typeface="Times New Roman" panose="02020603050405020304" pitchFamily="18" charset="0"/>
+              </a:rPr>
+              <a:t>Computacao</a:t>
+            </a:r>
+            <a:r>
+              <a:rPr lang="pt-BR" sz="2000" dirty="0">
+                <a:latin typeface="Times New Roman" panose="02020603050405020304" pitchFamily="18" charset="0"/>
+                <a:cs typeface="Times New Roman" panose="02020603050405020304" pitchFamily="18" charset="0"/>
+              </a:rPr>
+              <a:t> </a:t>
+            </a:r>
+            <a:r>
+              <a:rPr lang="pt-BR" sz="2000" dirty="0" err="1">
+                <a:latin typeface="Times New Roman" panose="02020603050405020304" pitchFamily="18" charset="0"/>
+                <a:cs typeface="Times New Roman" panose="02020603050405020304" pitchFamily="18" charset="0"/>
+              </a:rPr>
+              <a:t>Ubiqua</a:t>
+            </a:r>
+            <a:r>
+              <a:rPr lang="pt-BR" sz="2000" dirty="0">
+                <a:latin typeface="Times New Roman" panose="02020603050405020304" pitchFamily="18" charset="0"/>
+                <a:cs typeface="Times New Roman" panose="02020603050405020304" pitchFamily="18" charset="0"/>
+              </a:rPr>
+              <a:t> e Pervasiva. SBC, 2021. p. 31-40.</a:t>
             </a:r>
           </a:p>
         </p:txBody>
@@ -5247,7 +10285,7 @@
 </p:sld>
 </file>
 
-<file path=ppt/slides/slide8.xml><?xml version="1.0" encoding="utf-8"?>
+<file path=ppt/slides/slide26.xml><?xml version="1.0" encoding="utf-8"?>
 <p:sld xmlns:a="http://schemas.openxmlformats.org/drawingml/2006/main" xmlns:r="http://schemas.openxmlformats.org/officeDocument/2006/relationships" xmlns:p="http://schemas.openxmlformats.org/presentationml/2006/main">
   <p:cSld>
     <p:spTree>
@@ -5694,6 +10732,2257 @@
         </p:spPr>
       </p:pic>
     </p:spTree>
+  </p:cSld>
+  <p:clrMapOvr>
+    <a:masterClrMapping/>
+  </p:clrMapOvr>
+  <p:transition spd="med"/>
+</p:sld>
+</file>
+
+<file path=ppt/slides/slide3.xml><?xml version="1.0" encoding="utf-8"?>
+<p:sld xmlns:a="http://schemas.openxmlformats.org/drawingml/2006/main" xmlns:r="http://schemas.openxmlformats.org/officeDocument/2006/relationships" xmlns:p="http://schemas.openxmlformats.org/presentationml/2006/main">
+  <p:cSld>
+    <p:spTree>
+      <p:nvGrpSpPr>
+        <p:cNvPr id="1" name=""/>
+        <p:cNvGrpSpPr/>
+        <p:nvPr/>
+      </p:nvGrpSpPr>
+      <p:grpSpPr>
+        <a:xfrm>
+          <a:off x="0" y="0"/>
+          <a:ext cx="0" cy="0"/>
+          <a:chOff x="0" y="0"/>
+          <a:chExt cx="0" cy="0"/>
+        </a:xfrm>
+      </p:grpSpPr>
+      <p:sp>
+        <p:nvSpPr>
+          <p:cNvPr id="6" name="Title 1"/>
+          <p:cNvSpPr>
+            <a:spLocks noGrp="1"/>
+          </p:cNvSpPr>
+          <p:nvPr>
+            <p:ph type="title"/>
+          </p:nvPr>
+        </p:nvSpPr>
+        <p:spPr>
+          <a:xfrm>
+            <a:off x="457200" y="205980"/>
+            <a:ext cx="8229600" cy="857251"/>
+          </a:xfrm>
+        </p:spPr>
+        <p:txBody>
+          <a:bodyPr>
+            <a:normAutofit fontScale="90000"/>
+          </a:bodyPr>
+          <a:lstStyle/>
+          <a:p>
+            <a:r>
+              <a:rPr lang="pt-BR" b="1" dirty="0">
+                <a:solidFill>
+                  <a:srgbClr val="0070C0"/>
+                </a:solidFill>
+              </a:rPr>
+              <a:t>Integração Cloud </a:t>
+            </a:r>
+            <a:r>
+              <a:rPr lang="pt-BR" b="1" dirty="0" err="1">
+                <a:solidFill>
+                  <a:srgbClr val="0070C0"/>
+                </a:solidFill>
+              </a:rPr>
+              <a:t>IoT</a:t>
+            </a:r>
+            <a:r>
+              <a:rPr lang="pt-BR" b="1" dirty="0">
+                <a:solidFill>
+                  <a:srgbClr val="0070C0"/>
+                </a:solidFill>
+              </a:rPr>
+              <a:t> – Características</a:t>
+            </a:r>
+            <a:endParaRPr lang="en-US" b="1" dirty="0">
+              <a:solidFill>
+                <a:srgbClr val="0070C0"/>
+              </a:solidFill>
+            </a:endParaRPr>
+          </a:p>
+        </p:txBody>
+      </p:sp>
+      <p:sp>
+        <p:nvSpPr>
+          <p:cNvPr id="8" name="Text Placeholder 2"/>
+          <p:cNvSpPr>
+            <a:spLocks noGrp="1"/>
+          </p:cNvSpPr>
+          <p:nvPr>
+            <p:ph type="body" sz="half" idx="1"/>
+          </p:nvPr>
+        </p:nvSpPr>
+        <p:spPr>
+          <a:xfrm>
+            <a:off x="142865" y="1200150"/>
+            <a:ext cx="8865056" cy="3737370"/>
+          </a:xfrm>
+        </p:spPr>
+        <p:txBody>
+          <a:bodyPr>
+            <a:noAutofit/>
+          </a:bodyPr>
+          <a:lstStyle/>
+          <a:p>
+            <a:pPr marL="0" indent="0" algn="just">
+              <a:buNone/>
+            </a:pPr>
+            <a:r>
+              <a:rPr lang="pt-BR" sz="2000" dirty="0">
+                <a:solidFill>
+                  <a:schemeClr val="tx1"/>
+                </a:solidFill>
+                <a:latin typeface="Times New Roman" panose="02020603050405020304" pitchFamily="18" charset="0"/>
+                <a:cs typeface="Times New Roman" panose="02020603050405020304" pitchFamily="18" charset="0"/>
+              </a:rPr>
+              <a:t>A empresa </a:t>
+            </a:r>
+            <a:r>
+              <a:rPr lang="pt-BR" sz="2000" b="1" dirty="0">
+                <a:solidFill>
+                  <a:schemeClr val="tx1"/>
+                </a:solidFill>
+                <a:latin typeface="Times New Roman" panose="02020603050405020304" pitchFamily="18" charset="0"/>
+                <a:cs typeface="Times New Roman" panose="02020603050405020304" pitchFamily="18" charset="0"/>
+              </a:rPr>
+              <a:t>Gartner</a:t>
+            </a:r>
+            <a:r>
+              <a:rPr lang="pt-BR" sz="2000" dirty="0">
+                <a:solidFill>
+                  <a:schemeClr val="tx1"/>
+                </a:solidFill>
+                <a:latin typeface="Times New Roman" panose="02020603050405020304" pitchFamily="18" charset="0"/>
+                <a:cs typeface="Times New Roman" panose="02020603050405020304" pitchFamily="18" charset="0"/>
+              </a:rPr>
+              <a:t>, define </a:t>
+            </a:r>
+            <a:r>
+              <a:rPr lang="pt-BR" sz="2000" dirty="0" err="1">
+                <a:solidFill>
+                  <a:schemeClr val="tx1"/>
+                </a:solidFill>
+                <a:latin typeface="Times New Roman" panose="02020603050405020304" pitchFamily="18" charset="0"/>
+                <a:cs typeface="Times New Roman" panose="02020603050405020304" pitchFamily="18" charset="0"/>
+              </a:rPr>
+              <a:t>IoT</a:t>
+            </a:r>
+            <a:r>
+              <a:rPr lang="pt-BR" sz="2000" dirty="0">
+                <a:solidFill>
+                  <a:schemeClr val="tx1"/>
+                </a:solidFill>
+                <a:latin typeface="Times New Roman" panose="02020603050405020304" pitchFamily="18" charset="0"/>
+                <a:cs typeface="Times New Roman" panose="02020603050405020304" pitchFamily="18" charset="0"/>
+              </a:rPr>
+              <a:t> como “a rede de objetos físicos que contém tecnologia incorporada para comunicar e sentir ou interagir com seus estados internos e/ou com o ambiente externo”.</a:t>
+            </a:r>
+          </a:p>
+          <a:p>
+            <a:pPr marL="0" indent="0" algn="just">
+              <a:buNone/>
+            </a:pPr>
+            <a:endParaRPr lang="pt-BR" sz="2000" dirty="0">
+              <a:solidFill>
+                <a:schemeClr val="tx1"/>
+              </a:solidFill>
+              <a:latin typeface="Times New Roman" panose="02020603050405020304" pitchFamily="18" charset="0"/>
+              <a:cs typeface="Times New Roman" panose="02020603050405020304" pitchFamily="18" charset="0"/>
+            </a:endParaRPr>
+          </a:p>
+          <a:p>
+            <a:pPr marL="0" indent="0" algn="just">
+              <a:buNone/>
+            </a:pPr>
+            <a:r>
+              <a:rPr lang="pt-BR" sz="2000" dirty="0">
+                <a:solidFill>
+                  <a:schemeClr val="tx1"/>
+                </a:solidFill>
+                <a:latin typeface="Times New Roman" panose="02020603050405020304" pitchFamily="18" charset="0"/>
+                <a:cs typeface="Times New Roman" panose="02020603050405020304" pitchFamily="18" charset="0"/>
+              </a:rPr>
+              <a:t>Em uma escala mais ampla, com a conexão extrema, poderemos chegar às tão desejadas "</a:t>
+            </a:r>
+            <a:r>
+              <a:rPr lang="pt-BR" sz="2000" b="1" dirty="0">
+                <a:solidFill>
+                  <a:schemeClr val="tx1"/>
+                </a:solidFill>
+                <a:latin typeface="Times New Roman" panose="02020603050405020304" pitchFamily="18" charset="0"/>
+                <a:cs typeface="Times New Roman" panose="02020603050405020304" pitchFamily="18" charset="0"/>
+              </a:rPr>
+              <a:t>cidades inteligentes</a:t>
+            </a:r>
+            <a:r>
+              <a:rPr lang="pt-BR" sz="2000" dirty="0">
+                <a:solidFill>
+                  <a:schemeClr val="tx1"/>
+                </a:solidFill>
+                <a:latin typeface="Times New Roman" panose="02020603050405020304" pitchFamily="18" charset="0"/>
+                <a:cs typeface="Times New Roman" panose="02020603050405020304" pitchFamily="18" charset="0"/>
+              </a:rPr>
+              <a:t>", que podem reduzir desperdícios, organizar o trânsito e melhorar a eficiência do uso de combustíveis.</a:t>
+            </a:r>
+          </a:p>
+          <a:p>
+            <a:pPr marL="0" indent="0" algn="just">
+              <a:buNone/>
+            </a:pPr>
+            <a:endParaRPr lang="pt-BR" sz="2000" dirty="0">
+              <a:solidFill>
+                <a:schemeClr val="tx1"/>
+              </a:solidFill>
+              <a:latin typeface="Times New Roman" panose="02020603050405020304" pitchFamily="18" charset="0"/>
+              <a:cs typeface="Times New Roman" panose="02020603050405020304" pitchFamily="18" charset="0"/>
+            </a:endParaRPr>
+          </a:p>
+          <a:p>
+            <a:pPr marL="0" indent="0" algn="just">
+              <a:buNone/>
+            </a:pPr>
+            <a:r>
+              <a:rPr lang="pt-BR" sz="2000" dirty="0">
+                <a:solidFill>
+                  <a:schemeClr val="tx1"/>
+                </a:solidFill>
+                <a:latin typeface="Times New Roman" panose="02020603050405020304" pitchFamily="18" charset="0"/>
+                <a:cs typeface="Times New Roman" panose="02020603050405020304" pitchFamily="18" charset="0"/>
+              </a:rPr>
+              <a:t>Basicamente, eles usam </a:t>
+            </a:r>
+            <a:r>
+              <a:rPr lang="pt-BR" sz="2000" b="1" dirty="0">
+                <a:solidFill>
+                  <a:srgbClr val="FF0000"/>
+                </a:solidFill>
+                <a:latin typeface="Times New Roman" panose="02020603050405020304" pitchFamily="18" charset="0"/>
+                <a:cs typeface="Times New Roman" panose="02020603050405020304" pitchFamily="18" charset="0"/>
+              </a:rPr>
+              <a:t>hardware</a:t>
+            </a:r>
+            <a:r>
+              <a:rPr lang="pt-BR" sz="2000" dirty="0">
+                <a:solidFill>
+                  <a:schemeClr val="tx1"/>
+                </a:solidFill>
+                <a:latin typeface="Times New Roman" panose="02020603050405020304" pitchFamily="18" charset="0"/>
+                <a:cs typeface="Times New Roman" panose="02020603050405020304" pitchFamily="18" charset="0"/>
+              </a:rPr>
+              <a:t> e </a:t>
+            </a:r>
+            <a:r>
+              <a:rPr lang="pt-BR" sz="2000" b="1" dirty="0">
+                <a:solidFill>
+                  <a:srgbClr val="FF0000"/>
+                </a:solidFill>
+                <a:latin typeface="Times New Roman" panose="02020603050405020304" pitchFamily="18" charset="0"/>
+                <a:cs typeface="Times New Roman" panose="02020603050405020304" pitchFamily="18" charset="0"/>
+              </a:rPr>
+              <a:t>software</a:t>
+            </a:r>
+            <a:r>
+              <a:rPr lang="pt-BR" sz="2000" dirty="0">
+                <a:solidFill>
+                  <a:schemeClr val="tx1"/>
+                </a:solidFill>
+                <a:latin typeface="Times New Roman" panose="02020603050405020304" pitchFamily="18" charset="0"/>
+                <a:cs typeface="Times New Roman" panose="02020603050405020304" pitchFamily="18" charset="0"/>
+              </a:rPr>
+              <a:t> </a:t>
+            </a:r>
+            <a:r>
+              <a:rPr lang="pt-BR" sz="2000" b="1" dirty="0">
+                <a:solidFill>
+                  <a:schemeClr val="tx1"/>
+                </a:solidFill>
+                <a:latin typeface="Times New Roman" panose="02020603050405020304" pitchFamily="18" charset="0"/>
+                <a:cs typeface="Times New Roman" panose="02020603050405020304" pitchFamily="18" charset="0"/>
+              </a:rPr>
+              <a:t>integrados</a:t>
+            </a:r>
+            <a:r>
+              <a:rPr lang="pt-BR" sz="2000" dirty="0">
+                <a:solidFill>
+                  <a:schemeClr val="tx1"/>
+                </a:solidFill>
+                <a:latin typeface="Times New Roman" panose="02020603050405020304" pitchFamily="18" charset="0"/>
+                <a:cs typeface="Times New Roman" panose="02020603050405020304" pitchFamily="18" charset="0"/>
+              </a:rPr>
+              <a:t> para </a:t>
+            </a:r>
+            <a:r>
+              <a:rPr lang="pt-BR" sz="2000" b="1" dirty="0">
+                <a:solidFill>
+                  <a:srgbClr val="FF0000"/>
+                </a:solidFill>
+                <a:latin typeface="Times New Roman" panose="02020603050405020304" pitchFamily="18" charset="0"/>
+                <a:cs typeface="Times New Roman" panose="02020603050405020304" pitchFamily="18" charset="0"/>
+              </a:rPr>
+              <a:t>enviar</a:t>
+            </a:r>
+            <a:r>
+              <a:rPr lang="pt-BR" sz="2000" dirty="0">
+                <a:solidFill>
+                  <a:schemeClr val="tx1"/>
+                </a:solidFill>
+                <a:latin typeface="Times New Roman" panose="02020603050405020304" pitchFamily="18" charset="0"/>
+                <a:cs typeface="Times New Roman" panose="02020603050405020304" pitchFamily="18" charset="0"/>
+              </a:rPr>
+              <a:t> e </a:t>
+            </a:r>
+            <a:r>
+              <a:rPr lang="pt-BR" sz="2000" b="1" dirty="0">
+                <a:solidFill>
+                  <a:srgbClr val="FF0000"/>
+                </a:solidFill>
+                <a:latin typeface="Times New Roman" panose="02020603050405020304" pitchFamily="18" charset="0"/>
+                <a:cs typeface="Times New Roman" panose="02020603050405020304" pitchFamily="18" charset="0"/>
+              </a:rPr>
+              <a:t>receber</a:t>
+            </a:r>
+            <a:r>
+              <a:rPr lang="pt-BR" sz="2000" dirty="0">
+                <a:solidFill>
+                  <a:schemeClr val="tx1"/>
+                </a:solidFill>
+                <a:latin typeface="Times New Roman" panose="02020603050405020304" pitchFamily="18" charset="0"/>
+                <a:cs typeface="Times New Roman" panose="02020603050405020304" pitchFamily="18" charset="0"/>
+              </a:rPr>
+              <a:t> </a:t>
+            </a:r>
+            <a:r>
+              <a:rPr lang="pt-BR" sz="2000" b="1" dirty="0">
+                <a:solidFill>
+                  <a:schemeClr val="tx1"/>
+                </a:solidFill>
+                <a:latin typeface="Times New Roman" panose="02020603050405020304" pitchFamily="18" charset="0"/>
+                <a:cs typeface="Times New Roman" panose="02020603050405020304" pitchFamily="18" charset="0"/>
+              </a:rPr>
+              <a:t>dados</a:t>
+            </a:r>
+            <a:r>
+              <a:rPr lang="pt-BR" sz="2000" dirty="0">
+                <a:solidFill>
+                  <a:schemeClr val="tx1"/>
+                </a:solidFill>
+                <a:latin typeface="Times New Roman" panose="02020603050405020304" pitchFamily="18" charset="0"/>
+                <a:cs typeface="Times New Roman" panose="02020603050405020304" pitchFamily="18" charset="0"/>
+              </a:rPr>
+              <a:t> por vários </a:t>
+            </a:r>
+            <a:r>
+              <a:rPr lang="pt-BR" sz="2000" b="1" dirty="0">
+                <a:solidFill>
+                  <a:schemeClr val="tx1"/>
+                </a:solidFill>
+                <a:latin typeface="Times New Roman" panose="02020603050405020304" pitchFamily="18" charset="0"/>
+                <a:cs typeface="Times New Roman" panose="02020603050405020304" pitchFamily="18" charset="0"/>
+              </a:rPr>
+              <a:t>protocolos de comunicação</a:t>
+            </a:r>
+            <a:r>
+              <a:rPr lang="pt-BR" sz="2000" dirty="0">
+                <a:solidFill>
+                  <a:schemeClr val="tx1"/>
+                </a:solidFill>
+                <a:latin typeface="Times New Roman" panose="02020603050405020304" pitchFamily="18" charset="0"/>
+                <a:cs typeface="Times New Roman" panose="02020603050405020304" pitchFamily="18" charset="0"/>
+              </a:rPr>
+              <a:t>.</a:t>
+            </a:r>
+          </a:p>
+        </p:txBody>
+      </p:sp>
+    </p:spTree>
+    <p:extLst>
+      <p:ext uri="{BB962C8B-B14F-4D97-AF65-F5344CB8AC3E}">
+        <p14:creationId xmlns:p14="http://schemas.microsoft.com/office/powerpoint/2010/main" val="1754424786"/>
+      </p:ext>
+    </p:extLst>
+  </p:cSld>
+  <p:clrMapOvr>
+    <a:masterClrMapping/>
+  </p:clrMapOvr>
+  <p:transition spd="med"/>
+</p:sld>
+</file>
+
+<file path=ppt/slides/slide4.xml><?xml version="1.0" encoding="utf-8"?>
+<p:sld xmlns:a="http://schemas.openxmlformats.org/drawingml/2006/main" xmlns:r="http://schemas.openxmlformats.org/officeDocument/2006/relationships" xmlns:p="http://schemas.openxmlformats.org/presentationml/2006/main">
+  <p:cSld>
+    <p:spTree>
+      <p:nvGrpSpPr>
+        <p:cNvPr id="1" name=""/>
+        <p:cNvGrpSpPr/>
+        <p:nvPr/>
+      </p:nvGrpSpPr>
+      <p:grpSpPr>
+        <a:xfrm>
+          <a:off x="0" y="0"/>
+          <a:ext cx="0" cy="0"/>
+          <a:chOff x="0" y="0"/>
+          <a:chExt cx="0" cy="0"/>
+        </a:xfrm>
+      </p:grpSpPr>
+      <p:sp>
+        <p:nvSpPr>
+          <p:cNvPr id="6" name="Title 1"/>
+          <p:cNvSpPr>
+            <a:spLocks noGrp="1"/>
+          </p:cNvSpPr>
+          <p:nvPr>
+            <p:ph type="title"/>
+          </p:nvPr>
+        </p:nvSpPr>
+        <p:spPr>
+          <a:xfrm>
+            <a:off x="457200" y="205980"/>
+            <a:ext cx="8229600" cy="857251"/>
+          </a:xfrm>
+        </p:spPr>
+        <p:txBody>
+          <a:bodyPr>
+            <a:normAutofit fontScale="90000"/>
+          </a:bodyPr>
+          <a:lstStyle/>
+          <a:p>
+            <a:r>
+              <a:rPr lang="pt-BR" b="1" dirty="0">
+                <a:solidFill>
+                  <a:srgbClr val="0070C0"/>
+                </a:solidFill>
+              </a:rPr>
+              <a:t>Integração Cloud </a:t>
+            </a:r>
+            <a:r>
+              <a:rPr lang="pt-BR" b="1" dirty="0" err="1">
+                <a:solidFill>
+                  <a:srgbClr val="0070C0"/>
+                </a:solidFill>
+              </a:rPr>
+              <a:t>IoT</a:t>
+            </a:r>
+            <a:r>
+              <a:rPr lang="pt-BR" b="1" dirty="0">
+                <a:solidFill>
+                  <a:srgbClr val="0070C0"/>
+                </a:solidFill>
+              </a:rPr>
+              <a:t> – Características</a:t>
+            </a:r>
+            <a:endParaRPr lang="en-US" b="1" dirty="0">
+              <a:solidFill>
+                <a:srgbClr val="0070C0"/>
+              </a:solidFill>
+            </a:endParaRPr>
+          </a:p>
+        </p:txBody>
+      </p:sp>
+      <p:sp>
+        <p:nvSpPr>
+          <p:cNvPr id="8" name="Text Placeholder 2"/>
+          <p:cNvSpPr>
+            <a:spLocks noGrp="1"/>
+          </p:cNvSpPr>
+          <p:nvPr>
+            <p:ph type="body" sz="half" idx="1"/>
+          </p:nvPr>
+        </p:nvSpPr>
+        <p:spPr>
+          <a:xfrm>
+            <a:off x="142865" y="1200150"/>
+            <a:ext cx="8865056" cy="3737370"/>
+          </a:xfrm>
+        </p:spPr>
+        <p:txBody>
+          <a:bodyPr>
+            <a:noAutofit/>
+          </a:bodyPr>
+          <a:lstStyle/>
+          <a:p>
+            <a:pPr marL="0" indent="0" algn="just">
+              <a:buNone/>
+            </a:pPr>
+            <a:r>
+              <a:rPr lang="pt-BR" sz="2000" dirty="0">
+                <a:solidFill>
+                  <a:schemeClr val="tx1"/>
+                </a:solidFill>
+                <a:latin typeface="Times New Roman" panose="02020603050405020304" pitchFamily="18" charset="0"/>
+                <a:cs typeface="Times New Roman" panose="02020603050405020304" pitchFamily="18" charset="0"/>
+              </a:rPr>
+              <a:t>Essas “coisas” </a:t>
+            </a:r>
+            <a:r>
+              <a:rPr lang="pt-BR" sz="2000" b="1" dirty="0">
+                <a:solidFill>
+                  <a:schemeClr val="tx1"/>
+                </a:solidFill>
+                <a:latin typeface="Times New Roman" panose="02020603050405020304" pitchFamily="18" charset="0"/>
+                <a:cs typeface="Times New Roman" panose="02020603050405020304" pitchFamily="18" charset="0"/>
+              </a:rPr>
+              <a:t>conectadas</a:t>
+            </a:r>
+            <a:r>
+              <a:rPr lang="pt-BR" sz="2000" dirty="0">
+                <a:solidFill>
+                  <a:schemeClr val="tx1"/>
+                </a:solidFill>
+                <a:latin typeface="Times New Roman" panose="02020603050405020304" pitchFamily="18" charset="0"/>
+                <a:cs typeface="Times New Roman" panose="02020603050405020304" pitchFamily="18" charset="0"/>
+              </a:rPr>
+              <a:t> podem, por exemplo, usar nossos </a:t>
+            </a:r>
+            <a:r>
+              <a:rPr lang="pt-BR" sz="2000" b="1" dirty="0">
+                <a:solidFill>
+                  <a:srgbClr val="FF0000"/>
+                </a:solidFill>
+                <a:latin typeface="Times New Roman" panose="02020603050405020304" pitchFamily="18" charset="0"/>
+                <a:cs typeface="Times New Roman" panose="02020603050405020304" pitchFamily="18" charset="0"/>
+              </a:rPr>
+              <a:t>smartphones</a:t>
+            </a:r>
+            <a:r>
+              <a:rPr lang="pt-BR" sz="2000" dirty="0">
+                <a:solidFill>
+                  <a:schemeClr val="tx1"/>
+                </a:solidFill>
+                <a:latin typeface="Times New Roman" panose="02020603050405020304" pitchFamily="18" charset="0"/>
+                <a:cs typeface="Times New Roman" panose="02020603050405020304" pitchFamily="18" charset="0"/>
+              </a:rPr>
+              <a:t> como </a:t>
+            </a:r>
+            <a:r>
+              <a:rPr lang="pt-BR" sz="2000" b="1" dirty="0">
+                <a:solidFill>
+                  <a:schemeClr val="tx1"/>
+                </a:solidFill>
+                <a:latin typeface="Times New Roman" panose="02020603050405020304" pitchFamily="18" charset="0"/>
+                <a:cs typeface="Times New Roman" panose="02020603050405020304" pitchFamily="18" charset="0"/>
+              </a:rPr>
+              <a:t>porta de entrada para a web</a:t>
+            </a:r>
+            <a:r>
+              <a:rPr lang="pt-BR" sz="2000" dirty="0">
+                <a:solidFill>
+                  <a:schemeClr val="tx1"/>
+                </a:solidFill>
+                <a:latin typeface="Times New Roman" panose="02020603050405020304" pitchFamily="18" charset="0"/>
+                <a:cs typeface="Times New Roman" panose="02020603050405020304" pitchFamily="18" charset="0"/>
+              </a:rPr>
+              <a:t>, </a:t>
+            </a:r>
+            <a:r>
+              <a:rPr lang="pt-BR" sz="2000" b="1" dirty="0">
+                <a:solidFill>
+                  <a:srgbClr val="FF0000"/>
+                </a:solidFill>
+                <a:latin typeface="Times New Roman" panose="02020603050405020304" pitchFamily="18" charset="0"/>
+                <a:cs typeface="Times New Roman" panose="02020603050405020304" pitchFamily="18" charset="0"/>
+              </a:rPr>
+              <a:t>conectar-se</a:t>
+            </a:r>
+            <a:r>
+              <a:rPr lang="pt-BR" sz="2000" dirty="0">
+                <a:solidFill>
+                  <a:schemeClr val="tx1"/>
+                </a:solidFill>
+                <a:latin typeface="Times New Roman" panose="02020603050405020304" pitchFamily="18" charset="0"/>
+                <a:cs typeface="Times New Roman" panose="02020603050405020304" pitchFamily="18" charset="0"/>
+              </a:rPr>
+              <a:t> a alguma outra </a:t>
+            </a:r>
+            <a:r>
+              <a:rPr lang="pt-BR" sz="2000" b="1" dirty="0">
+                <a:solidFill>
+                  <a:schemeClr val="tx1"/>
+                </a:solidFill>
+                <a:latin typeface="Times New Roman" panose="02020603050405020304" pitchFamily="18" charset="0"/>
+                <a:cs typeface="Times New Roman" panose="02020603050405020304" pitchFamily="18" charset="0"/>
+              </a:rPr>
+              <a:t>peça de hardware </a:t>
+            </a:r>
+            <a:r>
+              <a:rPr lang="pt-BR" sz="2000" dirty="0">
+                <a:solidFill>
+                  <a:schemeClr val="tx1"/>
+                </a:solidFill>
+                <a:latin typeface="Times New Roman" panose="02020603050405020304" pitchFamily="18" charset="0"/>
+                <a:cs typeface="Times New Roman" panose="02020603050405020304" pitchFamily="18" charset="0"/>
+              </a:rPr>
+              <a:t>em nossas casas, que atue como um hub, ou </a:t>
+            </a:r>
+            <a:r>
+              <a:rPr lang="pt-BR" sz="2000" b="1" dirty="0">
+                <a:solidFill>
+                  <a:srgbClr val="FF0000"/>
+                </a:solidFill>
+                <a:latin typeface="Times New Roman" panose="02020603050405020304" pitchFamily="18" charset="0"/>
+                <a:cs typeface="Times New Roman" panose="02020603050405020304" pitchFamily="18" charset="0"/>
+              </a:rPr>
+              <a:t>conectar-se</a:t>
+            </a:r>
+            <a:r>
+              <a:rPr lang="pt-BR" sz="2000" dirty="0">
+                <a:solidFill>
+                  <a:schemeClr val="tx1"/>
+                </a:solidFill>
+                <a:latin typeface="Times New Roman" panose="02020603050405020304" pitchFamily="18" charset="0"/>
+                <a:cs typeface="Times New Roman" panose="02020603050405020304" pitchFamily="18" charset="0"/>
+              </a:rPr>
+              <a:t> diretamente por meio do nosso </a:t>
+            </a:r>
+            <a:r>
+              <a:rPr lang="pt-BR" sz="2000" b="1" dirty="0">
+                <a:solidFill>
+                  <a:srgbClr val="FF0000"/>
+                </a:solidFill>
+                <a:latin typeface="Times New Roman" panose="02020603050405020304" pitchFamily="18" charset="0"/>
+                <a:cs typeface="Times New Roman" panose="02020603050405020304" pitchFamily="18" charset="0"/>
+              </a:rPr>
+              <a:t>Wi-Fi</a:t>
+            </a:r>
+            <a:r>
+              <a:rPr lang="pt-BR" sz="2000" dirty="0">
+                <a:solidFill>
+                  <a:schemeClr val="tx1"/>
+                </a:solidFill>
+                <a:latin typeface="Times New Roman" panose="02020603050405020304" pitchFamily="18" charset="0"/>
+                <a:cs typeface="Times New Roman" panose="02020603050405020304" pitchFamily="18" charset="0"/>
+              </a:rPr>
+              <a:t>.</a:t>
+            </a:r>
+          </a:p>
+          <a:p>
+            <a:pPr marL="0" indent="0" algn="just">
+              <a:buNone/>
+            </a:pPr>
+            <a:endParaRPr lang="pt-BR" sz="2000" dirty="0">
+              <a:solidFill>
+                <a:schemeClr val="tx1"/>
+              </a:solidFill>
+              <a:latin typeface="Times New Roman" panose="02020603050405020304" pitchFamily="18" charset="0"/>
+              <a:cs typeface="Times New Roman" panose="02020603050405020304" pitchFamily="18" charset="0"/>
+            </a:endParaRPr>
+          </a:p>
+          <a:p>
+            <a:pPr marL="0" indent="0" algn="just">
+              <a:buNone/>
+            </a:pPr>
+            <a:r>
+              <a:rPr lang="pt-BR" sz="2000" dirty="0">
+                <a:solidFill>
+                  <a:schemeClr val="tx1"/>
+                </a:solidFill>
+                <a:latin typeface="Times New Roman" panose="02020603050405020304" pitchFamily="18" charset="0"/>
+                <a:cs typeface="Times New Roman" panose="02020603050405020304" pitchFamily="18" charset="0"/>
+              </a:rPr>
+              <a:t>Os </a:t>
+            </a:r>
+            <a:r>
+              <a:rPr lang="pt-BR" sz="2000" b="1" dirty="0">
+                <a:solidFill>
+                  <a:schemeClr val="tx1"/>
+                </a:solidFill>
+                <a:latin typeface="Times New Roman" panose="02020603050405020304" pitchFamily="18" charset="0"/>
+                <a:cs typeface="Times New Roman" panose="02020603050405020304" pitchFamily="18" charset="0"/>
+              </a:rPr>
+              <a:t>dispositivos conectados </a:t>
+            </a:r>
+            <a:r>
+              <a:rPr lang="pt-BR" sz="2000" dirty="0">
+                <a:solidFill>
+                  <a:schemeClr val="tx1"/>
+                </a:solidFill>
+                <a:latin typeface="Times New Roman" panose="02020603050405020304" pitchFamily="18" charset="0"/>
+                <a:cs typeface="Times New Roman" panose="02020603050405020304" pitchFamily="18" charset="0"/>
+              </a:rPr>
+              <a:t>costumam </a:t>
+            </a:r>
+            <a:r>
+              <a:rPr lang="pt-BR" sz="2000" b="1" dirty="0">
+                <a:solidFill>
+                  <a:srgbClr val="FF0000"/>
+                </a:solidFill>
+                <a:latin typeface="Times New Roman" panose="02020603050405020304" pitchFamily="18" charset="0"/>
+                <a:cs typeface="Times New Roman" panose="02020603050405020304" pitchFamily="18" charset="0"/>
+              </a:rPr>
+              <a:t>enviar dados para servidores de computação em nuvem</a:t>
+            </a:r>
+            <a:r>
+              <a:rPr lang="pt-BR" sz="2000" dirty="0">
+                <a:solidFill>
+                  <a:schemeClr val="tx1"/>
+                </a:solidFill>
+                <a:latin typeface="Times New Roman" panose="02020603050405020304" pitchFamily="18" charset="0"/>
+                <a:cs typeface="Times New Roman" panose="02020603050405020304" pitchFamily="18" charset="0"/>
+              </a:rPr>
+              <a:t>, onde são agregados e analisados. </a:t>
+            </a:r>
+          </a:p>
+          <a:p>
+            <a:pPr marL="0" indent="0" algn="just">
+              <a:buNone/>
+            </a:pPr>
+            <a:endParaRPr lang="pt-BR" sz="2000" dirty="0">
+              <a:solidFill>
+                <a:schemeClr val="tx1"/>
+              </a:solidFill>
+              <a:latin typeface="Times New Roman" panose="02020603050405020304" pitchFamily="18" charset="0"/>
+              <a:cs typeface="Times New Roman" panose="02020603050405020304" pitchFamily="18" charset="0"/>
+            </a:endParaRPr>
+          </a:p>
+          <a:p>
+            <a:pPr marL="0" indent="0" algn="just">
+              <a:buNone/>
+            </a:pPr>
+            <a:r>
+              <a:rPr lang="pt-BR" sz="2000" dirty="0">
+                <a:solidFill>
+                  <a:schemeClr val="tx1"/>
+                </a:solidFill>
+                <a:latin typeface="Times New Roman" panose="02020603050405020304" pitchFamily="18" charset="0"/>
+                <a:cs typeface="Times New Roman" panose="02020603050405020304" pitchFamily="18" charset="0"/>
+              </a:rPr>
+              <a:t>Geralmente, podemos acessar os resultados por meio de aplicativos ou navegadores em nossos dispositivos móveis.</a:t>
+            </a:r>
+          </a:p>
+        </p:txBody>
+      </p:sp>
+    </p:spTree>
+    <p:extLst>
+      <p:ext uri="{BB962C8B-B14F-4D97-AF65-F5344CB8AC3E}">
+        <p14:creationId xmlns:p14="http://schemas.microsoft.com/office/powerpoint/2010/main" val="3563984790"/>
+      </p:ext>
+    </p:extLst>
+  </p:cSld>
+  <p:clrMapOvr>
+    <a:masterClrMapping/>
+  </p:clrMapOvr>
+  <p:transition spd="med"/>
+</p:sld>
+</file>
+
+<file path=ppt/slides/slide5.xml><?xml version="1.0" encoding="utf-8"?>
+<p:sld xmlns:a="http://schemas.openxmlformats.org/drawingml/2006/main" xmlns:r="http://schemas.openxmlformats.org/officeDocument/2006/relationships" xmlns:p="http://schemas.openxmlformats.org/presentationml/2006/main">
+  <p:cSld>
+    <p:spTree>
+      <p:nvGrpSpPr>
+        <p:cNvPr id="1" name=""/>
+        <p:cNvGrpSpPr/>
+        <p:nvPr/>
+      </p:nvGrpSpPr>
+      <p:grpSpPr>
+        <a:xfrm>
+          <a:off x="0" y="0"/>
+          <a:ext cx="0" cy="0"/>
+          <a:chOff x="0" y="0"/>
+          <a:chExt cx="0" cy="0"/>
+        </a:xfrm>
+      </p:grpSpPr>
+      <p:sp>
+        <p:nvSpPr>
+          <p:cNvPr id="6" name="Title 1"/>
+          <p:cNvSpPr>
+            <a:spLocks noGrp="1"/>
+          </p:cNvSpPr>
+          <p:nvPr>
+            <p:ph type="title"/>
+          </p:nvPr>
+        </p:nvSpPr>
+        <p:spPr>
+          <a:xfrm>
+            <a:off x="457200" y="205980"/>
+            <a:ext cx="8229600" cy="857251"/>
+          </a:xfrm>
+        </p:spPr>
+        <p:txBody>
+          <a:bodyPr>
+            <a:normAutofit fontScale="90000"/>
+          </a:bodyPr>
+          <a:lstStyle/>
+          <a:p>
+            <a:r>
+              <a:rPr lang="pt-BR" b="1" dirty="0">
+                <a:solidFill>
+                  <a:srgbClr val="0070C0"/>
+                </a:solidFill>
+              </a:rPr>
+              <a:t>Integração Cloud </a:t>
+            </a:r>
+            <a:r>
+              <a:rPr lang="pt-BR" b="1" dirty="0" err="1">
+                <a:solidFill>
+                  <a:srgbClr val="0070C0"/>
+                </a:solidFill>
+              </a:rPr>
+              <a:t>IoT</a:t>
+            </a:r>
+            <a:r>
+              <a:rPr lang="pt-BR" b="1" dirty="0">
+                <a:solidFill>
+                  <a:srgbClr val="0070C0"/>
+                </a:solidFill>
+              </a:rPr>
+              <a:t> – Características</a:t>
+            </a:r>
+            <a:endParaRPr lang="en-US" b="1" dirty="0">
+              <a:solidFill>
+                <a:srgbClr val="0070C0"/>
+              </a:solidFill>
+            </a:endParaRPr>
+          </a:p>
+        </p:txBody>
+      </p:sp>
+      <p:sp>
+        <p:nvSpPr>
+          <p:cNvPr id="8" name="Text Placeholder 2"/>
+          <p:cNvSpPr>
+            <a:spLocks noGrp="1"/>
+          </p:cNvSpPr>
+          <p:nvPr>
+            <p:ph type="body" sz="half" idx="1"/>
+          </p:nvPr>
+        </p:nvSpPr>
+        <p:spPr>
+          <a:xfrm>
+            <a:off x="142865" y="1200150"/>
+            <a:ext cx="8865056" cy="3737370"/>
+          </a:xfrm>
+        </p:spPr>
+        <p:txBody>
+          <a:bodyPr>
+            <a:noAutofit/>
+          </a:bodyPr>
+          <a:lstStyle/>
+          <a:p>
+            <a:pPr marL="0" indent="0" algn="just">
+              <a:buNone/>
+            </a:pPr>
+            <a:r>
+              <a:rPr lang="pt-BR" sz="2000" dirty="0">
+                <a:solidFill>
+                  <a:schemeClr val="tx1"/>
+                </a:solidFill>
+                <a:latin typeface="Times New Roman" panose="02020603050405020304" pitchFamily="18" charset="0"/>
+                <a:cs typeface="Times New Roman" panose="02020603050405020304" pitchFamily="18" charset="0"/>
+              </a:rPr>
+              <a:t>Os </a:t>
+            </a:r>
+            <a:r>
+              <a:rPr lang="pt-BR" sz="2000" b="1" dirty="0">
+                <a:solidFill>
+                  <a:schemeClr val="tx1"/>
+                </a:solidFill>
+                <a:latin typeface="Times New Roman" panose="02020603050405020304" pitchFamily="18" charset="0"/>
+                <a:cs typeface="Times New Roman" panose="02020603050405020304" pitchFamily="18" charset="0"/>
+              </a:rPr>
+              <a:t>dispositivos</a:t>
+            </a:r>
+            <a:r>
+              <a:rPr lang="pt-BR" sz="2000" dirty="0">
+                <a:solidFill>
+                  <a:schemeClr val="tx1"/>
+                </a:solidFill>
+                <a:latin typeface="Times New Roman" panose="02020603050405020304" pitchFamily="18" charset="0"/>
+                <a:cs typeface="Times New Roman" panose="02020603050405020304" pitchFamily="18" charset="0"/>
+              </a:rPr>
+              <a:t> são muitas vezes chamados de "</a:t>
+            </a:r>
+            <a:r>
+              <a:rPr lang="pt-BR" sz="2000" b="1" dirty="0">
+                <a:solidFill>
+                  <a:schemeClr val="tx1"/>
+                </a:solidFill>
+                <a:latin typeface="Times New Roman" panose="02020603050405020304" pitchFamily="18" charset="0"/>
+                <a:cs typeface="Times New Roman" panose="02020603050405020304" pitchFamily="18" charset="0"/>
+              </a:rPr>
+              <a:t>dispositivos inteligentes</a:t>
+            </a:r>
+            <a:r>
+              <a:rPr lang="pt-BR" sz="2000" dirty="0">
+                <a:solidFill>
+                  <a:schemeClr val="tx1"/>
+                </a:solidFill>
+                <a:latin typeface="Times New Roman" panose="02020603050405020304" pitchFamily="18" charset="0"/>
+                <a:cs typeface="Times New Roman" panose="02020603050405020304" pitchFamily="18" charset="0"/>
+              </a:rPr>
+              <a:t>" ou "</a:t>
+            </a:r>
+            <a:r>
+              <a:rPr lang="pt-BR" sz="2000" b="1" dirty="0">
+                <a:solidFill>
+                  <a:schemeClr val="tx1"/>
+                </a:solidFill>
+                <a:latin typeface="Times New Roman" panose="02020603050405020304" pitchFamily="18" charset="0"/>
+                <a:cs typeface="Times New Roman" panose="02020603050405020304" pitchFamily="18" charset="0"/>
+              </a:rPr>
+              <a:t>dispositivos conectados</a:t>
+            </a:r>
+            <a:r>
+              <a:rPr lang="pt-BR" sz="2000" dirty="0">
+                <a:solidFill>
+                  <a:schemeClr val="tx1"/>
+                </a:solidFill>
+                <a:latin typeface="Times New Roman" panose="02020603050405020304" pitchFamily="18" charset="0"/>
+                <a:cs typeface="Times New Roman" panose="02020603050405020304" pitchFamily="18" charset="0"/>
+              </a:rPr>
+              <a:t>". </a:t>
+            </a:r>
+          </a:p>
+          <a:p>
+            <a:pPr marL="0" indent="0" algn="just">
+              <a:buNone/>
+            </a:pPr>
+            <a:endParaRPr lang="pt-BR" sz="2000" dirty="0">
+              <a:solidFill>
+                <a:schemeClr val="tx1"/>
+              </a:solidFill>
+              <a:latin typeface="Times New Roman" panose="02020603050405020304" pitchFamily="18" charset="0"/>
+              <a:cs typeface="Times New Roman" panose="02020603050405020304" pitchFamily="18" charset="0"/>
+            </a:endParaRPr>
+          </a:p>
+          <a:p>
+            <a:pPr marL="0" indent="0" algn="just">
+              <a:buNone/>
+            </a:pPr>
+            <a:r>
+              <a:rPr lang="pt-BR" sz="2000" dirty="0">
+                <a:solidFill>
+                  <a:schemeClr val="tx1"/>
+                </a:solidFill>
+                <a:latin typeface="Times New Roman" panose="02020603050405020304" pitchFamily="18" charset="0"/>
+                <a:cs typeface="Times New Roman" panose="02020603050405020304" pitchFamily="18" charset="0"/>
+              </a:rPr>
+              <a:t>Eles comunicam dois tipos de dados: de </a:t>
+            </a:r>
+            <a:r>
+              <a:rPr lang="pt-BR" sz="2000" b="1" dirty="0">
+                <a:solidFill>
+                  <a:schemeClr val="tx1"/>
+                </a:solidFill>
+                <a:latin typeface="Times New Roman" panose="02020603050405020304" pitchFamily="18" charset="0"/>
+                <a:cs typeface="Times New Roman" panose="02020603050405020304" pitchFamily="18" charset="0"/>
+              </a:rPr>
+              <a:t>telemetria e de </a:t>
+            </a:r>
+            <a:r>
+              <a:rPr lang="pt-BR" sz="2000" b="1" dirty="0">
+                <a:solidFill>
+                  <a:srgbClr val="FF0000"/>
+                </a:solidFill>
+                <a:latin typeface="Times New Roman" panose="02020603050405020304" pitchFamily="18" charset="0"/>
+                <a:cs typeface="Times New Roman" panose="02020603050405020304" pitchFamily="18" charset="0"/>
+              </a:rPr>
+              <a:t>estado</a:t>
+            </a:r>
+            <a:r>
+              <a:rPr lang="pt-BR" sz="2000" dirty="0">
+                <a:solidFill>
+                  <a:schemeClr val="tx1"/>
+                </a:solidFill>
+                <a:latin typeface="Times New Roman" panose="02020603050405020304" pitchFamily="18" charset="0"/>
+                <a:cs typeface="Times New Roman" panose="02020603050405020304" pitchFamily="18" charset="0"/>
+              </a:rPr>
+              <a:t>.</a:t>
+            </a:r>
+          </a:p>
+          <a:p>
+            <a:pPr marL="0" indent="0" algn="just">
+              <a:buNone/>
+            </a:pPr>
+            <a:endParaRPr lang="pt-BR" sz="2000" dirty="0">
+              <a:solidFill>
+                <a:schemeClr val="tx1"/>
+              </a:solidFill>
+              <a:latin typeface="Times New Roman" panose="02020603050405020304" pitchFamily="18" charset="0"/>
+              <a:cs typeface="Times New Roman" panose="02020603050405020304" pitchFamily="18" charset="0"/>
+            </a:endParaRPr>
+          </a:p>
+          <a:p>
+            <a:pPr marL="0" indent="0" algn="just">
+              <a:buNone/>
+            </a:pPr>
+            <a:r>
+              <a:rPr lang="pt-BR" sz="2000" b="1" dirty="0">
+                <a:solidFill>
+                  <a:schemeClr val="tx1"/>
+                </a:solidFill>
+                <a:latin typeface="Times New Roman" panose="02020603050405020304" pitchFamily="18" charset="0"/>
+                <a:cs typeface="Times New Roman" panose="02020603050405020304" pitchFamily="18" charset="0"/>
+              </a:rPr>
+              <a:t>Telemetria</a:t>
+            </a:r>
+          </a:p>
+          <a:p>
+            <a:pPr marL="0" indent="0" algn="just">
+              <a:buNone/>
+            </a:pPr>
+            <a:endParaRPr lang="pt-BR" sz="2000" dirty="0">
+              <a:solidFill>
+                <a:schemeClr val="tx1"/>
+              </a:solidFill>
+              <a:latin typeface="Times New Roman" panose="02020603050405020304" pitchFamily="18" charset="0"/>
+              <a:cs typeface="Times New Roman" panose="02020603050405020304" pitchFamily="18" charset="0"/>
+            </a:endParaRPr>
+          </a:p>
+          <a:p>
+            <a:pPr marL="0" indent="0" algn="just">
+              <a:buNone/>
+            </a:pPr>
+            <a:r>
+              <a:rPr lang="pt-BR" sz="2000" dirty="0">
+                <a:solidFill>
+                  <a:schemeClr val="tx1"/>
+                </a:solidFill>
+                <a:latin typeface="Times New Roman" panose="02020603050405020304" pitchFamily="18" charset="0"/>
+                <a:cs typeface="Times New Roman" panose="02020603050405020304" pitchFamily="18" charset="0"/>
+              </a:rPr>
+              <a:t>Todos os </a:t>
+            </a:r>
+            <a:r>
+              <a:rPr lang="pt-BR" sz="2000" b="1" dirty="0">
+                <a:solidFill>
+                  <a:srgbClr val="FF0000"/>
+                </a:solidFill>
+                <a:latin typeface="Times New Roman" panose="02020603050405020304" pitchFamily="18" charset="0"/>
+                <a:cs typeface="Times New Roman" panose="02020603050405020304" pitchFamily="18" charset="0"/>
+              </a:rPr>
+              <a:t>dados de eventos</a:t>
+            </a:r>
+            <a:r>
+              <a:rPr lang="pt-BR" sz="2000" dirty="0">
+                <a:solidFill>
+                  <a:schemeClr val="tx1"/>
+                </a:solidFill>
+                <a:latin typeface="Times New Roman" panose="02020603050405020304" pitchFamily="18" charset="0"/>
+                <a:cs typeface="Times New Roman" panose="02020603050405020304" pitchFamily="18" charset="0"/>
+              </a:rPr>
+              <a:t> (como </a:t>
+            </a:r>
+            <a:r>
+              <a:rPr lang="pt-BR" sz="2000" b="1" dirty="0">
+                <a:solidFill>
+                  <a:schemeClr val="tx1"/>
+                </a:solidFill>
+                <a:latin typeface="Times New Roman" panose="02020603050405020304" pitchFamily="18" charset="0"/>
+                <a:cs typeface="Times New Roman" panose="02020603050405020304" pitchFamily="18" charset="0"/>
+              </a:rPr>
+              <a:t>medições sobre o ambiente</a:t>
+            </a:r>
+            <a:r>
+              <a:rPr lang="pt-BR" sz="2000" dirty="0">
+                <a:solidFill>
+                  <a:schemeClr val="tx1"/>
+                </a:solidFill>
+                <a:latin typeface="Times New Roman" panose="02020603050405020304" pitchFamily="18" charset="0"/>
+                <a:cs typeface="Times New Roman" panose="02020603050405020304" pitchFamily="18" charset="0"/>
+              </a:rPr>
+              <a:t>) enviados dos dispositivos para a nuvem. Os dados de telemetria enviados de um dispositivo para a nuvem são chamados de dados de "</a:t>
+            </a:r>
+            <a:r>
+              <a:rPr lang="pt-BR" sz="2000" b="1" dirty="0">
+                <a:solidFill>
+                  <a:schemeClr val="tx1"/>
+                </a:solidFill>
+                <a:latin typeface="Times New Roman" panose="02020603050405020304" pitchFamily="18" charset="0"/>
+                <a:cs typeface="Times New Roman" panose="02020603050405020304" pitchFamily="18" charset="0"/>
+              </a:rPr>
+              <a:t>evento de telemetria do dispositivo</a:t>
+            </a:r>
+            <a:r>
+              <a:rPr lang="pt-BR" sz="2000" dirty="0">
+                <a:solidFill>
+                  <a:schemeClr val="tx1"/>
+                </a:solidFill>
+                <a:latin typeface="Times New Roman" panose="02020603050405020304" pitchFamily="18" charset="0"/>
+                <a:cs typeface="Times New Roman" panose="02020603050405020304" pitchFamily="18" charset="0"/>
+              </a:rPr>
+              <a:t>".</a:t>
+            </a:r>
+          </a:p>
+        </p:txBody>
+      </p:sp>
+    </p:spTree>
+    <p:extLst>
+      <p:ext uri="{BB962C8B-B14F-4D97-AF65-F5344CB8AC3E}">
+        <p14:creationId xmlns:p14="http://schemas.microsoft.com/office/powerpoint/2010/main" val="3020894510"/>
+      </p:ext>
+    </p:extLst>
+  </p:cSld>
+  <p:clrMapOvr>
+    <a:masterClrMapping/>
+  </p:clrMapOvr>
+  <p:transition spd="med"/>
+</p:sld>
+</file>
+
+<file path=ppt/slides/slide6.xml><?xml version="1.0" encoding="utf-8"?>
+<p:sld xmlns:a="http://schemas.openxmlformats.org/drawingml/2006/main" xmlns:r="http://schemas.openxmlformats.org/officeDocument/2006/relationships" xmlns:p="http://schemas.openxmlformats.org/presentationml/2006/main">
+  <p:cSld>
+    <p:spTree>
+      <p:nvGrpSpPr>
+        <p:cNvPr id="1" name=""/>
+        <p:cNvGrpSpPr/>
+        <p:nvPr/>
+      </p:nvGrpSpPr>
+      <p:grpSpPr>
+        <a:xfrm>
+          <a:off x="0" y="0"/>
+          <a:ext cx="0" cy="0"/>
+          <a:chOff x="0" y="0"/>
+          <a:chExt cx="0" cy="0"/>
+        </a:xfrm>
+      </p:grpSpPr>
+      <p:sp>
+        <p:nvSpPr>
+          <p:cNvPr id="6" name="Title 1"/>
+          <p:cNvSpPr>
+            <a:spLocks noGrp="1"/>
+          </p:cNvSpPr>
+          <p:nvPr>
+            <p:ph type="title"/>
+          </p:nvPr>
+        </p:nvSpPr>
+        <p:spPr>
+          <a:xfrm>
+            <a:off x="457200" y="205980"/>
+            <a:ext cx="8229600" cy="857251"/>
+          </a:xfrm>
+        </p:spPr>
+        <p:txBody>
+          <a:bodyPr>
+            <a:normAutofit fontScale="90000"/>
+          </a:bodyPr>
+          <a:lstStyle/>
+          <a:p>
+            <a:r>
+              <a:rPr lang="pt-BR" b="1" dirty="0">
+                <a:solidFill>
+                  <a:srgbClr val="0070C0"/>
+                </a:solidFill>
+              </a:rPr>
+              <a:t>Integração Cloud </a:t>
+            </a:r>
+            <a:r>
+              <a:rPr lang="pt-BR" b="1" dirty="0" err="1">
+                <a:solidFill>
+                  <a:srgbClr val="0070C0"/>
+                </a:solidFill>
+              </a:rPr>
+              <a:t>IoT</a:t>
+            </a:r>
+            <a:r>
+              <a:rPr lang="pt-BR" b="1" dirty="0">
+                <a:solidFill>
+                  <a:srgbClr val="0070C0"/>
+                </a:solidFill>
+              </a:rPr>
+              <a:t> – Características</a:t>
+            </a:r>
+            <a:endParaRPr lang="en-US" b="1" dirty="0">
+              <a:solidFill>
+                <a:srgbClr val="0070C0"/>
+              </a:solidFill>
+            </a:endParaRPr>
+          </a:p>
+        </p:txBody>
+      </p:sp>
+      <p:sp>
+        <p:nvSpPr>
+          <p:cNvPr id="8" name="Text Placeholder 2"/>
+          <p:cNvSpPr>
+            <a:spLocks noGrp="1"/>
+          </p:cNvSpPr>
+          <p:nvPr>
+            <p:ph type="body" sz="half" idx="1"/>
+          </p:nvPr>
+        </p:nvSpPr>
+        <p:spPr>
+          <a:xfrm>
+            <a:off x="142865" y="1200150"/>
+            <a:ext cx="8865056" cy="3737370"/>
+          </a:xfrm>
+        </p:spPr>
+        <p:txBody>
+          <a:bodyPr>
+            <a:noAutofit/>
+          </a:bodyPr>
+          <a:lstStyle/>
+          <a:p>
+            <a:pPr marL="0" indent="0" algn="just">
+              <a:buNone/>
+            </a:pPr>
+            <a:r>
+              <a:rPr lang="pt-BR" sz="2000" dirty="0">
+                <a:solidFill>
+                  <a:schemeClr val="tx1"/>
+                </a:solidFill>
+                <a:latin typeface="Times New Roman" panose="02020603050405020304" pitchFamily="18" charset="0"/>
+                <a:cs typeface="Times New Roman" panose="02020603050405020304" pitchFamily="18" charset="0"/>
+              </a:rPr>
+              <a:t>Você pode usar as </a:t>
+            </a:r>
+            <a:r>
+              <a:rPr lang="pt-BR" sz="2000" b="1" dirty="0">
+                <a:solidFill>
+                  <a:srgbClr val="FF0000"/>
+                </a:solidFill>
+                <a:latin typeface="Times New Roman" panose="02020603050405020304" pitchFamily="18" charset="0"/>
+                <a:cs typeface="Times New Roman" panose="02020603050405020304" pitchFamily="18" charset="0"/>
+              </a:rPr>
+              <a:t>soluções de Big Data</a:t>
+            </a:r>
+            <a:r>
+              <a:rPr lang="pt-BR" sz="2000" dirty="0">
+                <a:solidFill>
+                  <a:schemeClr val="tx1"/>
+                </a:solidFill>
+                <a:latin typeface="Times New Roman" panose="02020603050405020304" pitchFamily="18" charset="0"/>
+                <a:cs typeface="Times New Roman" panose="02020603050405020304" pitchFamily="18" charset="0"/>
+              </a:rPr>
+              <a:t> de provedores Cloud para analisar os dados de </a:t>
+            </a:r>
+            <a:r>
+              <a:rPr lang="pt-BR" sz="2000" b="1" dirty="0">
+                <a:solidFill>
+                  <a:schemeClr val="tx1"/>
+                </a:solidFill>
+                <a:latin typeface="Times New Roman" panose="02020603050405020304" pitchFamily="18" charset="0"/>
+                <a:cs typeface="Times New Roman" panose="02020603050405020304" pitchFamily="18" charset="0"/>
+              </a:rPr>
+              <a:t>telemetria</a:t>
+            </a:r>
+            <a:r>
+              <a:rPr lang="pt-BR" sz="2000" dirty="0">
+                <a:solidFill>
+                  <a:schemeClr val="tx1"/>
+                </a:solidFill>
+                <a:latin typeface="Times New Roman" panose="02020603050405020304" pitchFamily="18" charset="0"/>
+                <a:cs typeface="Times New Roman" panose="02020603050405020304" pitchFamily="18" charset="0"/>
+              </a:rPr>
+              <a:t>.</a:t>
+            </a:r>
+          </a:p>
+          <a:p>
+            <a:pPr marL="0" indent="0" algn="just">
+              <a:buNone/>
+            </a:pPr>
+            <a:endParaRPr lang="pt-BR" sz="2000" dirty="0">
+              <a:solidFill>
+                <a:schemeClr val="tx1"/>
+              </a:solidFill>
+              <a:latin typeface="Times New Roman" panose="02020603050405020304" pitchFamily="18" charset="0"/>
+              <a:cs typeface="Times New Roman" panose="02020603050405020304" pitchFamily="18" charset="0"/>
+            </a:endParaRPr>
+          </a:p>
+          <a:p>
+            <a:pPr marL="0" indent="0" algn="just">
+              <a:buNone/>
+            </a:pPr>
+            <a:r>
+              <a:rPr lang="pt-BR" sz="2000" b="1" dirty="0">
+                <a:solidFill>
+                  <a:schemeClr val="tx1"/>
+                </a:solidFill>
+                <a:latin typeface="Times New Roman" panose="02020603050405020304" pitchFamily="18" charset="0"/>
+                <a:cs typeface="Times New Roman" panose="02020603050405020304" pitchFamily="18" charset="0"/>
+              </a:rPr>
+              <a:t>Estado do Dispositivo</a:t>
+            </a:r>
+          </a:p>
+          <a:p>
+            <a:pPr marL="0" indent="0" algn="just">
+              <a:buNone/>
+            </a:pPr>
+            <a:endParaRPr lang="pt-BR" sz="2000" dirty="0">
+              <a:solidFill>
+                <a:schemeClr val="tx1"/>
+              </a:solidFill>
+              <a:latin typeface="Times New Roman" panose="02020603050405020304" pitchFamily="18" charset="0"/>
+              <a:cs typeface="Times New Roman" panose="02020603050405020304" pitchFamily="18" charset="0"/>
+            </a:endParaRPr>
+          </a:p>
+          <a:p>
+            <a:pPr marL="0" indent="0" algn="just">
+              <a:buNone/>
+            </a:pPr>
+            <a:r>
+              <a:rPr lang="pt-BR" sz="2000" dirty="0">
+                <a:solidFill>
+                  <a:schemeClr val="tx1"/>
+                </a:solidFill>
+                <a:latin typeface="Times New Roman" panose="02020603050405020304" pitchFamily="18" charset="0"/>
+                <a:cs typeface="Times New Roman" panose="02020603050405020304" pitchFamily="18" charset="0"/>
+              </a:rPr>
+              <a:t>Um </a:t>
+            </a:r>
+            <a:r>
+              <a:rPr lang="pt-BR" sz="2000" b="1" dirty="0" err="1">
+                <a:solidFill>
+                  <a:schemeClr val="tx1"/>
+                </a:solidFill>
+                <a:latin typeface="Times New Roman" panose="02020603050405020304" pitchFamily="18" charset="0"/>
+                <a:cs typeface="Times New Roman" panose="02020603050405020304" pitchFamily="18" charset="0"/>
+              </a:rPr>
+              <a:t>blob</a:t>
+            </a:r>
+            <a:r>
+              <a:rPr lang="pt-BR" sz="2000" b="1" dirty="0">
+                <a:solidFill>
+                  <a:schemeClr val="tx1"/>
+                </a:solidFill>
+                <a:latin typeface="Times New Roman" panose="02020603050405020304" pitchFamily="18" charset="0"/>
+                <a:cs typeface="Times New Roman" panose="02020603050405020304" pitchFamily="18" charset="0"/>
+              </a:rPr>
+              <a:t> de dados arbitrário</a:t>
+            </a:r>
+            <a:r>
+              <a:rPr lang="pt-BR" sz="2000" dirty="0">
+                <a:solidFill>
+                  <a:schemeClr val="tx1"/>
+                </a:solidFill>
+                <a:latin typeface="Times New Roman" panose="02020603050405020304" pitchFamily="18" charset="0"/>
+                <a:cs typeface="Times New Roman" panose="02020603050405020304" pitchFamily="18" charset="0"/>
+              </a:rPr>
+              <a:t> e definido pelo usuário que descreve o status atual do dispositivo. </a:t>
+            </a:r>
+          </a:p>
+          <a:p>
+            <a:pPr marL="0" indent="0" algn="just">
+              <a:buNone/>
+            </a:pPr>
+            <a:endParaRPr lang="pt-BR" sz="2000" dirty="0">
+              <a:solidFill>
+                <a:schemeClr val="tx1"/>
+              </a:solidFill>
+              <a:latin typeface="Times New Roman" panose="02020603050405020304" pitchFamily="18" charset="0"/>
+              <a:cs typeface="Times New Roman" panose="02020603050405020304" pitchFamily="18" charset="0"/>
+            </a:endParaRPr>
+          </a:p>
+          <a:p>
+            <a:pPr marL="0" indent="0" algn="just">
+              <a:buNone/>
+            </a:pPr>
+            <a:r>
+              <a:rPr lang="pt-BR" sz="2000" dirty="0">
+                <a:solidFill>
+                  <a:schemeClr val="tx1"/>
+                </a:solidFill>
+                <a:latin typeface="Times New Roman" panose="02020603050405020304" pitchFamily="18" charset="0"/>
+                <a:cs typeface="Times New Roman" panose="02020603050405020304" pitchFamily="18" charset="0"/>
+              </a:rPr>
+              <a:t>Os </a:t>
+            </a:r>
+            <a:r>
+              <a:rPr lang="pt-BR" sz="2000" b="1" dirty="0">
+                <a:solidFill>
+                  <a:schemeClr val="tx1"/>
+                </a:solidFill>
+                <a:latin typeface="Times New Roman" panose="02020603050405020304" pitchFamily="18" charset="0"/>
+                <a:cs typeface="Times New Roman" panose="02020603050405020304" pitchFamily="18" charset="0"/>
+              </a:rPr>
+              <a:t>dados de estado do dispositivo</a:t>
+            </a:r>
+            <a:r>
+              <a:rPr lang="pt-BR" sz="2000" dirty="0">
+                <a:solidFill>
+                  <a:schemeClr val="tx1"/>
+                </a:solidFill>
+                <a:latin typeface="Times New Roman" panose="02020603050405020304" pitchFamily="18" charset="0"/>
+                <a:cs typeface="Times New Roman" panose="02020603050405020304" pitchFamily="18" charset="0"/>
+              </a:rPr>
+              <a:t> podem ser estruturados ou não e fluem apenas do dispositivo para a nuvem.</a:t>
+            </a:r>
+          </a:p>
+        </p:txBody>
+      </p:sp>
+    </p:spTree>
+    <p:extLst>
+      <p:ext uri="{BB962C8B-B14F-4D97-AF65-F5344CB8AC3E}">
+        <p14:creationId xmlns:p14="http://schemas.microsoft.com/office/powerpoint/2010/main" val="1097062581"/>
+      </p:ext>
+    </p:extLst>
+  </p:cSld>
+  <p:clrMapOvr>
+    <a:masterClrMapping/>
+  </p:clrMapOvr>
+  <p:transition spd="med"/>
+</p:sld>
+</file>
+
+<file path=ppt/slides/slide7.xml><?xml version="1.0" encoding="utf-8"?>
+<p:sld xmlns:a="http://schemas.openxmlformats.org/drawingml/2006/main" xmlns:r="http://schemas.openxmlformats.org/officeDocument/2006/relationships" xmlns:p="http://schemas.openxmlformats.org/presentationml/2006/main">
+  <p:cSld>
+    <p:spTree>
+      <p:nvGrpSpPr>
+        <p:cNvPr id="1" name=""/>
+        <p:cNvGrpSpPr/>
+        <p:nvPr/>
+      </p:nvGrpSpPr>
+      <p:grpSpPr>
+        <a:xfrm>
+          <a:off x="0" y="0"/>
+          <a:ext cx="0" cy="0"/>
+          <a:chOff x="0" y="0"/>
+          <a:chExt cx="0" cy="0"/>
+        </a:xfrm>
+      </p:grpSpPr>
+      <p:sp>
+        <p:nvSpPr>
+          <p:cNvPr id="6" name="Title 1"/>
+          <p:cNvSpPr>
+            <a:spLocks noGrp="1"/>
+          </p:cNvSpPr>
+          <p:nvPr>
+            <p:ph type="title"/>
+          </p:nvPr>
+        </p:nvSpPr>
+        <p:spPr>
+          <a:xfrm>
+            <a:off x="457200" y="205980"/>
+            <a:ext cx="8229600" cy="857251"/>
+          </a:xfrm>
+        </p:spPr>
+        <p:txBody>
+          <a:bodyPr>
+            <a:normAutofit fontScale="90000"/>
+          </a:bodyPr>
+          <a:lstStyle/>
+          <a:p>
+            <a:r>
+              <a:rPr lang="pt-BR" b="1" dirty="0">
+                <a:solidFill>
+                  <a:srgbClr val="0070C0"/>
+                </a:solidFill>
+              </a:rPr>
+              <a:t>Integração Cloud </a:t>
+            </a:r>
+            <a:r>
+              <a:rPr lang="pt-BR" b="1" dirty="0" err="1">
+                <a:solidFill>
+                  <a:srgbClr val="0070C0"/>
+                </a:solidFill>
+              </a:rPr>
+              <a:t>IoT</a:t>
+            </a:r>
+            <a:r>
+              <a:rPr lang="pt-BR" b="1" dirty="0">
+                <a:solidFill>
+                  <a:srgbClr val="0070C0"/>
+                </a:solidFill>
+              </a:rPr>
+              <a:t> – Características</a:t>
+            </a:r>
+            <a:endParaRPr lang="en-US" b="1" dirty="0">
+              <a:solidFill>
+                <a:srgbClr val="0070C0"/>
+              </a:solidFill>
+            </a:endParaRPr>
+          </a:p>
+        </p:txBody>
+      </p:sp>
+      <p:sp>
+        <p:nvSpPr>
+          <p:cNvPr id="8" name="Text Placeholder 2"/>
+          <p:cNvSpPr>
+            <a:spLocks noGrp="1"/>
+          </p:cNvSpPr>
+          <p:nvPr>
+            <p:ph type="body" sz="half" idx="1"/>
+          </p:nvPr>
+        </p:nvSpPr>
+        <p:spPr>
+          <a:xfrm>
+            <a:off x="142865" y="1200150"/>
+            <a:ext cx="8865056" cy="3737370"/>
+          </a:xfrm>
+        </p:spPr>
+        <p:txBody>
+          <a:bodyPr>
+            <a:noAutofit/>
+          </a:bodyPr>
+          <a:lstStyle/>
+          <a:p>
+            <a:pPr marL="0" indent="0" algn="just">
+              <a:buNone/>
+            </a:pPr>
+            <a:r>
+              <a:rPr lang="pt-BR" sz="2000" b="1" dirty="0">
+                <a:solidFill>
+                  <a:schemeClr val="tx1"/>
+                </a:solidFill>
+                <a:latin typeface="Times New Roman" panose="02020603050405020304" pitchFamily="18" charset="0"/>
+                <a:cs typeface="Times New Roman" panose="02020603050405020304" pitchFamily="18" charset="0"/>
+              </a:rPr>
+              <a:t>Gerenciador de dispositivos</a:t>
+            </a:r>
+          </a:p>
+          <a:p>
+            <a:pPr marL="0" indent="0" algn="just">
+              <a:buNone/>
+            </a:pPr>
+            <a:r>
+              <a:rPr lang="pt-BR" sz="2000" dirty="0">
+                <a:solidFill>
+                  <a:schemeClr val="tx1"/>
+                </a:solidFill>
+                <a:latin typeface="Times New Roman" panose="02020603050405020304" pitchFamily="18" charset="0"/>
+                <a:cs typeface="Times New Roman" panose="02020603050405020304" pitchFamily="18" charset="0"/>
+              </a:rPr>
+              <a:t>O serviço que você usa para monitorar a integridade e a atividade do dispositivo, </a:t>
+            </a:r>
+            <a:r>
+              <a:rPr lang="pt-BR" sz="2000" b="1" dirty="0">
+                <a:solidFill>
+                  <a:schemeClr val="tx1"/>
+                </a:solidFill>
+                <a:latin typeface="Times New Roman" panose="02020603050405020304" pitchFamily="18" charset="0"/>
+                <a:cs typeface="Times New Roman" panose="02020603050405020304" pitchFamily="18" charset="0"/>
+              </a:rPr>
+              <a:t>atualizar as configurações e gerenciar as credenciais e a autenticação</a:t>
+            </a:r>
+            <a:r>
+              <a:rPr lang="pt-BR" sz="2000" dirty="0">
+                <a:solidFill>
+                  <a:schemeClr val="tx1"/>
+                </a:solidFill>
+                <a:latin typeface="Times New Roman" panose="02020603050405020304" pitchFamily="18" charset="0"/>
+                <a:cs typeface="Times New Roman" panose="02020603050405020304" pitchFamily="18" charset="0"/>
+              </a:rPr>
+              <a:t>.</a:t>
+            </a:r>
+          </a:p>
+          <a:p>
+            <a:pPr marL="0" indent="0" algn="just">
+              <a:buNone/>
+            </a:pPr>
+            <a:endParaRPr lang="pt-BR" sz="2000" dirty="0">
+              <a:solidFill>
+                <a:schemeClr val="tx1"/>
+              </a:solidFill>
+              <a:latin typeface="Times New Roman" panose="02020603050405020304" pitchFamily="18" charset="0"/>
+              <a:cs typeface="Times New Roman" panose="02020603050405020304" pitchFamily="18" charset="0"/>
+            </a:endParaRPr>
+          </a:p>
+          <a:p>
+            <a:pPr marL="0" indent="0" algn="just">
+              <a:buNone/>
+            </a:pPr>
+            <a:r>
+              <a:rPr lang="pt-BR" sz="2000" b="1" dirty="0">
+                <a:solidFill>
+                  <a:schemeClr val="tx1"/>
+                </a:solidFill>
+                <a:latin typeface="Times New Roman" panose="02020603050405020304" pitchFamily="18" charset="0"/>
+                <a:cs typeface="Times New Roman" panose="02020603050405020304" pitchFamily="18" charset="0"/>
+              </a:rPr>
+              <a:t>MQTT (</a:t>
+            </a:r>
+            <a:r>
+              <a:rPr lang="pt-BR" sz="2000" b="1" dirty="0">
+                <a:solidFill>
+                  <a:srgbClr val="FF0000"/>
+                </a:solidFill>
+                <a:latin typeface="Times New Roman" panose="02020603050405020304" pitchFamily="18" charset="0"/>
+                <a:cs typeface="Times New Roman" panose="02020603050405020304" pitchFamily="18" charset="0"/>
+              </a:rPr>
+              <a:t>protocolo de mensagens de publicação/inscrição</a:t>
+            </a:r>
+            <a:r>
+              <a:rPr lang="pt-BR" sz="2000" dirty="0">
+                <a:solidFill>
+                  <a:schemeClr val="tx1"/>
+                </a:solidFill>
+                <a:latin typeface="Times New Roman" panose="02020603050405020304" pitchFamily="18" charset="0"/>
+                <a:cs typeface="Times New Roman" panose="02020603050405020304" pitchFamily="18" charset="0"/>
+              </a:rPr>
+              <a:t> (</a:t>
+            </a:r>
+            <a:r>
+              <a:rPr lang="pt-BR" sz="2000" b="1" dirty="0">
+                <a:solidFill>
+                  <a:schemeClr val="tx1"/>
+                </a:solidFill>
+                <a:latin typeface="Times New Roman" panose="02020603050405020304" pitchFamily="18" charset="0"/>
+                <a:cs typeface="Times New Roman" panose="02020603050405020304" pitchFamily="18" charset="0"/>
+              </a:rPr>
+              <a:t>pub/sub</a:t>
+            </a:r>
+            <a:r>
+              <a:rPr lang="pt-BR" sz="2000" dirty="0">
+                <a:solidFill>
+                  <a:schemeClr val="tx1"/>
+                </a:solidFill>
+                <a:latin typeface="Times New Roman" panose="02020603050405020304" pitchFamily="18" charset="0"/>
+                <a:cs typeface="Times New Roman" panose="02020603050405020304" pitchFamily="18" charset="0"/>
+              </a:rPr>
+              <a:t>))</a:t>
+            </a:r>
+            <a:endParaRPr lang="pt-BR" sz="2000" b="1" dirty="0">
+              <a:solidFill>
+                <a:schemeClr val="tx1"/>
+              </a:solidFill>
+              <a:latin typeface="Times New Roman" panose="02020603050405020304" pitchFamily="18" charset="0"/>
+              <a:cs typeface="Times New Roman" panose="02020603050405020304" pitchFamily="18" charset="0"/>
+            </a:endParaRPr>
+          </a:p>
+          <a:p>
+            <a:pPr marL="0" indent="0" algn="just">
+              <a:buNone/>
+            </a:pPr>
+            <a:r>
+              <a:rPr lang="pt-BR" sz="2000" dirty="0">
+                <a:solidFill>
+                  <a:schemeClr val="tx1"/>
+                </a:solidFill>
+                <a:latin typeface="Times New Roman" panose="02020603050405020304" pitchFamily="18" charset="0"/>
+                <a:cs typeface="Times New Roman" panose="02020603050405020304" pitchFamily="18" charset="0"/>
+              </a:rPr>
+              <a:t>Um </a:t>
+            </a:r>
+            <a:r>
+              <a:rPr lang="pt-BR" sz="2000" b="1" dirty="0">
+                <a:solidFill>
+                  <a:schemeClr val="tx1"/>
+                </a:solidFill>
+                <a:latin typeface="Times New Roman" panose="02020603050405020304" pitchFamily="18" charset="0"/>
+                <a:cs typeface="Times New Roman" panose="02020603050405020304" pitchFamily="18" charset="0"/>
+              </a:rPr>
+              <a:t>protocolo de </a:t>
+            </a:r>
+            <a:r>
+              <a:rPr lang="pt-BR" sz="2000" b="1" dirty="0" err="1">
+                <a:solidFill>
+                  <a:schemeClr val="tx1"/>
+                </a:solidFill>
+                <a:latin typeface="Times New Roman" panose="02020603050405020304" pitchFamily="18" charset="0"/>
+                <a:cs typeface="Times New Roman" panose="02020603050405020304" pitchFamily="18" charset="0"/>
+              </a:rPr>
+              <a:t>IoT</a:t>
+            </a:r>
+            <a:r>
+              <a:rPr lang="pt-BR" sz="2000" dirty="0">
+                <a:solidFill>
+                  <a:schemeClr val="tx1"/>
+                </a:solidFill>
+                <a:latin typeface="Times New Roman" panose="02020603050405020304" pitchFamily="18" charset="0"/>
+                <a:cs typeface="Times New Roman" panose="02020603050405020304" pitchFamily="18" charset="0"/>
+              </a:rPr>
+              <a:t> padrão do setor (</a:t>
+            </a:r>
+            <a:r>
+              <a:rPr lang="pt-BR" sz="2000" b="1" dirty="0" err="1">
+                <a:solidFill>
+                  <a:schemeClr val="tx1"/>
+                </a:solidFill>
+                <a:latin typeface="Times New Roman" panose="02020603050405020304" pitchFamily="18" charset="0"/>
+                <a:cs typeface="Times New Roman" panose="02020603050405020304" pitchFamily="18" charset="0"/>
+              </a:rPr>
+              <a:t>Message</a:t>
+            </a:r>
+            <a:r>
+              <a:rPr lang="pt-BR" sz="2000" b="1" dirty="0">
+                <a:solidFill>
+                  <a:schemeClr val="tx1"/>
+                </a:solidFill>
+                <a:latin typeface="Times New Roman" panose="02020603050405020304" pitchFamily="18" charset="0"/>
+                <a:cs typeface="Times New Roman" panose="02020603050405020304" pitchFamily="18" charset="0"/>
+              </a:rPr>
+              <a:t> </a:t>
+            </a:r>
+            <a:r>
+              <a:rPr lang="pt-BR" sz="2000" b="1" dirty="0" err="1">
+                <a:solidFill>
+                  <a:schemeClr val="tx1"/>
+                </a:solidFill>
+                <a:latin typeface="Times New Roman" panose="02020603050405020304" pitchFamily="18" charset="0"/>
+                <a:cs typeface="Times New Roman" panose="02020603050405020304" pitchFamily="18" charset="0"/>
+              </a:rPr>
+              <a:t>Queue</a:t>
+            </a:r>
+            <a:r>
+              <a:rPr lang="pt-BR" sz="2000" b="1" dirty="0">
+                <a:solidFill>
+                  <a:schemeClr val="tx1"/>
+                </a:solidFill>
+                <a:latin typeface="Times New Roman" panose="02020603050405020304" pitchFamily="18" charset="0"/>
+                <a:cs typeface="Times New Roman" panose="02020603050405020304" pitchFamily="18" charset="0"/>
+              </a:rPr>
+              <a:t> </a:t>
+            </a:r>
+            <a:r>
+              <a:rPr lang="pt-BR" sz="2000" b="1" dirty="0" err="1">
+                <a:solidFill>
+                  <a:schemeClr val="tx1"/>
+                </a:solidFill>
+                <a:latin typeface="Times New Roman" panose="02020603050405020304" pitchFamily="18" charset="0"/>
+                <a:cs typeface="Times New Roman" panose="02020603050405020304" pitchFamily="18" charset="0"/>
+              </a:rPr>
+              <a:t>Telemetry</a:t>
+            </a:r>
+            <a:r>
+              <a:rPr lang="pt-BR" sz="2000" b="1" dirty="0">
+                <a:solidFill>
+                  <a:schemeClr val="tx1"/>
+                </a:solidFill>
+                <a:latin typeface="Times New Roman" panose="02020603050405020304" pitchFamily="18" charset="0"/>
+                <a:cs typeface="Times New Roman" panose="02020603050405020304" pitchFamily="18" charset="0"/>
+              </a:rPr>
+              <a:t> </a:t>
+            </a:r>
+            <a:r>
+              <a:rPr lang="pt-BR" sz="2000" b="1" dirty="0" err="1">
+                <a:solidFill>
+                  <a:schemeClr val="tx1"/>
+                </a:solidFill>
+                <a:latin typeface="Times New Roman" panose="02020603050405020304" pitchFamily="18" charset="0"/>
+                <a:cs typeface="Times New Roman" panose="02020603050405020304" pitchFamily="18" charset="0"/>
+              </a:rPr>
+              <a:t>Transport</a:t>
+            </a:r>
+            <a:r>
+              <a:rPr lang="pt-BR" sz="2000" dirty="0">
+                <a:solidFill>
+                  <a:schemeClr val="tx1"/>
+                </a:solidFill>
+                <a:latin typeface="Times New Roman" panose="02020603050405020304" pitchFamily="18" charset="0"/>
+                <a:cs typeface="Times New Roman" panose="02020603050405020304" pitchFamily="18" charset="0"/>
+              </a:rPr>
+              <a:t>). </a:t>
+            </a:r>
+          </a:p>
+          <a:p>
+            <a:pPr marL="0" indent="0" algn="just">
+              <a:buNone/>
+            </a:pPr>
+            <a:endParaRPr lang="pt-BR" sz="2000" dirty="0">
+              <a:solidFill>
+                <a:schemeClr val="tx1"/>
+              </a:solidFill>
+              <a:latin typeface="Times New Roman" panose="02020603050405020304" pitchFamily="18" charset="0"/>
+              <a:cs typeface="Times New Roman" panose="02020603050405020304" pitchFamily="18" charset="0"/>
+            </a:endParaRPr>
+          </a:p>
+          <a:p>
+            <a:pPr marL="0" indent="0" algn="just">
+              <a:buNone/>
+            </a:pPr>
+            <a:r>
+              <a:rPr lang="pt-BR" sz="2000" dirty="0">
+                <a:solidFill>
+                  <a:schemeClr val="tx1"/>
+                </a:solidFill>
+                <a:latin typeface="Times New Roman" panose="02020603050405020304" pitchFamily="18" charset="0"/>
+                <a:cs typeface="Times New Roman" panose="02020603050405020304" pitchFamily="18" charset="0"/>
+                <a:hlinkClick r:id="rId3"/>
+              </a:rPr>
+              <a:t>https://www.simplesoft.com/SimpleIoTSimulator.html?gclid=CjwKCAjw3ueiBhBmEiwA4BhspBMZ7OIyqMAjqQCFmNxWjYrttAomFtard9wRgFrmU5BNxq_NTZ5gBhoCwqAQAvD_BwE</a:t>
+            </a:r>
+            <a:r>
+              <a:rPr lang="pt-BR" sz="2000" dirty="0">
+                <a:solidFill>
+                  <a:schemeClr val="tx1"/>
+                </a:solidFill>
+                <a:latin typeface="Times New Roman" panose="02020603050405020304" pitchFamily="18" charset="0"/>
+                <a:cs typeface="Times New Roman" panose="02020603050405020304" pitchFamily="18" charset="0"/>
+              </a:rPr>
+              <a:t> </a:t>
+            </a:r>
+          </a:p>
+        </p:txBody>
+      </p:sp>
+    </p:spTree>
+    <p:extLst>
+      <p:ext uri="{BB962C8B-B14F-4D97-AF65-F5344CB8AC3E}">
+        <p14:creationId xmlns:p14="http://schemas.microsoft.com/office/powerpoint/2010/main" val="1831721175"/>
+      </p:ext>
+    </p:extLst>
+  </p:cSld>
+  <p:clrMapOvr>
+    <a:masterClrMapping/>
+  </p:clrMapOvr>
+  <p:transition spd="med"/>
+</p:sld>
+</file>
+
+<file path=ppt/slides/slide8.xml><?xml version="1.0" encoding="utf-8"?>
+<p:sld xmlns:a="http://schemas.openxmlformats.org/drawingml/2006/main" xmlns:r="http://schemas.openxmlformats.org/officeDocument/2006/relationships" xmlns:p="http://schemas.openxmlformats.org/presentationml/2006/main">
+  <p:cSld>
+    <p:spTree>
+      <p:nvGrpSpPr>
+        <p:cNvPr id="1" name=""/>
+        <p:cNvGrpSpPr/>
+        <p:nvPr/>
+      </p:nvGrpSpPr>
+      <p:grpSpPr>
+        <a:xfrm>
+          <a:off x="0" y="0"/>
+          <a:ext cx="0" cy="0"/>
+          <a:chOff x="0" y="0"/>
+          <a:chExt cx="0" cy="0"/>
+        </a:xfrm>
+      </p:grpSpPr>
+      <p:sp>
+        <p:nvSpPr>
+          <p:cNvPr id="6" name="Title 1"/>
+          <p:cNvSpPr>
+            <a:spLocks noGrp="1"/>
+          </p:cNvSpPr>
+          <p:nvPr>
+            <p:ph type="title"/>
+          </p:nvPr>
+        </p:nvSpPr>
+        <p:spPr>
+          <a:xfrm>
+            <a:off x="457200" y="205980"/>
+            <a:ext cx="8229600" cy="857251"/>
+          </a:xfrm>
+        </p:spPr>
+        <p:txBody>
+          <a:bodyPr>
+            <a:normAutofit fontScale="90000"/>
+          </a:bodyPr>
+          <a:lstStyle/>
+          <a:p>
+            <a:r>
+              <a:rPr lang="pt-BR" b="1" dirty="0">
+                <a:solidFill>
+                  <a:srgbClr val="0070C0"/>
+                </a:solidFill>
+              </a:rPr>
+              <a:t>Integração Cloud </a:t>
+            </a:r>
+            <a:r>
+              <a:rPr lang="pt-BR" b="1" dirty="0" err="1">
+                <a:solidFill>
+                  <a:srgbClr val="0070C0"/>
+                </a:solidFill>
+              </a:rPr>
+              <a:t>IoT</a:t>
+            </a:r>
+            <a:r>
+              <a:rPr lang="pt-BR" b="1" dirty="0">
+                <a:solidFill>
+                  <a:srgbClr val="0070C0"/>
+                </a:solidFill>
+              </a:rPr>
+              <a:t> – Características</a:t>
+            </a:r>
+            <a:endParaRPr lang="en-US" b="1" dirty="0">
+              <a:solidFill>
+                <a:srgbClr val="0070C0"/>
+              </a:solidFill>
+            </a:endParaRPr>
+          </a:p>
+        </p:txBody>
+      </p:sp>
+      <p:sp>
+        <p:nvSpPr>
+          <p:cNvPr id="8" name="Text Placeholder 2"/>
+          <p:cNvSpPr>
+            <a:spLocks noGrp="1"/>
+          </p:cNvSpPr>
+          <p:nvPr>
+            <p:ph type="body" sz="half" idx="1"/>
+          </p:nvPr>
+        </p:nvSpPr>
+        <p:spPr>
+          <a:xfrm>
+            <a:off x="142865" y="1200150"/>
+            <a:ext cx="8865056" cy="3737370"/>
+          </a:xfrm>
+        </p:spPr>
+        <p:txBody>
+          <a:bodyPr>
+            <a:noAutofit/>
+          </a:bodyPr>
+          <a:lstStyle/>
+          <a:p>
+            <a:pPr marL="0" indent="0" algn="just">
+              <a:buNone/>
+            </a:pPr>
+            <a:r>
+              <a:rPr lang="pt-BR" sz="2000" b="1" dirty="0">
+                <a:solidFill>
+                  <a:schemeClr val="tx1"/>
+                </a:solidFill>
+                <a:latin typeface="Times New Roman" panose="02020603050405020304" pitchFamily="18" charset="0"/>
+                <a:cs typeface="Times New Roman" panose="02020603050405020304" pitchFamily="18" charset="0"/>
+              </a:rPr>
+              <a:t>Componentes</a:t>
+            </a:r>
+          </a:p>
+          <a:p>
+            <a:pPr marL="0" indent="0" algn="just">
+              <a:buNone/>
+            </a:pPr>
+            <a:r>
+              <a:rPr lang="pt-BR" sz="2000" dirty="0">
+                <a:solidFill>
+                  <a:schemeClr val="tx1"/>
+                </a:solidFill>
+                <a:latin typeface="Times New Roman" panose="02020603050405020304" pitchFamily="18" charset="0"/>
+                <a:cs typeface="Times New Roman" panose="02020603050405020304" pitchFamily="18" charset="0"/>
+              </a:rPr>
+              <a:t>Os principais componentes do Cloud </a:t>
+            </a:r>
+            <a:r>
+              <a:rPr lang="pt-BR" sz="2000" dirty="0" err="1">
+                <a:solidFill>
+                  <a:schemeClr val="tx1"/>
+                </a:solidFill>
+                <a:latin typeface="Times New Roman" panose="02020603050405020304" pitchFamily="18" charset="0"/>
+                <a:cs typeface="Times New Roman" panose="02020603050405020304" pitchFamily="18" charset="0"/>
+              </a:rPr>
+              <a:t>IoT</a:t>
+            </a:r>
+            <a:r>
+              <a:rPr lang="pt-BR" sz="2000" dirty="0">
+                <a:solidFill>
+                  <a:schemeClr val="tx1"/>
+                </a:solidFill>
+                <a:latin typeface="Times New Roman" panose="02020603050405020304" pitchFamily="18" charset="0"/>
+                <a:cs typeface="Times New Roman" panose="02020603050405020304" pitchFamily="18" charset="0"/>
+              </a:rPr>
+              <a:t> Core são o </a:t>
+            </a:r>
+            <a:r>
+              <a:rPr lang="pt-BR" sz="2000" b="1" dirty="0">
+                <a:solidFill>
+                  <a:schemeClr val="tx1"/>
+                </a:solidFill>
+                <a:latin typeface="Times New Roman" panose="02020603050405020304" pitchFamily="18" charset="0"/>
+                <a:cs typeface="Times New Roman" panose="02020603050405020304" pitchFamily="18" charset="0"/>
+              </a:rPr>
+              <a:t>gerenciador de dispositivos</a:t>
+            </a:r>
+            <a:r>
+              <a:rPr lang="pt-BR" sz="2000" dirty="0">
+                <a:solidFill>
+                  <a:schemeClr val="tx1"/>
+                </a:solidFill>
+                <a:latin typeface="Times New Roman" panose="02020603050405020304" pitchFamily="18" charset="0"/>
+                <a:cs typeface="Times New Roman" panose="02020603050405020304" pitchFamily="18" charset="0"/>
+              </a:rPr>
+              <a:t> e as </a:t>
+            </a:r>
+            <a:r>
+              <a:rPr lang="pt-BR" sz="2000" b="1" dirty="0">
+                <a:solidFill>
+                  <a:schemeClr val="tx1"/>
+                </a:solidFill>
+                <a:latin typeface="Times New Roman" panose="02020603050405020304" pitchFamily="18" charset="0"/>
+                <a:cs typeface="Times New Roman" panose="02020603050405020304" pitchFamily="18" charset="0"/>
+              </a:rPr>
+              <a:t>pontes de protocolos</a:t>
+            </a:r>
+            <a:r>
+              <a:rPr lang="pt-BR" sz="2000" dirty="0">
+                <a:solidFill>
+                  <a:schemeClr val="tx1"/>
+                </a:solidFill>
+                <a:latin typeface="Times New Roman" panose="02020603050405020304" pitchFamily="18" charset="0"/>
+                <a:cs typeface="Times New Roman" panose="02020603050405020304" pitchFamily="18" charset="0"/>
+              </a:rPr>
+              <a:t>:</a:t>
+            </a:r>
+          </a:p>
+          <a:p>
+            <a:pPr marL="0" indent="0" algn="just">
+              <a:buNone/>
+            </a:pPr>
+            <a:endParaRPr lang="pt-BR" sz="2000" dirty="0">
+              <a:solidFill>
+                <a:schemeClr val="tx1"/>
+              </a:solidFill>
+              <a:latin typeface="Times New Roman" panose="02020603050405020304" pitchFamily="18" charset="0"/>
+              <a:cs typeface="Times New Roman" panose="02020603050405020304" pitchFamily="18" charset="0"/>
+            </a:endParaRPr>
+          </a:p>
+          <a:p>
+            <a:pPr marL="0" indent="0" algn="just">
+              <a:buNone/>
+            </a:pPr>
+            <a:r>
+              <a:rPr lang="pt-BR" sz="2000" dirty="0">
+                <a:solidFill>
+                  <a:schemeClr val="tx1"/>
+                </a:solidFill>
+                <a:latin typeface="Times New Roman" panose="02020603050405020304" pitchFamily="18" charset="0"/>
+                <a:cs typeface="Times New Roman" panose="02020603050405020304" pitchFamily="18" charset="0"/>
+              </a:rPr>
+              <a:t>O </a:t>
+            </a:r>
+            <a:r>
+              <a:rPr lang="pt-BR" sz="2000" b="1" dirty="0">
+                <a:solidFill>
+                  <a:schemeClr val="tx1"/>
+                </a:solidFill>
+                <a:latin typeface="Times New Roman" panose="02020603050405020304" pitchFamily="18" charset="0"/>
+                <a:cs typeface="Times New Roman" panose="02020603050405020304" pitchFamily="18" charset="0"/>
+              </a:rPr>
+              <a:t>gerenciador de dispositivos</a:t>
+            </a:r>
+            <a:r>
+              <a:rPr lang="pt-BR" sz="2000" dirty="0">
+                <a:solidFill>
+                  <a:schemeClr val="tx1"/>
+                </a:solidFill>
+                <a:latin typeface="Times New Roman" panose="02020603050405020304" pitchFamily="18" charset="0"/>
+                <a:cs typeface="Times New Roman" panose="02020603050405020304" pitchFamily="18" charset="0"/>
+              </a:rPr>
+              <a:t> registra dispositivos no serviço para que você possa monitorá-los e configurá-los.</a:t>
+            </a:r>
+          </a:p>
+          <a:p>
+            <a:pPr marL="0" indent="0" algn="just">
+              <a:buNone/>
+            </a:pPr>
+            <a:endParaRPr lang="pt-BR" sz="2000" dirty="0">
+              <a:solidFill>
+                <a:schemeClr val="tx1"/>
+              </a:solidFill>
+              <a:latin typeface="Times New Roman" panose="02020603050405020304" pitchFamily="18" charset="0"/>
+              <a:cs typeface="Times New Roman" panose="02020603050405020304" pitchFamily="18" charset="0"/>
+            </a:endParaRPr>
+          </a:p>
+          <a:p>
+            <a:pPr marL="0" indent="0" algn="just">
+              <a:buNone/>
+            </a:pPr>
+            <a:r>
+              <a:rPr lang="pt-BR" sz="2000" dirty="0">
+                <a:solidFill>
+                  <a:schemeClr val="tx1"/>
+                </a:solidFill>
+                <a:latin typeface="Times New Roman" panose="02020603050405020304" pitchFamily="18" charset="0"/>
+                <a:cs typeface="Times New Roman" panose="02020603050405020304" pitchFamily="18" charset="0"/>
+              </a:rPr>
+              <a:t>As </a:t>
+            </a:r>
+            <a:r>
+              <a:rPr lang="pt-BR" sz="2000" b="1" dirty="0">
+                <a:solidFill>
+                  <a:schemeClr val="tx1"/>
+                </a:solidFill>
+                <a:latin typeface="Times New Roman" panose="02020603050405020304" pitchFamily="18" charset="0"/>
+                <a:cs typeface="Times New Roman" panose="02020603050405020304" pitchFamily="18" charset="0"/>
+              </a:rPr>
+              <a:t>duas pontes de protocolos</a:t>
+            </a:r>
+            <a:r>
+              <a:rPr lang="pt-BR" sz="2000" dirty="0">
+                <a:solidFill>
+                  <a:schemeClr val="tx1"/>
+                </a:solidFill>
+                <a:latin typeface="Times New Roman" panose="02020603050405020304" pitchFamily="18" charset="0"/>
+                <a:cs typeface="Times New Roman" panose="02020603050405020304" pitchFamily="18" charset="0"/>
+              </a:rPr>
+              <a:t> (</a:t>
+            </a:r>
+            <a:r>
+              <a:rPr lang="pt-BR" sz="2000" b="1" dirty="0">
+                <a:solidFill>
+                  <a:srgbClr val="FF0000"/>
+                </a:solidFill>
+                <a:latin typeface="Times New Roman" panose="02020603050405020304" pitchFamily="18" charset="0"/>
+                <a:cs typeface="Times New Roman" panose="02020603050405020304" pitchFamily="18" charset="0"/>
+              </a:rPr>
+              <a:t>MQTT e HTTP</a:t>
+            </a:r>
+            <a:r>
+              <a:rPr lang="pt-BR" sz="2000" dirty="0">
+                <a:solidFill>
+                  <a:schemeClr val="tx1"/>
+                </a:solidFill>
+                <a:latin typeface="Times New Roman" panose="02020603050405020304" pitchFamily="18" charset="0"/>
+                <a:cs typeface="Times New Roman" panose="02020603050405020304" pitchFamily="18" charset="0"/>
+              </a:rPr>
+              <a:t>) são usadas pelos dispositivos para a conexão com o provedor cloud.</a:t>
+            </a:r>
+          </a:p>
+        </p:txBody>
+      </p:sp>
+    </p:spTree>
+    <p:extLst>
+      <p:ext uri="{BB962C8B-B14F-4D97-AF65-F5344CB8AC3E}">
+        <p14:creationId xmlns:p14="http://schemas.microsoft.com/office/powerpoint/2010/main" val="1977870132"/>
+      </p:ext>
+    </p:extLst>
+  </p:cSld>
+  <p:clrMapOvr>
+    <a:masterClrMapping/>
+  </p:clrMapOvr>
+  <p:transition spd="med"/>
+</p:sld>
+</file>
+
+<file path=ppt/slides/slide9.xml><?xml version="1.0" encoding="utf-8"?>
+<p:sld xmlns:a="http://schemas.openxmlformats.org/drawingml/2006/main" xmlns:r="http://schemas.openxmlformats.org/officeDocument/2006/relationships" xmlns:p="http://schemas.openxmlformats.org/presentationml/2006/main">
+  <p:cSld>
+    <p:spTree>
+      <p:nvGrpSpPr>
+        <p:cNvPr id="1" name=""/>
+        <p:cNvGrpSpPr/>
+        <p:nvPr/>
+      </p:nvGrpSpPr>
+      <p:grpSpPr>
+        <a:xfrm>
+          <a:off x="0" y="0"/>
+          <a:ext cx="0" cy="0"/>
+          <a:chOff x="0" y="0"/>
+          <a:chExt cx="0" cy="0"/>
+        </a:xfrm>
+      </p:grpSpPr>
+      <p:sp>
+        <p:nvSpPr>
+          <p:cNvPr id="6" name="Title 1"/>
+          <p:cNvSpPr>
+            <a:spLocks noGrp="1"/>
+          </p:cNvSpPr>
+          <p:nvPr>
+            <p:ph type="title"/>
+          </p:nvPr>
+        </p:nvSpPr>
+        <p:spPr>
+          <a:xfrm>
+            <a:off x="457200" y="205980"/>
+            <a:ext cx="8229600" cy="857251"/>
+          </a:xfrm>
+        </p:spPr>
+        <p:txBody>
+          <a:bodyPr>
+            <a:normAutofit/>
+          </a:bodyPr>
+          <a:lstStyle/>
+          <a:p>
+            <a:r>
+              <a:rPr lang="pt-BR" b="1" dirty="0">
+                <a:solidFill>
+                  <a:srgbClr val="0070C0"/>
+                </a:solidFill>
+              </a:rPr>
+              <a:t>Integração Cloud </a:t>
+            </a:r>
+            <a:r>
+              <a:rPr lang="pt-BR" b="1" dirty="0" err="1">
+                <a:solidFill>
+                  <a:srgbClr val="0070C0"/>
+                </a:solidFill>
+              </a:rPr>
+              <a:t>IoT</a:t>
+            </a:r>
+            <a:r>
+              <a:rPr lang="pt-BR" b="1" dirty="0">
+                <a:solidFill>
+                  <a:srgbClr val="0070C0"/>
+                </a:solidFill>
+              </a:rPr>
+              <a:t> – GCP</a:t>
+            </a:r>
+            <a:endParaRPr lang="en-US" b="1" dirty="0">
+              <a:solidFill>
+                <a:srgbClr val="0070C0"/>
+              </a:solidFill>
+            </a:endParaRPr>
+          </a:p>
+        </p:txBody>
+      </p:sp>
+      <p:sp>
+        <p:nvSpPr>
+          <p:cNvPr id="8" name="Text Placeholder 2"/>
+          <p:cNvSpPr>
+            <a:spLocks noGrp="1"/>
+          </p:cNvSpPr>
+          <p:nvPr>
+            <p:ph type="body" sz="half" idx="1"/>
+          </p:nvPr>
+        </p:nvSpPr>
+        <p:spPr>
+          <a:xfrm>
+            <a:off x="142865" y="1200150"/>
+            <a:ext cx="8865056" cy="3737370"/>
+          </a:xfrm>
+        </p:spPr>
+        <p:txBody>
+          <a:bodyPr>
+            <a:noAutofit/>
+          </a:bodyPr>
+          <a:lstStyle/>
+          <a:p>
+            <a:pPr marL="0" indent="0" algn="just">
+              <a:buNone/>
+            </a:pPr>
+            <a:endParaRPr lang="pt-BR" sz="2000" dirty="0">
+              <a:solidFill>
+                <a:schemeClr val="tx1"/>
+              </a:solidFill>
+              <a:latin typeface="Times New Roman" panose="02020603050405020304" pitchFamily="18" charset="0"/>
+              <a:cs typeface="Times New Roman" panose="02020603050405020304" pitchFamily="18" charset="0"/>
+            </a:endParaRPr>
+          </a:p>
+          <a:p>
+            <a:pPr marL="0" indent="0" algn="just">
+              <a:buNone/>
+            </a:pPr>
+            <a:endParaRPr lang="pt-BR" sz="2000" dirty="0">
+              <a:solidFill>
+                <a:schemeClr val="tx1"/>
+              </a:solidFill>
+              <a:latin typeface="Times New Roman" panose="02020603050405020304" pitchFamily="18" charset="0"/>
+              <a:cs typeface="Times New Roman" panose="02020603050405020304" pitchFamily="18" charset="0"/>
+            </a:endParaRPr>
+          </a:p>
+        </p:txBody>
+      </p:sp>
+      <p:pic>
+        <p:nvPicPr>
+          <p:cNvPr id="3" name="Imagem 2">
+            <a:extLst>
+              <a:ext uri="{FF2B5EF4-FFF2-40B4-BE49-F238E27FC236}">
+                <a16:creationId xmlns:a16="http://schemas.microsoft.com/office/drawing/2014/main" id="{6429578A-6EC7-52ED-A9ED-DD38A3C90CA7}"/>
+              </a:ext>
+            </a:extLst>
+          </p:cNvPr>
+          <p:cNvPicPr>
+            <a:picLocks noChangeAspect="1"/>
+          </p:cNvPicPr>
+          <p:nvPr/>
+        </p:nvPicPr>
+        <p:blipFill>
+          <a:blip r:embed="rId3"/>
+          <a:stretch>
+            <a:fillRect/>
+          </a:stretch>
+        </p:blipFill>
+        <p:spPr>
+          <a:xfrm>
+            <a:off x="421310" y="1006964"/>
+            <a:ext cx="6958284" cy="4050875"/>
+          </a:xfrm>
+          <a:prstGeom prst="rect">
+            <a:avLst/>
+          </a:prstGeom>
+        </p:spPr>
+      </p:pic>
+    </p:spTree>
+    <p:extLst>
+      <p:ext uri="{BB962C8B-B14F-4D97-AF65-F5344CB8AC3E}">
+        <p14:creationId xmlns:p14="http://schemas.microsoft.com/office/powerpoint/2010/main" val="153152429"/>
+      </p:ext>
+    </p:extLst>
   </p:cSld>
   <p:clrMapOvr>
     <a:masterClrMapping/>
